--- a/gauge/gauge.pptx
+++ b/gauge/gauge.pptx
@@ -7,10 +7,11 @@
   <p:sldIdLst>
     <p:sldId id="271" r:id="rId2"/>
     <p:sldId id="270" r:id="rId3"/>
-    <p:sldId id="269" r:id="rId4"/>
-    <p:sldId id="268" r:id="rId5"/>
-    <p:sldId id="267" r:id="rId6"/>
-    <p:sldId id="266" r:id="rId7"/>
+    <p:sldId id="272" r:id="rId4"/>
+    <p:sldId id="269" r:id="rId5"/>
+    <p:sldId id="268" r:id="rId6"/>
+    <p:sldId id="267" r:id="rId7"/>
+    <p:sldId id="266" r:id="rId8"/>
   </p:sldIdLst>
   <p:sldSz cx="12192000" cy="6858000"/>
   <p:notesSz cx="6858000" cy="9144000"/>
@@ -841,6 +842,11 @@
             </c:strRef>
           </c:tx>
           <c:spPr>
+            <a:ln w="15875">
+              <a:solidFill>
+                <a:schemeClr val="tx1"/>
+              </a:solidFill>
+            </a:ln>
             <a:scene3d>
               <a:camera prst="orthographicFront"/>
               <a:lightRig rig="brightRoom" dir="t"/>
@@ -858,8 +864,10 @@
               <a:solidFill>
                 <a:schemeClr val="accent1"/>
               </a:solidFill>
-              <a:ln>
-                <a:noFill/>
+              <a:ln w="15875">
+                <a:solidFill>
+                  <a:schemeClr val="tx1"/>
+                </a:solidFill>
               </a:ln>
               <a:effectLst/>
               <a:scene3d>
@@ -888,8 +896,10 @@
                   <a:lumOff val="40000"/>
                 </a:schemeClr>
               </a:solidFill>
-              <a:ln>
-                <a:noFill/>
+              <a:ln w="15875">
+                <a:solidFill>
+                  <a:schemeClr val="tx1"/>
+                </a:solidFill>
               </a:ln>
               <a:effectLst/>
               <a:scene3d>
@@ -917,8 +927,10 @@
                   <a:lumMod val="85000"/>
                 </a:schemeClr>
               </a:solidFill>
-              <a:ln>
-                <a:noFill/>
+              <a:ln w="15875">
+                <a:solidFill>
+                  <a:schemeClr val="tx1"/>
+                </a:solidFill>
               </a:ln>
               <a:effectLst/>
               <a:scene3d>
@@ -944,8 +956,10 @@
               <a:solidFill>
                 <a:srgbClr val="DA947B"/>
               </a:solidFill>
-              <a:ln>
-                <a:noFill/>
+              <a:ln w="15875">
+                <a:solidFill>
+                  <a:schemeClr val="tx1"/>
+                </a:solidFill>
               </a:ln>
               <a:effectLst/>
               <a:scene3d>
@@ -971,8 +985,10 @@
               <a:solidFill>
                 <a:srgbClr val="DD3D46"/>
               </a:solidFill>
-              <a:ln>
-                <a:noFill/>
+              <a:ln w="15875">
+                <a:solidFill>
+                  <a:schemeClr val="tx1"/>
+                </a:solidFill>
               </a:ln>
               <a:effectLst/>
               <a:scene3d>
@@ -996,8 +1012,10 @@
             <c:bubble3D val="0"/>
             <c:spPr>
               <a:noFill/>
-              <a:ln>
-                <a:noFill/>
+              <a:ln w="15875">
+                <a:solidFill>
+                  <a:schemeClr val="tx1"/>
+                </a:solidFill>
               </a:ln>
               <a:effectLst/>
             </c:spPr>
@@ -2101,6 +2119,332 @@
 </c:chartSpace>
 </file>
 
+<file path=ppt/charts/chart7.xml><?xml version="1.0" encoding="utf-8"?>
+<c:chartSpace xmlns:c="http://schemas.openxmlformats.org/drawingml/2006/chart" xmlns:a="http://schemas.openxmlformats.org/drawingml/2006/main" xmlns:r="http://schemas.openxmlformats.org/officeDocument/2006/relationships" xmlns:c16r2="http://schemas.microsoft.com/office/drawing/2015/06/chart">
+  <c:date1904 val="0"/>
+  <c:lang val="en-US"/>
+  <c:roundedCorners val="0"/>
+  <mc:AlternateContent xmlns:mc="http://schemas.openxmlformats.org/markup-compatibility/2006">
+    <mc:Choice xmlns:c14="http://schemas.microsoft.com/office/drawing/2007/8/2/chart" Requires="c14">
+      <c14:style val="102"/>
+    </mc:Choice>
+    <mc:Fallback>
+      <c:style val="2"/>
+    </mc:Fallback>
+  </mc:AlternateContent>
+  <c:chart>
+    <c:autoTitleDeleted val="1"/>
+    <c:plotArea>
+      <c:layout>
+        <c:manualLayout>
+          <c:layoutTarget val="inner"/>
+          <c:xMode val="edge"/>
+          <c:yMode val="edge"/>
+          <c:x val="0.14349975816031127"/>
+          <c:y val="3.3668317426439123E-2"/>
+          <c:w val="0.71300057259102778"/>
+          <c:h val="0.96633168257356084"/>
+        </c:manualLayout>
+      </c:layout>
+      <c:doughnutChart>
+        <c:varyColors val="1"/>
+        <c:ser>
+          <c:idx val="0"/>
+          <c:order val="0"/>
+          <c:tx>
+            <c:strRef>
+              <c:f>Sheet1!$B$1</c:f>
+              <c:strCache>
+                <c:ptCount val="1"/>
+                <c:pt idx="0">
+                  <c:v>Sales</c:v>
+                </c:pt>
+              </c:strCache>
+            </c:strRef>
+          </c:tx>
+          <c:spPr>
+            <a:scene3d>
+              <a:camera prst="orthographicFront"/>
+              <a:lightRig rig="brightRoom" dir="t"/>
+            </a:scene3d>
+            <a:sp3d prstMaterial="flat">
+              <a:contourClr>
+                <a:srgbClr val="000000"/>
+              </a:contourClr>
+            </a:sp3d>
+          </c:spPr>
+          <c:dPt>
+            <c:idx val="0"/>
+            <c:bubble3D val="0"/>
+            <c:spPr>
+              <a:solidFill>
+                <a:schemeClr val="accent1"/>
+              </a:solidFill>
+              <a:ln>
+                <a:noFill/>
+              </a:ln>
+              <a:effectLst/>
+              <a:scene3d>
+                <a:camera prst="orthographicFront"/>
+                <a:lightRig rig="brightRoom" dir="t"/>
+              </a:scene3d>
+              <a:sp3d prstMaterial="flat">
+                <a:contourClr>
+                  <a:srgbClr val="000000"/>
+                </a:contourClr>
+              </a:sp3d>
+            </c:spPr>
+            <c:extLst>
+              <c:ext xmlns:c16="http://schemas.microsoft.com/office/drawing/2014/chart" uri="{C3380CC4-5D6E-409C-BE32-E72D297353CC}">
+                <c16:uniqueId val="{00000003-B934-4647-AD32-2F39A8C9490A}"/>
+              </c:ext>
+            </c:extLst>
+          </c:dPt>
+          <c:dPt>
+            <c:idx val="1"/>
+            <c:bubble3D val="0"/>
+            <c:spPr>
+              <a:solidFill>
+                <a:schemeClr val="accent1">
+                  <a:lumMod val="60000"/>
+                  <a:lumOff val="40000"/>
+                </a:schemeClr>
+              </a:solidFill>
+              <a:ln>
+                <a:noFill/>
+              </a:ln>
+              <a:effectLst/>
+              <a:scene3d>
+                <a:camera prst="orthographicFront"/>
+                <a:lightRig rig="brightRoom" dir="t"/>
+              </a:scene3d>
+              <a:sp3d prstMaterial="flat">
+                <a:contourClr>
+                  <a:srgbClr val="000000"/>
+                </a:contourClr>
+              </a:sp3d>
+            </c:spPr>
+            <c:extLst>
+              <c:ext xmlns:c16="http://schemas.microsoft.com/office/drawing/2014/chart" uri="{C3380CC4-5D6E-409C-BE32-E72D297353CC}">
+                <c16:uniqueId val="{00000004-B934-4647-AD32-2F39A8C9490A}"/>
+              </c:ext>
+            </c:extLst>
+          </c:dPt>
+          <c:dPt>
+            <c:idx val="2"/>
+            <c:bubble3D val="0"/>
+            <c:spPr>
+              <a:solidFill>
+                <a:schemeClr val="bg1">
+                  <a:lumMod val="85000"/>
+                </a:schemeClr>
+              </a:solidFill>
+              <a:ln>
+                <a:noFill/>
+              </a:ln>
+              <a:effectLst/>
+              <a:scene3d>
+                <a:camera prst="orthographicFront"/>
+                <a:lightRig rig="brightRoom" dir="t"/>
+              </a:scene3d>
+              <a:sp3d prstMaterial="flat">
+                <a:contourClr>
+                  <a:srgbClr val="000000"/>
+                </a:contourClr>
+              </a:sp3d>
+            </c:spPr>
+            <c:extLst>
+              <c:ext xmlns:c16="http://schemas.microsoft.com/office/drawing/2014/chart" uri="{C3380CC4-5D6E-409C-BE32-E72D297353CC}">
+                <c16:uniqueId val="{00000005-B934-4647-AD32-2F39A8C9490A}"/>
+              </c:ext>
+            </c:extLst>
+          </c:dPt>
+          <c:dPt>
+            <c:idx val="3"/>
+            <c:bubble3D val="0"/>
+            <c:spPr>
+              <a:solidFill>
+                <a:srgbClr val="DA947B"/>
+              </a:solidFill>
+              <a:ln>
+                <a:noFill/>
+              </a:ln>
+              <a:effectLst/>
+              <a:scene3d>
+                <a:camera prst="orthographicFront"/>
+                <a:lightRig rig="brightRoom" dir="t"/>
+              </a:scene3d>
+              <a:sp3d prstMaterial="flat">
+                <a:contourClr>
+                  <a:srgbClr val="000000"/>
+                </a:contourClr>
+              </a:sp3d>
+            </c:spPr>
+            <c:extLst>
+              <c:ext xmlns:c16="http://schemas.microsoft.com/office/drawing/2014/chart" uri="{C3380CC4-5D6E-409C-BE32-E72D297353CC}">
+                <c16:uniqueId val="{00000007-B934-4647-AD32-2F39A8C9490A}"/>
+              </c:ext>
+            </c:extLst>
+          </c:dPt>
+          <c:dPt>
+            <c:idx val="4"/>
+            <c:bubble3D val="0"/>
+            <c:spPr>
+              <a:solidFill>
+                <a:srgbClr val="DD3D46"/>
+              </a:solidFill>
+              <a:ln>
+                <a:noFill/>
+              </a:ln>
+              <a:effectLst/>
+              <a:scene3d>
+                <a:camera prst="orthographicFront"/>
+                <a:lightRig rig="brightRoom" dir="t"/>
+              </a:scene3d>
+              <a:sp3d prstMaterial="flat">
+                <a:contourClr>
+                  <a:srgbClr val="000000"/>
+                </a:contourClr>
+              </a:sp3d>
+            </c:spPr>
+            <c:extLst>
+              <c:ext xmlns:c16="http://schemas.microsoft.com/office/drawing/2014/chart" uri="{C3380CC4-5D6E-409C-BE32-E72D297353CC}">
+                <c16:uniqueId val="{00000006-B934-4647-AD32-2F39A8C9490A}"/>
+              </c:ext>
+            </c:extLst>
+          </c:dPt>
+          <c:dPt>
+            <c:idx val="5"/>
+            <c:bubble3D val="0"/>
+            <c:spPr>
+              <a:noFill/>
+              <a:ln>
+                <a:noFill/>
+              </a:ln>
+              <a:effectLst/>
+            </c:spPr>
+            <c:extLst>
+              <c:ext xmlns:c16="http://schemas.microsoft.com/office/drawing/2014/chart" uri="{C3380CC4-5D6E-409C-BE32-E72D297353CC}">
+                <c16:uniqueId val="{00000002-B934-4647-AD32-2F39A8C9490A}"/>
+              </c:ext>
+            </c:extLst>
+          </c:dPt>
+          <c:dLbls>
+            <c:delete val="1"/>
+          </c:dLbls>
+          <c:cat>
+            <c:strRef>
+              <c:f>Sheet1!$A$2:$A$7</c:f>
+              <c:strCache>
+                <c:ptCount val="6"/>
+                <c:pt idx="0">
+                  <c:v>Strong La Nina</c:v>
+                </c:pt>
+                <c:pt idx="1">
+                  <c:v>Weak La Nina</c:v>
+                </c:pt>
+                <c:pt idx="2">
+                  <c:v>Neutral</c:v>
+                </c:pt>
+                <c:pt idx="3">
+                  <c:v>Weak El Nino</c:v>
+                </c:pt>
+                <c:pt idx="4">
+                  <c:v>Strong El Nino</c:v>
+                </c:pt>
+                <c:pt idx="5">
+                  <c:v>None</c:v>
+                </c:pt>
+              </c:strCache>
+            </c:strRef>
+          </c:cat>
+          <c:val>
+            <c:numRef>
+              <c:f>Sheet1!$B$2:$B$7</c:f>
+              <c:numCache>
+                <c:formatCode>General</c:formatCode>
+                <c:ptCount val="6"/>
+                <c:pt idx="0">
+                  <c:v>1.9</c:v>
+                </c:pt>
+                <c:pt idx="1">
+                  <c:v>0.6</c:v>
+                </c:pt>
+                <c:pt idx="2">
+                  <c:v>1</c:v>
+                </c:pt>
+                <c:pt idx="3">
+                  <c:v>0.6</c:v>
+                </c:pt>
+                <c:pt idx="4">
+                  <c:v>1.9</c:v>
+                </c:pt>
+                <c:pt idx="5">
+                  <c:v>6</c:v>
+                </c:pt>
+              </c:numCache>
+            </c:numRef>
+          </c:val>
+          <c:extLst>
+            <c:ext xmlns:c16="http://schemas.microsoft.com/office/drawing/2014/chart" uri="{C3380CC4-5D6E-409C-BE32-E72D297353CC}">
+              <c16:uniqueId val="{00000000-B934-4647-AD32-2F39A8C9490A}"/>
+            </c:ext>
+          </c:extLst>
+        </c:ser>
+        <c:dLbls>
+          <c:showLegendKey val="0"/>
+          <c:showVal val="0"/>
+          <c:showCatName val="0"/>
+          <c:showSerName val="0"/>
+          <c:showPercent val="1"/>
+          <c:showBubbleSize val="0"/>
+          <c:showLeaderLines val="1"/>
+        </c:dLbls>
+        <c:firstSliceAng val="270"/>
+        <c:holeSize val="50"/>
+      </c:doughnutChart>
+      <c:spPr>
+        <a:noFill/>
+        <a:ln>
+          <a:noFill/>
+        </a:ln>
+        <a:effectLst/>
+      </c:spPr>
+    </c:plotArea>
+    <c:plotVisOnly val="1"/>
+    <c:dispBlanksAs val="gap"/>
+    <c:extLst>
+      <c:ext xmlns:c16r3="http://schemas.microsoft.com/office/drawing/2017/03/chart" uri="{56B9EC1D-385E-4148-901F-78D8002777C0}">
+        <c16r3:dataDisplayOptions16>
+          <c16r3:dispNaAsBlank val="1"/>
+        </c16r3:dataDisplayOptions16>
+      </c:ext>
+    </c:extLst>
+    <c:showDLblsOverMax val="0"/>
+  </c:chart>
+  <c:spPr>
+    <a:noFill/>
+    <a:ln>
+      <a:noFill/>
+    </a:ln>
+    <a:effectLst/>
+  </c:spPr>
+  <c:txPr>
+    <a:bodyPr/>
+    <a:lstStyle/>
+    <a:p>
+      <a:pPr>
+        <a:defRPr/>
+      </a:pPr>
+      <a:endParaRPr lang="en-US"/>
+    </a:p>
+  </c:txPr>
+  <c:externalData r:id="rId1">
+    <c:autoUpdate val="0"/>
+  </c:externalData>
+</c:chartSpace>
+</file>
+
 <file path=ppt/slideLayouts/slideLayout1.xml><?xml version="1.0" encoding="utf-8"?>
 <p:sldLayout xmlns:a="http://schemas.openxmlformats.org/drawingml/2006/main" xmlns:r="http://schemas.openxmlformats.org/officeDocument/2006/relationships" xmlns:p="http://schemas.openxmlformats.org/presentationml/2006/main" type="title" preserve="1">
   <p:cSld name="Title Slide">
@@ -2248,7 +2592,7 @@
           <a:p>
             <a:fld id="{37FAFB5B-2498-0643-89AA-0B90F959F1A9}" type="datetimeFigureOut">
               <a:rPr lang="en-US" smtClean="0"/>
-              <a:t>11/12/21</a:t>
+              <a:t>11/17/21</a:t>
             </a:fld>
             <a:endParaRPr lang="en-US"/>
           </a:p>
@@ -2446,7 +2790,7 @@
           <a:p>
             <a:fld id="{37FAFB5B-2498-0643-89AA-0B90F959F1A9}" type="datetimeFigureOut">
               <a:rPr lang="en-US" smtClean="0"/>
-              <a:t>11/12/21</a:t>
+              <a:t>11/17/21</a:t>
             </a:fld>
             <a:endParaRPr lang="en-US"/>
           </a:p>
@@ -2654,7 +2998,7 @@
           <a:p>
             <a:fld id="{37FAFB5B-2498-0643-89AA-0B90F959F1A9}" type="datetimeFigureOut">
               <a:rPr lang="en-US" smtClean="0"/>
-              <a:t>11/12/21</a:t>
+              <a:t>11/17/21</a:t>
             </a:fld>
             <a:endParaRPr lang="en-US"/>
           </a:p>
@@ -2852,7 +3196,7 @@
           <a:p>
             <a:fld id="{37FAFB5B-2498-0643-89AA-0B90F959F1A9}" type="datetimeFigureOut">
               <a:rPr lang="en-US" smtClean="0"/>
-              <a:t>11/12/21</a:t>
+              <a:t>11/17/21</a:t>
             </a:fld>
             <a:endParaRPr lang="en-US"/>
           </a:p>
@@ -3127,7 +3471,7 @@
           <a:p>
             <a:fld id="{37FAFB5B-2498-0643-89AA-0B90F959F1A9}" type="datetimeFigureOut">
               <a:rPr lang="en-US" smtClean="0"/>
-              <a:t>11/12/21</a:t>
+              <a:t>11/17/21</a:t>
             </a:fld>
             <a:endParaRPr lang="en-US"/>
           </a:p>
@@ -3392,7 +3736,7 @@
           <a:p>
             <a:fld id="{37FAFB5B-2498-0643-89AA-0B90F959F1A9}" type="datetimeFigureOut">
               <a:rPr lang="en-US" smtClean="0"/>
-              <a:t>11/12/21</a:t>
+              <a:t>11/17/21</a:t>
             </a:fld>
             <a:endParaRPr lang="en-US"/>
           </a:p>
@@ -3804,7 +4148,7 @@
           <a:p>
             <a:fld id="{37FAFB5B-2498-0643-89AA-0B90F959F1A9}" type="datetimeFigureOut">
               <a:rPr lang="en-US" smtClean="0"/>
-              <a:t>11/12/21</a:t>
+              <a:t>11/17/21</a:t>
             </a:fld>
             <a:endParaRPr lang="en-US"/>
           </a:p>
@@ -3945,7 +4289,7 @@
           <a:p>
             <a:fld id="{37FAFB5B-2498-0643-89AA-0B90F959F1A9}" type="datetimeFigureOut">
               <a:rPr lang="en-US" smtClean="0"/>
-              <a:t>11/12/21</a:t>
+              <a:t>11/17/21</a:t>
             </a:fld>
             <a:endParaRPr lang="en-US"/>
           </a:p>
@@ -4058,7 +4402,7 @@
           <a:p>
             <a:fld id="{37FAFB5B-2498-0643-89AA-0B90F959F1A9}" type="datetimeFigureOut">
               <a:rPr lang="en-US" smtClean="0"/>
-              <a:t>11/12/21</a:t>
+              <a:t>11/17/21</a:t>
             </a:fld>
             <a:endParaRPr lang="en-US"/>
           </a:p>
@@ -4369,7 +4713,7 @@
           <a:p>
             <a:fld id="{37FAFB5B-2498-0643-89AA-0B90F959F1A9}" type="datetimeFigureOut">
               <a:rPr lang="en-US" smtClean="0"/>
-              <a:t>11/12/21</a:t>
+              <a:t>11/17/21</a:t>
             </a:fld>
             <a:endParaRPr lang="en-US"/>
           </a:p>
@@ -4657,7 +5001,7 @@
           <a:p>
             <a:fld id="{37FAFB5B-2498-0643-89AA-0B90F959F1A9}" type="datetimeFigureOut">
               <a:rPr lang="en-US" smtClean="0"/>
-              <a:t>11/12/21</a:t>
+              <a:t>11/17/21</a:t>
             </a:fld>
             <a:endParaRPr lang="en-US"/>
           </a:p>
@@ -4898,7 +5242,7 @@
           <a:p>
             <a:fld id="{37FAFB5B-2498-0643-89AA-0B90F959F1A9}" type="datetimeFigureOut">
               <a:rPr lang="en-US" smtClean="0"/>
-              <a:t>11/12/21</a:t>
+              <a:t>11/17/21</a:t>
             </a:fld>
             <a:endParaRPr lang="en-US"/>
           </a:p>
@@ -5328,7 +5672,7 @@
           <p:nvPr>
             <p:extLst>
               <p:ext uri="{D42A27DB-BD31-4B8C-83A1-F6EECF244321}">
-                <p14:modId xmlns:p14="http://schemas.microsoft.com/office/powerpoint/2010/main" val="2157221813"/>
+                <p14:modId xmlns:p14="http://schemas.microsoft.com/office/powerpoint/2010/main" val="3501023886"/>
               </p:ext>
             </p:extLst>
           </p:nvPr>
@@ -5343,6 +5687,58 @@
           </a:graphicData>
         </a:graphic>
       </p:graphicFrame>
+      <p:sp>
+        <p:nvSpPr>
+          <p:cNvPr id="4" name="Rectangle 3">
+            <a:extLst>
+              <a:ext uri="{FF2B5EF4-FFF2-40B4-BE49-F238E27FC236}">
+                <a16:creationId xmlns:a16="http://schemas.microsoft.com/office/drawing/2014/main" id="{5455675A-0618-154F-B296-2B582D56B837}"/>
+              </a:ext>
+            </a:extLst>
+          </p:cNvPr>
+          <p:cNvSpPr/>
+          <p:nvPr/>
+        </p:nvSpPr>
+        <p:spPr>
+          <a:xfrm>
+            <a:off x="1954568" y="5213635"/>
+            <a:ext cx="8403021" cy="4010798"/>
+          </a:xfrm>
+          <a:prstGeom prst="rect">
+            <a:avLst/>
+          </a:prstGeom>
+          <a:solidFill>
+            <a:schemeClr val="bg1"/>
+          </a:solidFill>
+          <a:ln>
+            <a:noFill/>
+          </a:ln>
+        </p:spPr>
+        <p:style>
+          <a:lnRef idx="2">
+            <a:schemeClr val="accent1">
+              <a:shade val="50000"/>
+            </a:schemeClr>
+          </a:lnRef>
+          <a:fillRef idx="1">
+            <a:schemeClr val="accent1"/>
+          </a:fillRef>
+          <a:effectRef idx="0">
+            <a:schemeClr val="accent1"/>
+          </a:effectRef>
+          <a:fontRef idx="minor">
+            <a:schemeClr val="lt1"/>
+          </a:fontRef>
+        </p:style>
+        <p:txBody>
+          <a:bodyPr rtlCol="0" anchor="ctr"/>
+          <a:lstStyle/>
+          <a:p>
+            <a:pPr algn="ctr"/>
+            <a:endParaRPr lang="en-US"/>
+          </a:p>
+        </p:txBody>
+      </p:sp>
       <p:cxnSp>
         <p:nvCxnSpPr>
           <p:cNvPr id="3" name="Straight Connector 2">
@@ -5517,7 +5913,7 @@
         </p:nvSpPr>
         <p:spPr>
           <a:xfrm>
-            <a:off x="2405215" y="5212364"/>
+            <a:off x="2351495" y="5161146"/>
             <a:ext cx="1358064" cy="523220"/>
           </a:xfrm>
           <a:prstGeom prst="rect">
@@ -5557,7 +5953,7 @@
         </p:nvSpPr>
         <p:spPr>
           <a:xfrm>
-            <a:off x="8428723" y="5212364"/>
+            <a:off x="8469413" y="5161146"/>
             <a:ext cx="1319592" cy="523220"/>
           </a:xfrm>
           <a:prstGeom prst="rect">
@@ -6121,6 +6517,444 @@
           <p:nvPr>
             <p:extLst>
               <p:ext uri="{D42A27DB-BD31-4B8C-83A1-F6EECF244321}">
+                <p14:modId xmlns:p14="http://schemas.microsoft.com/office/powerpoint/2010/main" val="876732001"/>
+              </p:ext>
+            </p:extLst>
+          </p:nvPr>
+        </p:nvGraphicFramePr>
+        <p:xfrm>
+          <a:off x="60078" y="925830"/>
+          <a:ext cx="12192000" cy="8298603"/>
+        </p:xfrm>
+        <a:graphic>
+          <a:graphicData uri="http://schemas.openxmlformats.org/drawingml/2006/chart">
+            <c:chart xmlns:c="http://schemas.openxmlformats.org/drawingml/2006/chart" xmlns:r="http://schemas.openxmlformats.org/officeDocument/2006/relationships" r:id="rId2"/>
+          </a:graphicData>
+        </a:graphic>
+      </p:graphicFrame>
+      <p:sp>
+        <p:nvSpPr>
+          <p:cNvPr id="4" name="Rectangle 3">
+            <a:extLst>
+              <a:ext uri="{FF2B5EF4-FFF2-40B4-BE49-F238E27FC236}">
+                <a16:creationId xmlns:a16="http://schemas.microsoft.com/office/drawing/2014/main" id="{5455675A-0618-154F-B296-2B582D56B837}"/>
+              </a:ext>
+            </a:extLst>
+          </p:cNvPr>
+          <p:cNvSpPr/>
+          <p:nvPr/>
+        </p:nvSpPr>
+        <p:spPr>
+          <a:xfrm>
+            <a:off x="1954568" y="5213635"/>
+            <a:ext cx="8403021" cy="2144095"/>
+          </a:xfrm>
+          <a:prstGeom prst="rect">
+            <a:avLst/>
+          </a:prstGeom>
+          <a:solidFill>
+            <a:schemeClr val="bg1"/>
+          </a:solidFill>
+          <a:ln>
+            <a:noFill/>
+          </a:ln>
+        </p:spPr>
+        <p:style>
+          <a:lnRef idx="2">
+            <a:schemeClr val="accent1">
+              <a:shade val="50000"/>
+            </a:schemeClr>
+          </a:lnRef>
+          <a:fillRef idx="1">
+            <a:schemeClr val="accent1"/>
+          </a:fillRef>
+          <a:effectRef idx="0">
+            <a:schemeClr val="accent1"/>
+          </a:effectRef>
+          <a:fontRef idx="minor">
+            <a:schemeClr val="lt1"/>
+          </a:fontRef>
+        </p:style>
+        <p:txBody>
+          <a:bodyPr rtlCol="0" anchor="ctr"/>
+          <a:lstStyle/>
+          <a:p>
+            <a:pPr algn="ctr"/>
+            <a:endParaRPr lang="en-US"/>
+          </a:p>
+        </p:txBody>
+      </p:sp>
+      <p:cxnSp>
+        <p:nvCxnSpPr>
+          <p:cNvPr id="3" name="Straight Connector 2">
+            <a:extLst>
+              <a:ext uri="{FF2B5EF4-FFF2-40B4-BE49-F238E27FC236}">
+                <a16:creationId xmlns:a16="http://schemas.microsoft.com/office/drawing/2014/main" id="{5BEC1D0A-B0F9-6D41-99D2-6EB38B4488A9}"/>
+              </a:ext>
+            </a:extLst>
+          </p:cNvPr>
+          <p:cNvCxnSpPr>
+            <a:cxnSpLocks/>
+          </p:cNvCxnSpPr>
+          <p:nvPr/>
+        </p:nvCxnSpPr>
+        <p:spPr>
+          <a:xfrm>
+            <a:off x="1085850" y="5213635"/>
+            <a:ext cx="9844088" cy="0"/>
+          </a:xfrm>
+          <a:prstGeom prst="line">
+            <a:avLst/>
+          </a:prstGeom>
+          <a:ln>
+            <a:solidFill>
+              <a:schemeClr val="bg1">
+                <a:lumMod val="65000"/>
+              </a:schemeClr>
+            </a:solidFill>
+          </a:ln>
+        </p:spPr>
+        <p:style>
+          <a:lnRef idx="1">
+            <a:schemeClr val="accent1"/>
+          </a:lnRef>
+          <a:fillRef idx="0">
+            <a:schemeClr val="accent1"/>
+          </a:fillRef>
+          <a:effectRef idx="0">
+            <a:schemeClr val="accent1"/>
+          </a:effectRef>
+          <a:fontRef idx="minor">
+            <a:schemeClr val="tx1"/>
+          </a:fontRef>
+        </p:style>
+      </p:cxnSp>
+      <p:sp>
+        <p:nvSpPr>
+          <p:cNvPr id="5" name="Freeform 4">
+            <a:extLst>
+              <a:ext uri="{FF2B5EF4-FFF2-40B4-BE49-F238E27FC236}">
+                <a16:creationId xmlns:a16="http://schemas.microsoft.com/office/drawing/2014/main" id="{CC2E231E-D3AB-D54B-982B-1409B7223477}"/>
+              </a:ext>
+            </a:extLst>
+          </p:cNvPr>
+          <p:cNvSpPr/>
+          <p:nvPr/>
+        </p:nvSpPr>
+        <p:spPr>
+          <a:xfrm rot="20210050">
+            <a:off x="5130136" y="2164926"/>
+            <a:ext cx="680804" cy="3184339"/>
+          </a:xfrm>
+          <a:custGeom>
+            <a:avLst/>
+            <a:gdLst>
+              <a:gd name="connsiteX0" fmla="*/ 166257 w 332511"/>
+              <a:gd name="connsiteY0" fmla="*/ 0 h 4663276"/>
+              <a:gd name="connsiteX1" fmla="*/ 332511 w 332511"/>
+              <a:gd name="connsiteY1" fmla="*/ 4294909 h 4663276"/>
+              <a:gd name="connsiteX2" fmla="*/ 332509 w 332511"/>
+              <a:gd name="connsiteY2" fmla="*/ 4294909 h 4663276"/>
+              <a:gd name="connsiteX3" fmla="*/ 166254 w 332511"/>
+              <a:gd name="connsiteY3" fmla="*/ 4663276 h 4663276"/>
+              <a:gd name="connsiteX4" fmla="*/ 0 w 332511"/>
+              <a:gd name="connsiteY4" fmla="*/ 4294909 h 4663276"/>
+              <a:gd name="connsiteX5" fmla="*/ 2 w 332511"/>
+              <a:gd name="connsiteY5" fmla="*/ 4294909 h 4663276"/>
+            </a:gdLst>
+            <a:ahLst/>
+            <a:cxnLst>
+              <a:cxn ang="0">
+                <a:pos x="connsiteX0" y="connsiteY0"/>
+              </a:cxn>
+              <a:cxn ang="0">
+                <a:pos x="connsiteX1" y="connsiteY1"/>
+              </a:cxn>
+              <a:cxn ang="0">
+                <a:pos x="connsiteX2" y="connsiteY2"/>
+              </a:cxn>
+              <a:cxn ang="0">
+                <a:pos x="connsiteX3" y="connsiteY3"/>
+              </a:cxn>
+              <a:cxn ang="0">
+                <a:pos x="connsiteX4" y="connsiteY4"/>
+              </a:cxn>
+              <a:cxn ang="0">
+                <a:pos x="connsiteX5" y="connsiteY5"/>
+              </a:cxn>
+            </a:cxnLst>
+            <a:rect l="l" t="t" r="r" b="b"/>
+            <a:pathLst>
+              <a:path w="332511" h="4663276">
+                <a:moveTo>
+                  <a:pt x="166257" y="0"/>
+                </a:moveTo>
+                <a:lnTo>
+                  <a:pt x="332511" y="4294909"/>
+                </a:lnTo>
+                <a:lnTo>
+                  <a:pt x="332509" y="4294909"/>
+                </a:lnTo>
+                <a:lnTo>
+                  <a:pt x="166254" y="4663276"/>
+                </a:lnTo>
+                <a:lnTo>
+                  <a:pt x="0" y="4294909"/>
+                </a:lnTo>
+                <a:lnTo>
+                  <a:pt x="2" y="4294909"/>
+                </a:lnTo>
+                <a:close/>
+              </a:path>
+            </a:pathLst>
+          </a:custGeom>
+          <a:solidFill>
+            <a:schemeClr val="bg1">
+              <a:lumMod val="50000"/>
+            </a:schemeClr>
+          </a:solidFill>
+          <a:ln>
+            <a:noFill/>
+          </a:ln>
+        </p:spPr>
+        <p:style>
+          <a:lnRef idx="2">
+            <a:schemeClr val="accent1">
+              <a:shade val="50000"/>
+            </a:schemeClr>
+          </a:lnRef>
+          <a:fillRef idx="1">
+            <a:schemeClr val="accent1"/>
+          </a:fillRef>
+          <a:effectRef idx="0">
+            <a:schemeClr val="accent1"/>
+          </a:effectRef>
+          <a:fontRef idx="minor">
+            <a:schemeClr val="lt1"/>
+          </a:fontRef>
+        </p:style>
+        <p:txBody>
+          <a:bodyPr rtlCol="0" anchor="ctr"/>
+          <a:lstStyle/>
+          <a:p>
+            <a:pPr algn="ctr"/>
+            <a:endParaRPr lang="en-US" dirty="0">
+              <a:latin typeface="Lato Light" panose="020F0502020204030203" pitchFamily="34" charset="0"/>
+            </a:endParaRPr>
+          </a:p>
+        </p:txBody>
+      </p:sp>
+      <p:sp>
+        <p:nvSpPr>
+          <p:cNvPr id="6" name="TextBox 5">
+            <a:extLst>
+              <a:ext uri="{FF2B5EF4-FFF2-40B4-BE49-F238E27FC236}">
+                <a16:creationId xmlns:a16="http://schemas.microsoft.com/office/drawing/2014/main" id="{01FE0624-2535-2E49-ABB0-EA814CD0A771}"/>
+              </a:ext>
+            </a:extLst>
+          </p:cNvPr>
+          <p:cNvSpPr txBox="1"/>
+          <p:nvPr/>
+        </p:nvSpPr>
+        <p:spPr>
+          <a:xfrm>
+            <a:off x="2351495" y="5161146"/>
+            <a:ext cx="1358064" cy="523220"/>
+          </a:xfrm>
+          <a:prstGeom prst="rect">
+            <a:avLst/>
+          </a:prstGeom>
+          <a:noFill/>
+        </p:spPr>
+        <p:txBody>
+          <a:bodyPr wrap="none" rtlCol="0" anchor="ctr" anchorCtr="0">
+            <a:spAutoFit/>
+          </a:bodyPr>
+          <a:lstStyle/>
+          <a:p>
+            <a:pPr algn="ctr"/>
+            <a:r>
+              <a:rPr lang="en-US" sz="2800" dirty="0">
+                <a:latin typeface="Lato Light" panose="020F0502020204030203" pitchFamily="34" charset="0"/>
+                <a:ea typeface="Lato Light" panose="020F0502020204030203" pitchFamily="34" charset="0"/>
+                <a:cs typeface="Lato Light" panose="020F0502020204030203" pitchFamily="34" charset="0"/>
+              </a:rPr>
+              <a:t>La Niña</a:t>
+            </a:r>
+          </a:p>
+        </p:txBody>
+      </p:sp>
+      <p:sp>
+        <p:nvSpPr>
+          <p:cNvPr id="7" name="TextBox 6">
+            <a:extLst>
+              <a:ext uri="{FF2B5EF4-FFF2-40B4-BE49-F238E27FC236}">
+                <a16:creationId xmlns:a16="http://schemas.microsoft.com/office/drawing/2014/main" id="{A818F9FA-E53B-1A4C-804B-B2C173A93342}"/>
+              </a:ext>
+            </a:extLst>
+          </p:cNvPr>
+          <p:cNvSpPr txBox="1"/>
+          <p:nvPr/>
+        </p:nvSpPr>
+        <p:spPr>
+          <a:xfrm>
+            <a:off x="8469413" y="5161146"/>
+            <a:ext cx="1319592" cy="523220"/>
+          </a:xfrm>
+          <a:prstGeom prst="rect">
+            <a:avLst/>
+          </a:prstGeom>
+          <a:noFill/>
+        </p:spPr>
+        <p:txBody>
+          <a:bodyPr wrap="none" rtlCol="0" anchor="ctr" anchorCtr="0">
+            <a:spAutoFit/>
+          </a:bodyPr>
+          <a:lstStyle/>
+          <a:p>
+            <a:pPr algn="ctr"/>
+            <a:r>
+              <a:rPr lang="en-US" sz="2800" dirty="0">
+                <a:latin typeface="Lato Light" panose="020F0502020204030203" pitchFamily="34" charset="0"/>
+                <a:ea typeface="Lato Light" panose="020F0502020204030203" pitchFamily="34" charset="0"/>
+                <a:cs typeface="Lato Light" panose="020F0502020204030203" pitchFamily="34" charset="0"/>
+              </a:rPr>
+              <a:t>El Niño</a:t>
+            </a:r>
+          </a:p>
+        </p:txBody>
+      </p:sp>
+      <p:sp>
+        <p:nvSpPr>
+          <p:cNvPr id="10" name="TextBox 9">
+            <a:extLst>
+              <a:ext uri="{FF2B5EF4-FFF2-40B4-BE49-F238E27FC236}">
+                <a16:creationId xmlns:a16="http://schemas.microsoft.com/office/drawing/2014/main" id="{1A03899C-378E-B442-B538-C69C03144B63}"/>
+              </a:ext>
+            </a:extLst>
+          </p:cNvPr>
+          <p:cNvSpPr txBox="1"/>
+          <p:nvPr/>
+        </p:nvSpPr>
+        <p:spPr>
+          <a:xfrm>
+            <a:off x="5260657" y="1239851"/>
+            <a:ext cx="1670686" cy="461665"/>
+          </a:xfrm>
+          <a:prstGeom prst="rect">
+            <a:avLst/>
+          </a:prstGeom>
+          <a:noFill/>
+        </p:spPr>
+        <p:txBody>
+          <a:bodyPr wrap="square" rtlCol="0" anchor="ctr" anchorCtr="0">
+            <a:spAutoFit/>
+          </a:bodyPr>
+          <a:lstStyle/>
+          <a:p>
+            <a:pPr algn="ctr"/>
+            <a:r>
+              <a:rPr lang="en-US" sz="2400" dirty="0">
+                <a:latin typeface="Lato Light" panose="020F0502020204030203" pitchFamily="34" charset="0"/>
+                <a:ea typeface="Lato Light" panose="020F0502020204030203" pitchFamily="34" charset="0"/>
+                <a:cs typeface="Lato Light" panose="020F0502020204030203" pitchFamily="34" charset="0"/>
+              </a:rPr>
+              <a:t>Neutral</a:t>
+            </a:r>
+          </a:p>
+        </p:txBody>
+      </p:sp>
+      <p:sp>
+        <p:nvSpPr>
+          <p:cNvPr id="8" name="TextBox 7">
+            <a:extLst>
+              <a:ext uri="{FF2B5EF4-FFF2-40B4-BE49-F238E27FC236}">
+                <a16:creationId xmlns:a16="http://schemas.microsoft.com/office/drawing/2014/main" id="{89E38626-3C41-BE4F-999C-D8C791EFEFDD}"/>
+              </a:ext>
+            </a:extLst>
+          </p:cNvPr>
+          <p:cNvSpPr txBox="1"/>
+          <p:nvPr/>
+        </p:nvSpPr>
+        <p:spPr>
+          <a:xfrm>
+            <a:off x="2139217" y="288566"/>
+            <a:ext cx="7913565" cy="584775"/>
+          </a:xfrm>
+          <a:prstGeom prst="rect">
+            <a:avLst/>
+          </a:prstGeom>
+          <a:noFill/>
+        </p:spPr>
+        <p:txBody>
+          <a:bodyPr wrap="square" rtlCol="0" anchor="ctr" anchorCtr="0">
+            <a:spAutoFit/>
+          </a:bodyPr>
+          <a:lstStyle/>
+          <a:p>
+            <a:pPr algn="ctr"/>
+            <a:r>
+              <a:rPr lang="en-US" sz="3200" dirty="0">
+                <a:latin typeface="Lato Light" panose="020F0502020204030203" pitchFamily="34" charset="0"/>
+                <a:ea typeface="Lato Light" panose="020F0502020204030203" pitchFamily="34" charset="0"/>
+                <a:cs typeface="Lato Light" panose="020F0502020204030203" pitchFamily="34" charset="0"/>
+              </a:rPr>
+              <a:t>Current ENSO Conditions: </a:t>
+            </a:r>
+            <a:r>
+              <a:rPr lang="en-US" sz="3200" b="1" dirty="0">
+                <a:latin typeface="Lato Light" panose="020F0502020204030203" pitchFamily="34" charset="0"/>
+                <a:ea typeface="Lato Light" panose="020F0502020204030203" pitchFamily="34" charset="0"/>
+                <a:cs typeface="Lato Light" panose="020F0502020204030203" pitchFamily="34" charset="0"/>
+              </a:rPr>
+              <a:t>Weak La Niña</a:t>
+            </a:r>
+          </a:p>
+        </p:txBody>
+      </p:sp>
+    </p:spTree>
+    <p:extLst>
+      <p:ext uri="{BB962C8B-B14F-4D97-AF65-F5344CB8AC3E}">
+        <p14:creationId xmlns:p14="http://schemas.microsoft.com/office/powerpoint/2010/main" val="2531568668"/>
+      </p:ext>
+    </p:extLst>
+  </p:cSld>
+  <p:clrMapOvr>
+    <a:masterClrMapping/>
+  </p:clrMapOvr>
+</p:sld>
+</file>
+
+<file path=ppt/slides/slide4.xml><?xml version="1.0" encoding="utf-8"?>
+<p:sld xmlns:a="http://schemas.openxmlformats.org/drawingml/2006/main" xmlns:r="http://schemas.openxmlformats.org/officeDocument/2006/relationships" xmlns:p="http://schemas.openxmlformats.org/presentationml/2006/main">
+  <p:cSld>
+    <p:spTree>
+      <p:nvGrpSpPr>
+        <p:cNvPr id="1" name=""/>
+        <p:cNvGrpSpPr/>
+        <p:nvPr/>
+      </p:nvGrpSpPr>
+      <p:grpSpPr>
+        <a:xfrm>
+          <a:off x="0" y="0"/>
+          <a:ext cx="0" cy="0"/>
+          <a:chOff x="0" y="0"/>
+          <a:chExt cx="0" cy="0"/>
+        </a:xfrm>
+      </p:grpSpPr>
+      <p:graphicFrame>
+        <p:nvGraphicFramePr>
+          <p:cNvPr id="2" name="Chart 1">
+            <a:extLst>
+              <a:ext uri="{FF2B5EF4-FFF2-40B4-BE49-F238E27FC236}">
+                <a16:creationId xmlns:a16="http://schemas.microsoft.com/office/drawing/2014/main" id="{64C2B386-BA24-0B47-A746-A4B73E051DAC}"/>
+              </a:ext>
+            </a:extLst>
+          </p:cNvPr>
+          <p:cNvGraphicFramePr/>
+          <p:nvPr>
+            <p:extLst>
+              <p:ext uri="{D42A27DB-BD31-4B8C-83A1-F6EECF244321}">
                 <p14:modId xmlns:p14="http://schemas.microsoft.com/office/powerpoint/2010/main" val="4243288126"/>
               </p:ext>
             </p:extLst>
@@ -6477,7 +7311,7 @@
 </p:sld>
 </file>
 
-<file path=ppt/slides/slide4.xml><?xml version="1.0" encoding="utf-8"?>
+<file path=ppt/slides/slide5.xml><?xml version="1.0" encoding="utf-8"?>
 <p:sld xmlns:a="http://schemas.openxmlformats.org/drawingml/2006/main" xmlns:r="http://schemas.openxmlformats.org/officeDocument/2006/relationships" xmlns:p="http://schemas.openxmlformats.org/presentationml/2006/main">
   <p:cSld>
     <p:spTree>
@@ -6857,7 +7691,7 @@
 </p:sld>
 </file>
 
-<file path=ppt/slides/slide5.xml><?xml version="1.0" encoding="utf-8"?>
+<file path=ppt/slides/slide6.xml><?xml version="1.0" encoding="utf-8"?>
 <p:sld xmlns:a="http://schemas.openxmlformats.org/drawingml/2006/main" xmlns:r="http://schemas.openxmlformats.org/officeDocument/2006/relationships" xmlns:p="http://schemas.openxmlformats.org/presentationml/2006/main">
   <p:cSld>
     <p:spTree>
@@ -7264,7 +8098,7 @@
 </p:sld>
 </file>
 
-<file path=ppt/slides/slide6.xml><?xml version="1.0" encoding="utf-8"?>
+<file path=ppt/slides/slide7.xml><?xml version="1.0" encoding="utf-8"?>
 <p:sld xmlns:a="http://schemas.openxmlformats.org/drawingml/2006/main" xmlns:r="http://schemas.openxmlformats.org/officeDocument/2006/relationships" xmlns:p="http://schemas.openxmlformats.org/presentationml/2006/main">
   <p:cSld>
     <p:spTree>

--- a/gauge/gauge.pptx
+++ b/gauge/gauge.pptx
@@ -6,12 +6,12 @@
   </p:sldMasterIdLst>
   <p:sldIdLst>
     <p:sldId id="271" r:id="rId2"/>
-    <p:sldId id="270" r:id="rId3"/>
-    <p:sldId id="272" r:id="rId4"/>
-    <p:sldId id="269" r:id="rId5"/>
-    <p:sldId id="268" r:id="rId6"/>
-    <p:sldId id="267" r:id="rId7"/>
-    <p:sldId id="266" r:id="rId8"/>
+    <p:sldId id="279" r:id="rId3"/>
+    <p:sldId id="280" r:id="rId4"/>
+    <p:sldId id="281" r:id="rId5"/>
+    <p:sldId id="282" r:id="rId6"/>
+    <p:sldId id="283" r:id="rId7"/>
+    <p:sldId id="284" r:id="rId8"/>
   </p:sldIdLst>
   <p:sldSz cx="12192000" cy="6858000"/>
   <p:notesSz cx="6858000" cy="9144000"/>
@@ -344,9 +344,7 @@
             <c:spPr>
               <a:noFill/>
               <a:ln w="15875">
-                <a:solidFill>
-                  <a:schemeClr val="tx1"/>
-                </a:solidFill>
+                <a:noFill/>
               </a:ln>
               <a:effectLst/>
             </c:spPr>
@@ -473,332 +471,6 @@
 </file>
 
 <file path=ppt/charts/chart2.xml><?xml version="1.0" encoding="utf-8"?>
-<c:chartSpace xmlns:c="http://schemas.openxmlformats.org/drawingml/2006/chart" xmlns:a="http://schemas.openxmlformats.org/drawingml/2006/main" xmlns:r="http://schemas.openxmlformats.org/officeDocument/2006/relationships" xmlns:c16r2="http://schemas.microsoft.com/office/drawing/2015/06/chart">
-  <c:date1904 val="0"/>
-  <c:lang val="en-US"/>
-  <c:roundedCorners val="0"/>
-  <mc:AlternateContent xmlns:mc="http://schemas.openxmlformats.org/markup-compatibility/2006">
-    <mc:Choice xmlns:c14="http://schemas.microsoft.com/office/drawing/2007/8/2/chart" Requires="c14">
-      <c14:style val="102"/>
-    </mc:Choice>
-    <mc:Fallback>
-      <c:style val="2"/>
-    </mc:Fallback>
-  </mc:AlternateContent>
-  <c:chart>
-    <c:autoTitleDeleted val="1"/>
-    <c:plotArea>
-      <c:layout>
-        <c:manualLayout>
-          <c:layoutTarget val="inner"/>
-          <c:xMode val="edge"/>
-          <c:yMode val="edge"/>
-          <c:x val="0.14349975816031127"/>
-          <c:y val="3.3668317426439123E-2"/>
-          <c:w val="0.71300057259102778"/>
-          <c:h val="0.96633168257356084"/>
-        </c:manualLayout>
-      </c:layout>
-      <c:doughnutChart>
-        <c:varyColors val="1"/>
-        <c:ser>
-          <c:idx val="0"/>
-          <c:order val="0"/>
-          <c:tx>
-            <c:strRef>
-              <c:f>Sheet1!$B$1</c:f>
-              <c:strCache>
-                <c:ptCount val="1"/>
-                <c:pt idx="0">
-                  <c:v>Sales</c:v>
-                </c:pt>
-              </c:strCache>
-            </c:strRef>
-          </c:tx>
-          <c:spPr>
-            <a:scene3d>
-              <a:camera prst="orthographicFront"/>
-              <a:lightRig rig="brightRoom" dir="t"/>
-            </a:scene3d>
-            <a:sp3d prstMaterial="flat">
-              <a:contourClr>
-                <a:srgbClr val="000000"/>
-              </a:contourClr>
-            </a:sp3d>
-          </c:spPr>
-          <c:dPt>
-            <c:idx val="0"/>
-            <c:bubble3D val="0"/>
-            <c:spPr>
-              <a:solidFill>
-                <a:schemeClr val="accent1"/>
-              </a:solidFill>
-              <a:ln>
-                <a:noFill/>
-              </a:ln>
-              <a:effectLst/>
-              <a:scene3d>
-                <a:camera prst="orthographicFront"/>
-                <a:lightRig rig="brightRoom" dir="t"/>
-              </a:scene3d>
-              <a:sp3d prstMaterial="flat">
-                <a:contourClr>
-                  <a:srgbClr val="000000"/>
-                </a:contourClr>
-              </a:sp3d>
-            </c:spPr>
-            <c:extLst>
-              <c:ext xmlns:c16="http://schemas.microsoft.com/office/drawing/2014/chart" uri="{C3380CC4-5D6E-409C-BE32-E72D297353CC}">
-                <c16:uniqueId val="{00000003-B934-4647-AD32-2F39A8C9490A}"/>
-              </c:ext>
-            </c:extLst>
-          </c:dPt>
-          <c:dPt>
-            <c:idx val="1"/>
-            <c:bubble3D val="0"/>
-            <c:spPr>
-              <a:solidFill>
-                <a:schemeClr val="accent1">
-                  <a:lumMod val="60000"/>
-                  <a:lumOff val="40000"/>
-                </a:schemeClr>
-              </a:solidFill>
-              <a:ln>
-                <a:noFill/>
-              </a:ln>
-              <a:effectLst/>
-              <a:scene3d>
-                <a:camera prst="orthographicFront"/>
-                <a:lightRig rig="brightRoom" dir="t"/>
-              </a:scene3d>
-              <a:sp3d prstMaterial="flat">
-                <a:contourClr>
-                  <a:srgbClr val="000000"/>
-                </a:contourClr>
-              </a:sp3d>
-            </c:spPr>
-            <c:extLst>
-              <c:ext xmlns:c16="http://schemas.microsoft.com/office/drawing/2014/chart" uri="{C3380CC4-5D6E-409C-BE32-E72D297353CC}">
-                <c16:uniqueId val="{00000004-B934-4647-AD32-2F39A8C9490A}"/>
-              </c:ext>
-            </c:extLst>
-          </c:dPt>
-          <c:dPt>
-            <c:idx val="2"/>
-            <c:bubble3D val="0"/>
-            <c:spPr>
-              <a:solidFill>
-                <a:schemeClr val="bg1">
-                  <a:lumMod val="85000"/>
-                </a:schemeClr>
-              </a:solidFill>
-              <a:ln>
-                <a:noFill/>
-              </a:ln>
-              <a:effectLst/>
-              <a:scene3d>
-                <a:camera prst="orthographicFront"/>
-                <a:lightRig rig="brightRoom" dir="t"/>
-              </a:scene3d>
-              <a:sp3d prstMaterial="flat">
-                <a:contourClr>
-                  <a:srgbClr val="000000"/>
-                </a:contourClr>
-              </a:sp3d>
-            </c:spPr>
-            <c:extLst>
-              <c:ext xmlns:c16="http://schemas.microsoft.com/office/drawing/2014/chart" uri="{C3380CC4-5D6E-409C-BE32-E72D297353CC}">
-                <c16:uniqueId val="{00000005-B934-4647-AD32-2F39A8C9490A}"/>
-              </c:ext>
-            </c:extLst>
-          </c:dPt>
-          <c:dPt>
-            <c:idx val="3"/>
-            <c:bubble3D val="0"/>
-            <c:spPr>
-              <a:solidFill>
-                <a:srgbClr val="DA947B"/>
-              </a:solidFill>
-              <a:ln>
-                <a:noFill/>
-              </a:ln>
-              <a:effectLst/>
-              <a:scene3d>
-                <a:camera prst="orthographicFront"/>
-                <a:lightRig rig="brightRoom" dir="t"/>
-              </a:scene3d>
-              <a:sp3d prstMaterial="flat">
-                <a:contourClr>
-                  <a:srgbClr val="000000"/>
-                </a:contourClr>
-              </a:sp3d>
-            </c:spPr>
-            <c:extLst>
-              <c:ext xmlns:c16="http://schemas.microsoft.com/office/drawing/2014/chart" uri="{C3380CC4-5D6E-409C-BE32-E72D297353CC}">
-                <c16:uniqueId val="{00000007-B934-4647-AD32-2F39A8C9490A}"/>
-              </c:ext>
-            </c:extLst>
-          </c:dPt>
-          <c:dPt>
-            <c:idx val="4"/>
-            <c:bubble3D val="0"/>
-            <c:spPr>
-              <a:solidFill>
-                <a:srgbClr val="DD3D46"/>
-              </a:solidFill>
-              <a:ln>
-                <a:noFill/>
-              </a:ln>
-              <a:effectLst/>
-              <a:scene3d>
-                <a:camera prst="orthographicFront"/>
-                <a:lightRig rig="brightRoom" dir="t"/>
-              </a:scene3d>
-              <a:sp3d prstMaterial="flat">
-                <a:contourClr>
-                  <a:srgbClr val="000000"/>
-                </a:contourClr>
-              </a:sp3d>
-            </c:spPr>
-            <c:extLst>
-              <c:ext xmlns:c16="http://schemas.microsoft.com/office/drawing/2014/chart" uri="{C3380CC4-5D6E-409C-BE32-E72D297353CC}">
-                <c16:uniqueId val="{00000006-B934-4647-AD32-2F39A8C9490A}"/>
-              </c:ext>
-            </c:extLst>
-          </c:dPt>
-          <c:dPt>
-            <c:idx val="5"/>
-            <c:bubble3D val="0"/>
-            <c:spPr>
-              <a:noFill/>
-              <a:ln>
-                <a:noFill/>
-              </a:ln>
-              <a:effectLst/>
-            </c:spPr>
-            <c:extLst>
-              <c:ext xmlns:c16="http://schemas.microsoft.com/office/drawing/2014/chart" uri="{C3380CC4-5D6E-409C-BE32-E72D297353CC}">
-                <c16:uniqueId val="{00000002-B934-4647-AD32-2F39A8C9490A}"/>
-              </c:ext>
-            </c:extLst>
-          </c:dPt>
-          <c:dLbls>
-            <c:delete val="1"/>
-          </c:dLbls>
-          <c:cat>
-            <c:strRef>
-              <c:f>Sheet1!$A$2:$A$7</c:f>
-              <c:strCache>
-                <c:ptCount val="6"/>
-                <c:pt idx="0">
-                  <c:v>Strong La Nina</c:v>
-                </c:pt>
-                <c:pt idx="1">
-                  <c:v>Weak La Nina</c:v>
-                </c:pt>
-                <c:pt idx="2">
-                  <c:v>Neutral</c:v>
-                </c:pt>
-                <c:pt idx="3">
-                  <c:v>Weak El Nino</c:v>
-                </c:pt>
-                <c:pt idx="4">
-                  <c:v>Strong El Nino</c:v>
-                </c:pt>
-                <c:pt idx="5">
-                  <c:v>None</c:v>
-                </c:pt>
-              </c:strCache>
-            </c:strRef>
-          </c:cat>
-          <c:val>
-            <c:numRef>
-              <c:f>Sheet1!$B$2:$B$7</c:f>
-              <c:numCache>
-                <c:formatCode>General</c:formatCode>
-                <c:ptCount val="6"/>
-                <c:pt idx="0">
-                  <c:v>1.9</c:v>
-                </c:pt>
-                <c:pt idx="1">
-                  <c:v>0.6</c:v>
-                </c:pt>
-                <c:pt idx="2">
-                  <c:v>1</c:v>
-                </c:pt>
-                <c:pt idx="3">
-                  <c:v>0.6</c:v>
-                </c:pt>
-                <c:pt idx="4">
-                  <c:v>1.9</c:v>
-                </c:pt>
-                <c:pt idx="5">
-                  <c:v>6</c:v>
-                </c:pt>
-              </c:numCache>
-            </c:numRef>
-          </c:val>
-          <c:extLst>
-            <c:ext xmlns:c16="http://schemas.microsoft.com/office/drawing/2014/chart" uri="{C3380CC4-5D6E-409C-BE32-E72D297353CC}">
-              <c16:uniqueId val="{00000000-B934-4647-AD32-2F39A8C9490A}"/>
-            </c:ext>
-          </c:extLst>
-        </c:ser>
-        <c:dLbls>
-          <c:showLegendKey val="0"/>
-          <c:showVal val="0"/>
-          <c:showCatName val="0"/>
-          <c:showSerName val="0"/>
-          <c:showPercent val="1"/>
-          <c:showBubbleSize val="0"/>
-          <c:showLeaderLines val="1"/>
-        </c:dLbls>
-        <c:firstSliceAng val="270"/>
-        <c:holeSize val="50"/>
-      </c:doughnutChart>
-      <c:spPr>
-        <a:noFill/>
-        <a:ln>
-          <a:noFill/>
-        </a:ln>
-        <a:effectLst/>
-      </c:spPr>
-    </c:plotArea>
-    <c:plotVisOnly val="1"/>
-    <c:dispBlanksAs val="gap"/>
-    <c:extLst>
-      <c:ext xmlns:c16r3="http://schemas.microsoft.com/office/drawing/2017/03/chart" uri="{56B9EC1D-385E-4148-901F-78D8002777C0}">
-        <c16r3:dataDisplayOptions16>
-          <c16r3:dispNaAsBlank val="1"/>
-        </c16r3:dataDisplayOptions16>
-      </c:ext>
-    </c:extLst>
-    <c:showDLblsOverMax val="0"/>
-  </c:chart>
-  <c:spPr>
-    <a:noFill/>
-    <a:ln>
-      <a:noFill/>
-    </a:ln>
-    <a:effectLst/>
-  </c:spPr>
-  <c:txPr>
-    <a:bodyPr/>
-    <a:lstStyle/>
-    <a:p>
-      <a:pPr>
-        <a:defRPr/>
-      </a:pPr>
-      <a:endParaRPr lang="en-US"/>
-    </a:p>
-  </c:txPr>
-  <c:externalData r:id="rId1">
-    <c:autoUpdate val="0"/>
-  </c:externalData>
-</c:chartSpace>
-</file>
-
-<file path=ppt/charts/chart3.xml><?xml version="1.0" encoding="utf-8"?>
 <c:chartSpace xmlns:c="http://schemas.openxmlformats.org/drawingml/2006/chart" xmlns:a="http://schemas.openxmlformats.org/drawingml/2006/main" xmlns:r="http://schemas.openxmlformats.org/officeDocument/2006/relationships" xmlns:c16r2="http://schemas.microsoft.com/office/drawing/2015/06/chart">
   <c:date1904 val="0"/>
   <c:lang val="en-US"/>
@@ -1013,9 +685,348 @@
             <c:spPr>
               <a:noFill/>
               <a:ln w="15875">
+                <a:noFill/>
+              </a:ln>
+              <a:effectLst/>
+            </c:spPr>
+            <c:extLst>
+              <c:ext xmlns:c16="http://schemas.microsoft.com/office/drawing/2014/chart" uri="{C3380CC4-5D6E-409C-BE32-E72D297353CC}">
+                <c16:uniqueId val="{00000002-B934-4647-AD32-2F39A8C9490A}"/>
+              </c:ext>
+            </c:extLst>
+          </c:dPt>
+          <c:dLbls>
+            <c:delete val="1"/>
+          </c:dLbls>
+          <c:cat>
+            <c:strRef>
+              <c:f>Sheet1!$A$2:$A$7</c:f>
+              <c:strCache>
+                <c:ptCount val="6"/>
+                <c:pt idx="0">
+                  <c:v>Strong La Nina</c:v>
+                </c:pt>
+                <c:pt idx="1">
+                  <c:v>Weak La Nina</c:v>
+                </c:pt>
+                <c:pt idx="2">
+                  <c:v>Neutral</c:v>
+                </c:pt>
+                <c:pt idx="3">
+                  <c:v>Weak El Nino</c:v>
+                </c:pt>
+                <c:pt idx="4">
+                  <c:v>Strong El Nino</c:v>
+                </c:pt>
+                <c:pt idx="5">
+                  <c:v>None</c:v>
+                </c:pt>
+              </c:strCache>
+            </c:strRef>
+          </c:cat>
+          <c:val>
+            <c:numRef>
+              <c:f>Sheet1!$B$2:$B$7</c:f>
+              <c:numCache>
+                <c:formatCode>General</c:formatCode>
+                <c:ptCount val="6"/>
+                <c:pt idx="0">
+                  <c:v>1.9</c:v>
+                </c:pt>
+                <c:pt idx="1">
+                  <c:v>0.6</c:v>
+                </c:pt>
+                <c:pt idx="2">
+                  <c:v>1</c:v>
+                </c:pt>
+                <c:pt idx="3">
+                  <c:v>0.6</c:v>
+                </c:pt>
+                <c:pt idx="4">
+                  <c:v>1.9</c:v>
+                </c:pt>
+                <c:pt idx="5">
+                  <c:v>6</c:v>
+                </c:pt>
+              </c:numCache>
+            </c:numRef>
+          </c:val>
+          <c:extLst>
+            <c:ext xmlns:c16="http://schemas.microsoft.com/office/drawing/2014/chart" uri="{C3380CC4-5D6E-409C-BE32-E72D297353CC}">
+              <c16:uniqueId val="{00000000-B934-4647-AD32-2F39A8C9490A}"/>
+            </c:ext>
+          </c:extLst>
+        </c:ser>
+        <c:dLbls>
+          <c:showLegendKey val="0"/>
+          <c:showVal val="0"/>
+          <c:showCatName val="0"/>
+          <c:showSerName val="0"/>
+          <c:showPercent val="1"/>
+          <c:showBubbleSize val="0"/>
+          <c:showLeaderLines val="1"/>
+        </c:dLbls>
+        <c:firstSliceAng val="270"/>
+        <c:holeSize val="50"/>
+      </c:doughnutChart>
+      <c:spPr>
+        <a:noFill/>
+        <a:ln>
+          <a:noFill/>
+        </a:ln>
+        <a:effectLst/>
+      </c:spPr>
+    </c:plotArea>
+    <c:plotVisOnly val="1"/>
+    <c:dispBlanksAs val="gap"/>
+    <c:extLst>
+      <c:ext xmlns:c16r3="http://schemas.microsoft.com/office/drawing/2017/03/chart" uri="{56B9EC1D-385E-4148-901F-78D8002777C0}">
+        <c16r3:dataDisplayOptions16>
+          <c16r3:dispNaAsBlank val="1"/>
+        </c16r3:dataDisplayOptions16>
+      </c:ext>
+    </c:extLst>
+    <c:showDLblsOverMax val="0"/>
+  </c:chart>
+  <c:spPr>
+    <a:noFill/>
+    <a:ln>
+      <a:noFill/>
+    </a:ln>
+    <a:effectLst/>
+  </c:spPr>
+  <c:txPr>
+    <a:bodyPr/>
+    <a:lstStyle/>
+    <a:p>
+      <a:pPr>
+        <a:defRPr/>
+      </a:pPr>
+      <a:endParaRPr lang="en-US"/>
+    </a:p>
+  </c:txPr>
+  <c:externalData r:id="rId1">
+    <c:autoUpdate val="0"/>
+  </c:externalData>
+</c:chartSpace>
+</file>
+
+<file path=ppt/charts/chart3.xml><?xml version="1.0" encoding="utf-8"?>
+<c:chartSpace xmlns:c="http://schemas.openxmlformats.org/drawingml/2006/chart" xmlns:a="http://schemas.openxmlformats.org/drawingml/2006/main" xmlns:r="http://schemas.openxmlformats.org/officeDocument/2006/relationships" xmlns:c16r2="http://schemas.microsoft.com/office/drawing/2015/06/chart">
+  <c:date1904 val="0"/>
+  <c:lang val="en-US"/>
+  <c:roundedCorners val="0"/>
+  <mc:AlternateContent xmlns:mc="http://schemas.openxmlformats.org/markup-compatibility/2006">
+    <mc:Choice xmlns:c14="http://schemas.microsoft.com/office/drawing/2007/8/2/chart" Requires="c14">
+      <c14:style val="102"/>
+    </mc:Choice>
+    <mc:Fallback>
+      <c:style val="2"/>
+    </mc:Fallback>
+  </mc:AlternateContent>
+  <c:chart>
+    <c:autoTitleDeleted val="1"/>
+    <c:plotArea>
+      <c:layout>
+        <c:manualLayout>
+          <c:layoutTarget val="inner"/>
+          <c:xMode val="edge"/>
+          <c:yMode val="edge"/>
+          <c:x val="0.14349975816031127"/>
+          <c:y val="3.3668317426439123E-2"/>
+          <c:w val="0.71300057259102778"/>
+          <c:h val="0.96633168257356084"/>
+        </c:manualLayout>
+      </c:layout>
+      <c:doughnutChart>
+        <c:varyColors val="1"/>
+        <c:ser>
+          <c:idx val="0"/>
+          <c:order val="0"/>
+          <c:tx>
+            <c:strRef>
+              <c:f>Sheet1!$B$1</c:f>
+              <c:strCache>
+                <c:ptCount val="1"/>
+                <c:pt idx="0">
+                  <c:v>Sales</c:v>
+                </c:pt>
+              </c:strCache>
+            </c:strRef>
+          </c:tx>
+          <c:spPr>
+            <a:ln w="15875">
+              <a:solidFill>
+                <a:schemeClr val="tx1"/>
+              </a:solidFill>
+            </a:ln>
+            <a:scene3d>
+              <a:camera prst="orthographicFront"/>
+              <a:lightRig rig="brightRoom" dir="t"/>
+            </a:scene3d>
+            <a:sp3d prstMaterial="flat">
+              <a:contourClr>
+                <a:srgbClr val="000000"/>
+              </a:contourClr>
+            </a:sp3d>
+          </c:spPr>
+          <c:dPt>
+            <c:idx val="0"/>
+            <c:bubble3D val="0"/>
+            <c:spPr>
+              <a:solidFill>
+                <a:schemeClr val="accent1"/>
+              </a:solidFill>
+              <a:ln w="15875">
                 <a:solidFill>
                   <a:schemeClr val="tx1"/>
                 </a:solidFill>
+              </a:ln>
+              <a:effectLst/>
+              <a:scene3d>
+                <a:camera prst="orthographicFront"/>
+                <a:lightRig rig="brightRoom" dir="t"/>
+              </a:scene3d>
+              <a:sp3d prstMaterial="flat">
+                <a:contourClr>
+                  <a:srgbClr val="000000"/>
+                </a:contourClr>
+              </a:sp3d>
+            </c:spPr>
+            <c:extLst>
+              <c:ext xmlns:c16="http://schemas.microsoft.com/office/drawing/2014/chart" uri="{C3380CC4-5D6E-409C-BE32-E72D297353CC}">
+                <c16:uniqueId val="{00000003-B934-4647-AD32-2F39A8C9490A}"/>
+              </c:ext>
+            </c:extLst>
+          </c:dPt>
+          <c:dPt>
+            <c:idx val="1"/>
+            <c:bubble3D val="0"/>
+            <c:spPr>
+              <a:solidFill>
+                <a:schemeClr val="accent1">
+                  <a:lumMod val="60000"/>
+                  <a:lumOff val="40000"/>
+                </a:schemeClr>
+              </a:solidFill>
+              <a:ln w="15875">
+                <a:solidFill>
+                  <a:schemeClr val="tx1"/>
+                </a:solidFill>
+              </a:ln>
+              <a:effectLst/>
+              <a:scene3d>
+                <a:camera prst="orthographicFront"/>
+                <a:lightRig rig="brightRoom" dir="t"/>
+              </a:scene3d>
+              <a:sp3d prstMaterial="flat">
+                <a:contourClr>
+                  <a:srgbClr val="000000"/>
+                </a:contourClr>
+              </a:sp3d>
+            </c:spPr>
+            <c:extLst>
+              <c:ext xmlns:c16="http://schemas.microsoft.com/office/drawing/2014/chart" uri="{C3380CC4-5D6E-409C-BE32-E72D297353CC}">
+                <c16:uniqueId val="{00000004-B934-4647-AD32-2F39A8C9490A}"/>
+              </c:ext>
+            </c:extLst>
+          </c:dPt>
+          <c:dPt>
+            <c:idx val="2"/>
+            <c:bubble3D val="0"/>
+            <c:spPr>
+              <a:solidFill>
+                <a:schemeClr val="bg1">
+                  <a:lumMod val="85000"/>
+                </a:schemeClr>
+              </a:solidFill>
+              <a:ln w="15875">
+                <a:solidFill>
+                  <a:schemeClr val="tx1"/>
+                </a:solidFill>
+              </a:ln>
+              <a:effectLst/>
+              <a:scene3d>
+                <a:camera prst="orthographicFront"/>
+                <a:lightRig rig="brightRoom" dir="t"/>
+              </a:scene3d>
+              <a:sp3d prstMaterial="flat">
+                <a:contourClr>
+                  <a:srgbClr val="000000"/>
+                </a:contourClr>
+              </a:sp3d>
+            </c:spPr>
+            <c:extLst>
+              <c:ext xmlns:c16="http://schemas.microsoft.com/office/drawing/2014/chart" uri="{C3380CC4-5D6E-409C-BE32-E72D297353CC}">
+                <c16:uniqueId val="{00000005-B934-4647-AD32-2F39A8C9490A}"/>
+              </c:ext>
+            </c:extLst>
+          </c:dPt>
+          <c:dPt>
+            <c:idx val="3"/>
+            <c:bubble3D val="0"/>
+            <c:spPr>
+              <a:solidFill>
+                <a:srgbClr val="DA947B"/>
+              </a:solidFill>
+              <a:ln w="15875">
+                <a:solidFill>
+                  <a:schemeClr val="tx1"/>
+                </a:solidFill>
+              </a:ln>
+              <a:effectLst/>
+              <a:scene3d>
+                <a:camera prst="orthographicFront"/>
+                <a:lightRig rig="brightRoom" dir="t"/>
+              </a:scene3d>
+              <a:sp3d prstMaterial="flat">
+                <a:contourClr>
+                  <a:srgbClr val="000000"/>
+                </a:contourClr>
+              </a:sp3d>
+            </c:spPr>
+            <c:extLst>
+              <c:ext xmlns:c16="http://schemas.microsoft.com/office/drawing/2014/chart" uri="{C3380CC4-5D6E-409C-BE32-E72D297353CC}">
+                <c16:uniqueId val="{00000007-B934-4647-AD32-2F39A8C9490A}"/>
+              </c:ext>
+            </c:extLst>
+          </c:dPt>
+          <c:dPt>
+            <c:idx val="4"/>
+            <c:bubble3D val="0"/>
+            <c:spPr>
+              <a:solidFill>
+                <a:srgbClr val="DD3D46"/>
+              </a:solidFill>
+              <a:ln w="15875">
+                <a:solidFill>
+                  <a:schemeClr val="tx1"/>
+                </a:solidFill>
+              </a:ln>
+              <a:effectLst/>
+              <a:scene3d>
+                <a:camera prst="orthographicFront"/>
+                <a:lightRig rig="brightRoom" dir="t"/>
+              </a:scene3d>
+              <a:sp3d prstMaterial="flat">
+                <a:contourClr>
+                  <a:srgbClr val="000000"/>
+                </a:contourClr>
+              </a:sp3d>
+            </c:spPr>
+            <c:extLst>
+              <c:ext xmlns:c16="http://schemas.microsoft.com/office/drawing/2014/chart" uri="{C3380CC4-5D6E-409C-BE32-E72D297353CC}">
+                <c16:uniqueId val="{00000006-B934-4647-AD32-2F39A8C9490A}"/>
+              </c:ext>
+            </c:extLst>
+          </c:dPt>
+          <c:dPt>
+            <c:idx val="5"/>
+            <c:bubble3D val="0"/>
+            <c:spPr>
+              <a:noFill/>
+              <a:ln w="15875">
+                <a:noFill/>
               </a:ln>
               <a:effectLst/>
             </c:spPr>
@@ -1185,6 +1196,11 @@
             </c:strRef>
           </c:tx>
           <c:spPr>
+            <a:ln w="15875">
+              <a:solidFill>
+                <a:schemeClr val="tx1"/>
+              </a:solidFill>
+            </a:ln>
             <a:scene3d>
               <a:camera prst="orthographicFront"/>
               <a:lightRig rig="brightRoom" dir="t"/>
@@ -1202,8 +1218,10 @@
               <a:solidFill>
                 <a:schemeClr val="accent1"/>
               </a:solidFill>
-              <a:ln>
-                <a:noFill/>
+              <a:ln w="15875">
+                <a:solidFill>
+                  <a:schemeClr val="tx1"/>
+                </a:solidFill>
               </a:ln>
               <a:effectLst/>
               <a:scene3d>
@@ -1232,8 +1250,10 @@
                   <a:lumOff val="40000"/>
                 </a:schemeClr>
               </a:solidFill>
-              <a:ln>
-                <a:noFill/>
+              <a:ln w="15875">
+                <a:solidFill>
+                  <a:schemeClr val="tx1"/>
+                </a:solidFill>
               </a:ln>
               <a:effectLst/>
               <a:scene3d>
@@ -1261,8 +1281,10 @@
                   <a:lumMod val="85000"/>
                 </a:schemeClr>
               </a:solidFill>
-              <a:ln>
-                <a:noFill/>
+              <a:ln w="15875">
+                <a:solidFill>
+                  <a:schemeClr val="tx1"/>
+                </a:solidFill>
               </a:ln>
               <a:effectLst/>
               <a:scene3d>
@@ -1288,8 +1310,10 @@
               <a:solidFill>
                 <a:srgbClr val="DA947B"/>
               </a:solidFill>
-              <a:ln>
-                <a:noFill/>
+              <a:ln w="15875">
+                <a:solidFill>
+                  <a:schemeClr val="tx1"/>
+                </a:solidFill>
               </a:ln>
               <a:effectLst/>
               <a:scene3d>
@@ -1315,8 +1339,10 @@
               <a:solidFill>
                 <a:srgbClr val="DD3D46"/>
               </a:solidFill>
-              <a:ln>
-                <a:noFill/>
+              <a:ln w="15875">
+                <a:solidFill>
+                  <a:schemeClr val="tx1"/>
+                </a:solidFill>
               </a:ln>
               <a:effectLst/>
               <a:scene3d>
@@ -1340,7 +1366,7 @@
             <c:bubble3D val="0"/>
             <c:spPr>
               <a:noFill/>
-              <a:ln>
+              <a:ln w="15875">
                 <a:noFill/>
               </a:ln>
               <a:effectLst/>
@@ -1511,6 +1537,11 @@
             </c:strRef>
           </c:tx>
           <c:spPr>
+            <a:ln w="15875">
+              <a:solidFill>
+                <a:schemeClr val="tx1"/>
+              </a:solidFill>
+            </a:ln>
             <a:scene3d>
               <a:camera prst="orthographicFront"/>
               <a:lightRig rig="brightRoom" dir="t"/>
@@ -1528,8 +1559,10 @@
               <a:solidFill>
                 <a:schemeClr val="accent1"/>
               </a:solidFill>
-              <a:ln>
-                <a:noFill/>
+              <a:ln w="15875">
+                <a:solidFill>
+                  <a:schemeClr val="tx1"/>
+                </a:solidFill>
               </a:ln>
               <a:effectLst/>
               <a:scene3d>
@@ -1558,8 +1591,10 @@
                   <a:lumOff val="40000"/>
                 </a:schemeClr>
               </a:solidFill>
-              <a:ln>
-                <a:noFill/>
+              <a:ln w="15875">
+                <a:solidFill>
+                  <a:schemeClr val="tx1"/>
+                </a:solidFill>
               </a:ln>
               <a:effectLst/>
               <a:scene3d>
@@ -1587,8 +1622,10 @@
                   <a:lumMod val="85000"/>
                 </a:schemeClr>
               </a:solidFill>
-              <a:ln>
-                <a:noFill/>
+              <a:ln w="15875">
+                <a:solidFill>
+                  <a:schemeClr val="tx1"/>
+                </a:solidFill>
               </a:ln>
               <a:effectLst/>
               <a:scene3d>
@@ -1614,8 +1651,10 @@
               <a:solidFill>
                 <a:srgbClr val="DA947B"/>
               </a:solidFill>
-              <a:ln>
-                <a:noFill/>
+              <a:ln w="15875">
+                <a:solidFill>
+                  <a:schemeClr val="tx1"/>
+                </a:solidFill>
               </a:ln>
               <a:effectLst/>
               <a:scene3d>
@@ -1641,8 +1680,10 @@
               <a:solidFill>
                 <a:srgbClr val="DD3D46"/>
               </a:solidFill>
-              <a:ln>
-                <a:noFill/>
+              <a:ln w="15875">
+                <a:solidFill>
+                  <a:schemeClr val="tx1"/>
+                </a:solidFill>
               </a:ln>
               <a:effectLst/>
               <a:scene3d>
@@ -1666,7 +1707,7 @@
             <c:bubble3D val="0"/>
             <c:spPr>
               <a:noFill/>
-              <a:ln>
+              <a:ln w="15875">
                 <a:noFill/>
               </a:ln>
               <a:effectLst/>
@@ -1837,6 +1878,11 @@
             </c:strRef>
           </c:tx>
           <c:spPr>
+            <a:ln w="15875">
+              <a:solidFill>
+                <a:schemeClr val="tx1"/>
+              </a:solidFill>
+            </a:ln>
             <a:scene3d>
               <a:camera prst="orthographicFront"/>
               <a:lightRig rig="brightRoom" dir="t"/>
@@ -1854,8 +1900,10 @@
               <a:solidFill>
                 <a:schemeClr val="accent1"/>
               </a:solidFill>
-              <a:ln>
-                <a:noFill/>
+              <a:ln w="15875">
+                <a:solidFill>
+                  <a:schemeClr val="tx1"/>
+                </a:solidFill>
               </a:ln>
               <a:effectLst/>
               <a:scene3d>
@@ -1884,8 +1932,10 @@
                   <a:lumOff val="40000"/>
                 </a:schemeClr>
               </a:solidFill>
-              <a:ln>
-                <a:noFill/>
+              <a:ln w="15875">
+                <a:solidFill>
+                  <a:schemeClr val="tx1"/>
+                </a:solidFill>
               </a:ln>
               <a:effectLst/>
               <a:scene3d>
@@ -1913,8 +1963,10 @@
                   <a:lumMod val="85000"/>
                 </a:schemeClr>
               </a:solidFill>
-              <a:ln>
-                <a:noFill/>
+              <a:ln w="15875">
+                <a:solidFill>
+                  <a:schemeClr val="tx1"/>
+                </a:solidFill>
               </a:ln>
               <a:effectLst/>
               <a:scene3d>
@@ -1940,8 +1992,10 @@
               <a:solidFill>
                 <a:srgbClr val="DA947B"/>
               </a:solidFill>
-              <a:ln>
-                <a:noFill/>
+              <a:ln w="15875">
+                <a:solidFill>
+                  <a:schemeClr val="tx1"/>
+                </a:solidFill>
               </a:ln>
               <a:effectLst/>
               <a:scene3d>
@@ -1967,8 +2021,10 @@
               <a:solidFill>
                 <a:srgbClr val="DD3D46"/>
               </a:solidFill>
-              <a:ln>
-                <a:noFill/>
+              <a:ln w="15875">
+                <a:solidFill>
+                  <a:schemeClr val="tx1"/>
+                </a:solidFill>
               </a:ln>
               <a:effectLst/>
               <a:scene3d>
@@ -1992,7 +2048,7 @@
             <c:bubble3D val="0"/>
             <c:spPr>
               <a:noFill/>
-              <a:ln>
+              <a:ln w="15875">
                 <a:noFill/>
               </a:ln>
               <a:effectLst/>
@@ -2163,6 +2219,11 @@
             </c:strRef>
           </c:tx>
           <c:spPr>
+            <a:ln w="15875">
+              <a:solidFill>
+                <a:schemeClr val="tx1"/>
+              </a:solidFill>
+            </a:ln>
             <a:scene3d>
               <a:camera prst="orthographicFront"/>
               <a:lightRig rig="brightRoom" dir="t"/>
@@ -2180,8 +2241,10 @@
               <a:solidFill>
                 <a:schemeClr val="accent1"/>
               </a:solidFill>
-              <a:ln>
-                <a:noFill/>
+              <a:ln w="15875">
+                <a:solidFill>
+                  <a:schemeClr val="tx1"/>
+                </a:solidFill>
               </a:ln>
               <a:effectLst/>
               <a:scene3d>
@@ -2210,8 +2273,10 @@
                   <a:lumOff val="40000"/>
                 </a:schemeClr>
               </a:solidFill>
-              <a:ln>
-                <a:noFill/>
+              <a:ln w="15875">
+                <a:solidFill>
+                  <a:schemeClr val="tx1"/>
+                </a:solidFill>
               </a:ln>
               <a:effectLst/>
               <a:scene3d>
@@ -2239,8 +2304,10 @@
                   <a:lumMod val="85000"/>
                 </a:schemeClr>
               </a:solidFill>
-              <a:ln>
-                <a:noFill/>
+              <a:ln w="15875">
+                <a:solidFill>
+                  <a:schemeClr val="tx1"/>
+                </a:solidFill>
               </a:ln>
               <a:effectLst/>
               <a:scene3d>
@@ -2266,8 +2333,10 @@
               <a:solidFill>
                 <a:srgbClr val="DA947B"/>
               </a:solidFill>
-              <a:ln>
-                <a:noFill/>
+              <a:ln w="15875">
+                <a:solidFill>
+                  <a:schemeClr val="tx1"/>
+                </a:solidFill>
               </a:ln>
               <a:effectLst/>
               <a:scene3d>
@@ -2293,8 +2362,10 @@
               <a:solidFill>
                 <a:srgbClr val="DD3D46"/>
               </a:solidFill>
-              <a:ln>
-                <a:noFill/>
+              <a:ln w="15875">
+                <a:solidFill>
+                  <a:schemeClr val="tx1"/>
+                </a:solidFill>
               </a:ln>
               <a:effectLst/>
               <a:scene3d>
@@ -2318,7 +2389,7 @@
             <c:bubble3D val="0"/>
             <c:spPr>
               <a:noFill/>
-              <a:ln>
+              <a:ln w="15875">
                 <a:noFill/>
               </a:ln>
               <a:effectLst/>
@@ -2592,7 +2663,7 @@
           <a:p>
             <a:fld id="{37FAFB5B-2498-0643-89AA-0B90F959F1A9}" type="datetimeFigureOut">
               <a:rPr lang="en-US" smtClean="0"/>
-              <a:t>11/17/21</a:t>
+              <a:t>11/26/21</a:t>
             </a:fld>
             <a:endParaRPr lang="en-US"/>
           </a:p>
@@ -2790,7 +2861,7 @@
           <a:p>
             <a:fld id="{37FAFB5B-2498-0643-89AA-0B90F959F1A9}" type="datetimeFigureOut">
               <a:rPr lang="en-US" smtClean="0"/>
-              <a:t>11/17/21</a:t>
+              <a:t>11/26/21</a:t>
             </a:fld>
             <a:endParaRPr lang="en-US"/>
           </a:p>
@@ -2998,7 +3069,7 @@
           <a:p>
             <a:fld id="{37FAFB5B-2498-0643-89AA-0B90F959F1A9}" type="datetimeFigureOut">
               <a:rPr lang="en-US" smtClean="0"/>
-              <a:t>11/17/21</a:t>
+              <a:t>11/26/21</a:t>
             </a:fld>
             <a:endParaRPr lang="en-US"/>
           </a:p>
@@ -3196,7 +3267,7 @@
           <a:p>
             <a:fld id="{37FAFB5B-2498-0643-89AA-0B90F959F1A9}" type="datetimeFigureOut">
               <a:rPr lang="en-US" smtClean="0"/>
-              <a:t>11/17/21</a:t>
+              <a:t>11/26/21</a:t>
             </a:fld>
             <a:endParaRPr lang="en-US"/>
           </a:p>
@@ -3471,7 +3542,7 @@
           <a:p>
             <a:fld id="{37FAFB5B-2498-0643-89AA-0B90F959F1A9}" type="datetimeFigureOut">
               <a:rPr lang="en-US" smtClean="0"/>
-              <a:t>11/17/21</a:t>
+              <a:t>11/26/21</a:t>
             </a:fld>
             <a:endParaRPr lang="en-US"/>
           </a:p>
@@ -3736,7 +3807,7 @@
           <a:p>
             <a:fld id="{37FAFB5B-2498-0643-89AA-0B90F959F1A9}" type="datetimeFigureOut">
               <a:rPr lang="en-US" smtClean="0"/>
-              <a:t>11/17/21</a:t>
+              <a:t>11/26/21</a:t>
             </a:fld>
             <a:endParaRPr lang="en-US"/>
           </a:p>
@@ -4148,7 +4219,7 @@
           <a:p>
             <a:fld id="{37FAFB5B-2498-0643-89AA-0B90F959F1A9}" type="datetimeFigureOut">
               <a:rPr lang="en-US" smtClean="0"/>
-              <a:t>11/17/21</a:t>
+              <a:t>11/26/21</a:t>
             </a:fld>
             <a:endParaRPr lang="en-US"/>
           </a:p>
@@ -4289,7 +4360,7 @@
           <a:p>
             <a:fld id="{37FAFB5B-2498-0643-89AA-0B90F959F1A9}" type="datetimeFigureOut">
               <a:rPr lang="en-US" smtClean="0"/>
-              <a:t>11/17/21</a:t>
+              <a:t>11/26/21</a:t>
             </a:fld>
             <a:endParaRPr lang="en-US"/>
           </a:p>
@@ -4402,7 +4473,7 @@
           <a:p>
             <a:fld id="{37FAFB5B-2498-0643-89AA-0B90F959F1A9}" type="datetimeFigureOut">
               <a:rPr lang="en-US" smtClean="0"/>
-              <a:t>11/17/21</a:t>
+              <a:t>11/26/21</a:t>
             </a:fld>
             <a:endParaRPr lang="en-US"/>
           </a:p>
@@ -4713,7 +4784,7 @@
           <a:p>
             <a:fld id="{37FAFB5B-2498-0643-89AA-0B90F959F1A9}" type="datetimeFigureOut">
               <a:rPr lang="en-US" smtClean="0"/>
-              <a:t>11/17/21</a:t>
+              <a:t>11/26/21</a:t>
             </a:fld>
             <a:endParaRPr lang="en-US"/>
           </a:p>
@@ -5001,7 +5072,7 @@
           <a:p>
             <a:fld id="{37FAFB5B-2498-0643-89AA-0B90F959F1A9}" type="datetimeFigureOut">
               <a:rPr lang="en-US" smtClean="0"/>
-              <a:t>11/17/21</a:t>
+              <a:t>11/26/21</a:t>
             </a:fld>
             <a:endParaRPr lang="en-US"/>
           </a:p>
@@ -5242,7 +5313,7 @@
           <a:p>
             <a:fld id="{37FAFB5B-2498-0643-89AA-0B90F959F1A9}" type="datetimeFigureOut">
               <a:rPr lang="en-US" smtClean="0"/>
-              <a:t>11/17/21</a:t>
+              <a:t>11/26/21</a:t>
             </a:fld>
             <a:endParaRPr lang="en-US"/>
           </a:p>
@@ -5672,7 +5743,7 @@
           <p:nvPr>
             <p:extLst>
               <p:ext uri="{D42A27DB-BD31-4B8C-83A1-F6EECF244321}">
-                <p14:modId xmlns:p14="http://schemas.microsoft.com/office/powerpoint/2010/main" val="3501023886"/>
+                <p14:modId xmlns:p14="http://schemas.microsoft.com/office/powerpoint/2010/main" val="2882375204"/>
               </p:ext>
             </p:extLst>
           </p:nvPr>
@@ -5687,58 +5758,6 @@
           </a:graphicData>
         </a:graphic>
       </p:graphicFrame>
-      <p:sp>
-        <p:nvSpPr>
-          <p:cNvPr id="4" name="Rectangle 3">
-            <a:extLst>
-              <a:ext uri="{FF2B5EF4-FFF2-40B4-BE49-F238E27FC236}">
-                <a16:creationId xmlns:a16="http://schemas.microsoft.com/office/drawing/2014/main" id="{5455675A-0618-154F-B296-2B582D56B837}"/>
-              </a:ext>
-            </a:extLst>
-          </p:cNvPr>
-          <p:cNvSpPr/>
-          <p:nvPr/>
-        </p:nvSpPr>
-        <p:spPr>
-          <a:xfrm>
-            <a:off x="1954568" y="5213635"/>
-            <a:ext cx="8403021" cy="4010798"/>
-          </a:xfrm>
-          <a:prstGeom prst="rect">
-            <a:avLst/>
-          </a:prstGeom>
-          <a:solidFill>
-            <a:schemeClr val="bg1"/>
-          </a:solidFill>
-          <a:ln>
-            <a:noFill/>
-          </a:ln>
-        </p:spPr>
-        <p:style>
-          <a:lnRef idx="2">
-            <a:schemeClr val="accent1">
-              <a:shade val="50000"/>
-            </a:schemeClr>
-          </a:lnRef>
-          <a:fillRef idx="1">
-            <a:schemeClr val="accent1"/>
-          </a:fillRef>
-          <a:effectRef idx="0">
-            <a:schemeClr val="accent1"/>
-          </a:effectRef>
-          <a:fontRef idx="minor">
-            <a:schemeClr val="lt1"/>
-          </a:fontRef>
-        </p:style>
-        <p:txBody>
-          <a:bodyPr rtlCol="0" anchor="ctr"/>
-          <a:lstStyle/>
-          <a:p>
-            <a:pPr algn="ctr"/>
-            <a:endParaRPr lang="en-US"/>
-          </a:p>
-        </p:txBody>
-      </p:sp>
       <p:cxnSp>
         <p:nvCxnSpPr>
           <p:cNvPr id="3" name="Straight Connector 2">
@@ -5755,7 +5774,7 @@
         </p:nvCxnSpPr>
         <p:spPr>
           <a:xfrm>
-            <a:off x="1085850" y="5213635"/>
+            <a:off x="1173956" y="5225665"/>
             <a:ext cx="9844088" cy="0"/>
           </a:xfrm>
           <a:prstGeom prst="line">
@@ -6097,413 +6116,6 @@
           <a:chExt cx="0" cy="0"/>
         </a:xfrm>
       </p:grpSpPr>
-      <p:grpSp>
-        <p:nvGrpSpPr>
-          <p:cNvPr id="4" name="Group 3">
-            <a:extLst>
-              <a:ext uri="{FF2B5EF4-FFF2-40B4-BE49-F238E27FC236}">
-                <a16:creationId xmlns:a16="http://schemas.microsoft.com/office/drawing/2014/main" id="{192E02E9-CEFE-7742-A6FA-B6953F29F08F}"/>
-              </a:ext>
-            </a:extLst>
-          </p:cNvPr>
-          <p:cNvGrpSpPr/>
-          <p:nvPr/>
-        </p:nvGrpSpPr>
-        <p:grpSpPr>
-          <a:xfrm>
-            <a:off x="0" y="288566"/>
-            <a:ext cx="12192000" cy="8935867"/>
-            <a:chOff x="0" y="288566"/>
-            <a:chExt cx="12192000" cy="8935867"/>
-          </a:xfrm>
-        </p:grpSpPr>
-        <p:graphicFrame>
-          <p:nvGraphicFramePr>
-            <p:cNvPr id="2" name="Chart 1">
-              <a:extLst>
-                <a:ext uri="{FF2B5EF4-FFF2-40B4-BE49-F238E27FC236}">
-                  <a16:creationId xmlns:a16="http://schemas.microsoft.com/office/drawing/2014/main" id="{64C2B386-BA24-0B47-A746-A4B73E051DAC}"/>
-                </a:ext>
-              </a:extLst>
-            </p:cNvPr>
-            <p:cNvGraphicFramePr/>
-            <p:nvPr>
-              <p:extLst>
-                <p:ext uri="{D42A27DB-BD31-4B8C-83A1-F6EECF244321}">
-                  <p14:modId xmlns:p14="http://schemas.microsoft.com/office/powerpoint/2010/main" val="3584078574"/>
-                </p:ext>
-              </p:extLst>
-            </p:nvPr>
-          </p:nvGraphicFramePr>
-          <p:xfrm>
-            <a:off x="0" y="925830"/>
-            <a:ext cx="12192000" cy="8298603"/>
-          </p:xfrm>
-          <a:graphic>
-            <a:graphicData uri="http://schemas.openxmlformats.org/drawingml/2006/chart">
-              <c:chart xmlns:c="http://schemas.openxmlformats.org/drawingml/2006/chart" xmlns:r="http://schemas.openxmlformats.org/officeDocument/2006/relationships" r:id="rId2"/>
-            </a:graphicData>
-          </a:graphic>
-        </p:graphicFrame>
-        <p:cxnSp>
-          <p:nvCxnSpPr>
-            <p:cNvPr id="3" name="Straight Connector 2">
-              <a:extLst>
-                <a:ext uri="{FF2B5EF4-FFF2-40B4-BE49-F238E27FC236}">
-                  <a16:creationId xmlns:a16="http://schemas.microsoft.com/office/drawing/2014/main" id="{5BEC1D0A-B0F9-6D41-99D2-6EB38B4488A9}"/>
-                </a:ext>
-              </a:extLst>
-            </p:cNvPr>
-            <p:cNvCxnSpPr>
-              <a:cxnSpLocks/>
-            </p:cNvCxnSpPr>
-            <p:nvPr/>
-          </p:nvCxnSpPr>
-          <p:spPr>
-            <a:xfrm>
-              <a:off x="1085850" y="5213635"/>
-              <a:ext cx="9844088" cy="0"/>
-            </a:xfrm>
-            <a:prstGeom prst="line">
-              <a:avLst/>
-            </a:prstGeom>
-            <a:ln>
-              <a:solidFill>
-                <a:schemeClr val="bg1">
-                  <a:lumMod val="65000"/>
-                </a:schemeClr>
-              </a:solidFill>
-            </a:ln>
-          </p:spPr>
-          <p:style>
-            <a:lnRef idx="1">
-              <a:schemeClr val="accent1"/>
-            </a:lnRef>
-            <a:fillRef idx="0">
-              <a:schemeClr val="accent1"/>
-            </a:fillRef>
-            <a:effectRef idx="0">
-              <a:schemeClr val="accent1"/>
-            </a:effectRef>
-            <a:fontRef idx="minor">
-              <a:schemeClr val="tx1"/>
-            </a:fontRef>
-          </p:style>
-        </p:cxnSp>
-        <p:sp>
-          <p:nvSpPr>
-            <p:cNvPr id="5" name="Freeform 4">
-              <a:extLst>
-                <a:ext uri="{FF2B5EF4-FFF2-40B4-BE49-F238E27FC236}">
-                  <a16:creationId xmlns:a16="http://schemas.microsoft.com/office/drawing/2014/main" id="{CC2E231E-D3AB-D54B-982B-1409B7223477}"/>
-                </a:ext>
-              </a:extLst>
-            </p:cNvPr>
-            <p:cNvSpPr/>
-            <p:nvPr/>
-          </p:nvSpPr>
-          <p:spPr>
-            <a:xfrm rot="20087210">
-              <a:off x="5094578" y="2191926"/>
-              <a:ext cx="680804" cy="3184339"/>
-            </a:xfrm>
-            <a:custGeom>
-              <a:avLst/>
-              <a:gdLst>
-                <a:gd name="connsiteX0" fmla="*/ 166257 w 332511"/>
-                <a:gd name="connsiteY0" fmla="*/ 0 h 4663276"/>
-                <a:gd name="connsiteX1" fmla="*/ 332511 w 332511"/>
-                <a:gd name="connsiteY1" fmla="*/ 4294909 h 4663276"/>
-                <a:gd name="connsiteX2" fmla="*/ 332509 w 332511"/>
-                <a:gd name="connsiteY2" fmla="*/ 4294909 h 4663276"/>
-                <a:gd name="connsiteX3" fmla="*/ 166254 w 332511"/>
-                <a:gd name="connsiteY3" fmla="*/ 4663276 h 4663276"/>
-                <a:gd name="connsiteX4" fmla="*/ 0 w 332511"/>
-                <a:gd name="connsiteY4" fmla="*/ 4294909 h 4663276"/>
-                <a:gd name="connsiteX5" fmla="*/ 2 w 332511"/>
-                <a:gd name="connsiteY5" fmla="*/ 4294909 h 4663276"/>
-              </a:gdLst>
-              <a:ahLst/>
-              <a:cxnLst>
-                <a:cxn ang="0">
-                  <a:pos x="connsiteX0" y="connsiteY0"/>
-                </a:cxn>
-                <a:cxn ang="0">
-                  <a:pos x="connsiteX1" y="connsiteY1"/>
-                </a:cxn>
-                <a:cxn ang="0">
-                  <a:pos x="connsiteX2" y="connsiteY2"/>
-                </a:cxn>
-                <a:cxn ang="0">
-                  <a:pos x="connsiteX3" y="connsiteY3"/>
-                </a:cxn>
-                <a:cxn ang="0">
-                  <a:pos x="connsiteX4" y="connsiteY4"/>
-                </a:cxn>
-                <a:cxn ang="0">
-                  <a:pos x="connsiteX5" y="connsiteY5"/>
-                </a:cxn>
-              </a:cxnLst>
-              <a:rect l="l" t="t" r="r" b="b"/>
-              <a:pathLst>
-                <a:path w="332511" h="4663276">
-                  <a:moveTo>
-                    <a:pt x="166257" y="0"/>
-                  </a:moveTo>
-                  <a:lnTo>
-                    <a:pt x="332511" y="4294909"/>
-                  </a:lnTo>
-                  <a:lnTo>
-                    <a:pt x="332509" y="4294909"/>
-                  </a:lnTo>
-                  <a:lnTo>
-                    <a:pt x="166254" y="4663276"/>
-                  </a:lnTo>
-                  <a:lnTo>
-                    <a:pt x="0" y="4294909"/>
-                  </a:lnTo>
-                  <a:lnTo>
-                    <a:pt x="2" y="4294909"/>
-                  </a:lnTo>
-                  <a:close/>
-                </a:path>
-              </a:pathLst>
-            </a:custGeom>
-            <a:solidFill>
-              <a:schemeClr val="bg1">
-                <a:lumMod val="50000"/>
-              </a:schemeClr>
-            </a:solidFill>
-            <a:ln>
-              <a:noFill/>
-            </a:ln>
-          </p:spPr>
-          <p:style>
-            <a:lnRef idx="2">
-              <a:schemeClr val="accent1">
-                <a:shade val="50000"/>
-              </a:schemeClr>
-            </a:lnRef>
-            <a:fillRef idx="1">
-              <a:schemeClr val="accent1"/>
-            </a:fillRef>
-            <a:effectRef idx="0">
-              <a:schemeClr val="accent1"/>
-            </a:effectRef>
-            <a:fontRef idx="minor">
-              <a:schemeClr val="lt1"/>
-            </a:fontRef>
-          </p:style>
-          <p:txBody>
-            <a:bodyPr rtlCol="0" anchor="ctr"/>
-            <a:lstStyle/>
-            <a:p>
-              <a:pPr algn="ctr"/>
-              <a:endParaRPr lang="en-US" dirty="0">
-                <a:latin typeface="Lato Light" panose="020F0502020204030203" pitchFamily="34" charset="0"/>
-              </a:endParaRPr>
-            </a:p>
-          </p:txBody>
-        </p:sp>
-        <p:sp>
-          <p:nvSpPr>
-            <p:cNvPr id="6" name="TextBox 5">
-              <a:extLst>
-                <a:ext uri="{FF2B5EF4-FFF2-40B4-BE49-F238E27FC236}">
-                  <a16:creationId xmlns:a16="http://schemas.microsoft.com/office/drawing/2014/main" id="{01FE0624-2535-2E49-ABB0-EA814CD0A771}"/>
-                </a:ext>
-              </a:extLst>
-            </p:cNvPr>
-            <p:cNvSpPr txBox="1"/>
-            <p:nvPr/>
-          </p:nvSpPr>
-          <p:spPr>
-            <a:xfrm>
-              <a:off x="2405215" y="5212364"/>
-              <a:ext cx="1358064" cy="523220"/>
-            </a:xfrm>
-            <a:prstGeom prst="rect">
-              <a:avLst/>
-            </a:prstGeom>
-            <a:noFill/>
-          </p:spPr>
-          <p:txBody>
-            <a:bodyPr wrap="none" rtlCol="0" anchor="ctr" anchorCtr="0">
-              <a:spAutoFit/>
-            </a:bodyPr>
-            <a:lstStyle/>
-            <a:p>
-              <a:pPr algn="ctr"/>
-              <a:r>
-                <a:rPr lang="en-US" sz="2800" dirty="0">
-                  <a:latin typeface="Lato Light" panose="020F0502020204030203" pitchFamily="34" charset="0"/>
-                  <a:ea typeface="Lato Light" panose="020F0502020204030203" pitchFamily="34" charset="0"/>
-                  <a:cs typeface="Lato Light" panose="020F0502020204030203" pitchFamily="34" charset="0"/>
-                </a:rPr>
-                <a:t>La Niña</a:t>
-              </a:r>
-            </a:p>
-          </p:txBody>
-        </p:sp>
-        <p:sp>
-          <p:nvSpPr>
-            <p:cNvPr id="7" name="TextBox 6">
-              <a:extLst>
-                <a:ext uri="{FF2B5EF4-FFF2-40B4-BE49-F238E27FC236}">
-                  <a16:creationId xmlns:a16="http://schemas.microsoft.com/office/drawing/2014/main" id="{A818F9FA-E53B-1A4C-804B-B2C173A93342}"/>
-                </a:ext>
-              </a:extLst>
-            </p:cNvPr>
-            <p:cNvSpPr txBox="1"/>
-            <p:nvPr/>
-          </p:nvSpPr>
-          <p:spPr>
-            <a:xfrm>
-              <a:off x="8428723" y="5212364"/>
-              <a:ext cx="1319592" cy="523220"/>
-            </a:xfrm>
-            <a:prstGeom prst="rect">
-              <a:avLst/>
-            </a:prstGeom>
-            <a:noFill/>
-          </p:spPr>
-          <p:txBody>
-            <a:bodyPr wrap="none" rtlCol="0" anchor="ctr" anchorCtr="0">
-              <a:spAutoFit/>
-            </a:bodyPr>
-            <a:lstStyle/>
-            <a:p>
-              <a:pPr algn="ctr"/>
-              <a:r>
-                <a:rPr lang="en-US" sz="2800" dirty="0">
-                  <a:latin typeface="Lato Light" panose="020F0502020204030203" pitchFamily="34" charset="0"/>
-                  <a:ea typeface="Lato Light" panose="020F0502020204030203" pitchFamily="34" charset="0"/>
-                  <a:cs typeface="Lato Light" panose="020F0502020204030203" pitchFamily="34" charset="0"/>
-                </a:rPr>
-                <a:t>El Niño</a:t>
-              </a:r>
-            </a:p>
-          </p:txBody>
-        </p:sp>
-        <p:sp>
-          <p:nvSpPr>
-            <p:cNvPr id="10" name="TextBox 9">
-              <a:extLst>
-                <a:ext uri="{FF2B5EF4-FFF2-40B4-BE49-F238E27FC236}">
-                  <a16:creationId xmlns:a16="http://schemas.microsoft.com/office/drawing/2014/main" id="{1A03899C-378E-B442-B538-C69C03144B63}"/>
-                </a:ext>
-              </a:extLst>
-            </p:cNvPr>
-            <p:cNvSpPr txBox="1"/>
-            <p:nvPr/>
-          </p:nvSpPr>
-          <p:spPr>
-            <a:xfrm>
-              <a:off x="5260657" y="1239851"/>
-              <a:ext cx="1670686" cy="461665"/>
-            </a:xfrm>
-            <a:prstGeom prst="rect">
-              <a:avLst/>
-            </a:prstGeom>
-            <a:noFill/>
-          </p:spPr>
-          <p:txBody>
-            <a:bodyPr wrap="square" rtlCol="0" anchor="ctr" anchorCtr="0">
-              <a:spAutoFit/>
-            </a:bodyPr>
-            <a:lstStyle/>
-            <a:p>
-              <a:pPr algn="ctr"/>
-              <a:r>
-                <a:rPr lang="en-US" sz="2400" dirty="0">
-                  <a:latin typeface="Lato Light" panose="020F0502020204030203" pitchFamily="34" charset="0"/>
-                  <a:ea typeface="Lato Light" panose="020F0502020204030203" pitchFamily="34" charset="0"/>
-                  <a:cs typeface="Lato Light" panose="020F0502020204030203" pitchFamily="34" charset="0"/>
-                </a:rPr>
-                <a:t>Neutral</a:t>
-              </a:r>
-            </a:p>
-          </p:txBody>
-        </p:sp>
-        <p:sp>
-          <p:nvSpPr>
-            <p:cNvPr id="8" name="TextBox 7">
-              <a:extLst>
-                <a:ext uri="{FF2B5EF4-FFF2-40B4-BE49-F238E27FC236}">
-                  <a16:creationId xmlns:a16="http://schemas.microsoft.com/office/drawing/2014/main" id="{89E38626-3C41-BE4F-999C-D8C791EFEFDD}"/>
-                </a:ext>
-              </a:extLst>
-            </p:cNvPr>
-            <p:cNvSpPr txBox="1"/>
-            <p:nvPr/>
-          </p:nvSpPr>
-          <p:spPr>
-            <a:xfrm>
-              <a:off x="2139217" y="288566"/>
-              <a:ext cx="7913565" cy="584775"/>
-            </a:xfrm>
-            <a:prstGeom prst="rect">
-              <a:avLst/>
-            </a:prstGeom>
-            <a:noFill/>
-          </p:spPr>
-          <p:txBody>
-            <a:bodyPr wrap="square" rtlCol="0" anchor="ctr" anchorCtr="0">
-              <a:spAutoFit/>
-            </a:bodyPr>
-            <a:lstStyle/>
-            <a:p>
-              <a:pPr algn="ctr"/>
-              <a:r>
-                <a:rPr lang="en-US" sz="3200" dirty="0">
-                  <a:latin typeface="Lato Light" panose="020F0502020204030203" pitchFamily="34" charset="0"/>
-                  <a:ea typeface="Lato Light" panose="020F0502020204030203" pitchFamily="34" charset="0"/>
-                  <a:cs typeface="Lato Light" panose="020F0502020204030203" pitchFamily="34" charset="0"/>
-                </a:rPr>
-                <a:t>Current ENSO Conditions: </a:t>
-              </a:r>
-              <a:r>
-                <a:rPr lang="en-US" sz="3200" b="1" dirty="0">
-                  <a:latin typeface="Lato Light" panose="020F0502020204030203" pitchFamily="34" charset="0"/>
-                  <a:ea typeface="Lato Light" panose="020F0502020204030203" pitchFamily="34" charset="0"/>
-                  <a:cs typeface="Lato Light" panose="020F0502020204030203" pitchFamily="34" charset="0"/>
-                </a:rPr>
-                <a:t>Weak La Niña</a:t>
-              </a:r>
-            </a:p>
-          </p:txBody>
-        </p:sp>
-      </p:grpSp>
-    </p:spTree>
-    <p:extLst>
-      <p:ext uri="{BB962C8B-B14F-4D97-AF65-F5344CB8AC3E}">
-        <p14:creationId xmlns:p14="http://schemas.microsoft.com/office/powerpoint/2010/main" val="2832010472"/>
-      </p:ext>
-    </p:extLst>
-  </p:cSld>
-  <p:clrMapOvr>
-    <a:masterClrMapping/>
-  </p:clrMapOvr>
-</p:sld>
-</file>
-
-<file path=ppt/slides/slide3.xml><?xml version="1.0" encoding="utf-8"?>
-<p:sld xmlns:a="http://schemas.openxmlformats.org/drawingml/2006/main" xmlns:r="http://schemas.openxmlformats.org/officeDocument/2006/relationships" xmlns:p="http://schemas.openxmlformats.org/presentationml/2006/main">
-  <p:cSld>
-    <p:spTree>
-      <p:nvGrpSpPr>
-        <p:cNvPr id="1" name=""/>
-        <p:cNvGrpSpPr/>
-        <p:nvPr/>
-      </p:nvGrpSpPr>
-      <p:grpSpPr>
-        <a:xfrm>
-          <a:off x="0" y="0"/>
-          <a:ext cx="0" cy="0"/>
-          <a:chOff x="0" y="0"/>
-          <a:chExt cx="0" cy="0"/>
-        </a:xfrm>
-      </p:grpSpPr>
       <p:graphicFrame>
         <p:nvGraphicFramePr>
           <p:cNvPr id="2" name="Chart 1">
@@ -6517,13 +6129,13 @@
           <p:nvPr>
             <p:extLst>
               <p:ext uri="{D42A27DB-BD31-4B8C-83A1-F6EECF244321}">
-                <p14:modId xmlns:p14="http://schemas.microsoft.com/office/powerpoint/2010/main" val="876732001"/>
+                <p14:modId xmlns:p14="http://schemas.microsoft.com/office/powerpoint/2010/main" val="1699067962"/>
               </p:ext>
             </p:extLst>
           </p:nvPr>
         </p:nvGraphicFramePr>
         <p:xfrm>
-          <a:off x="60078" y="925830"/>
+          <a:off x="0" y="925830"/>
           <a:ext cx="12192000" cy="8298603"/>
         </p:xfrm>
         <a:graphic>
@@ -6532,58 +6144,6 @@
           </a:graphicData>
         </a:graphic>
       </p:graphicFrame>
-      <p:sp>
-        <p:nvSpPr>
-          <p:cNvPr id="4" name="Rectangle 3">
-            <a:extLst>
-              <a:ext uri="{FF2B5EF4-FFF2-40B4-BE49-F238E27FC236}">
-                <a16:creationId xmlns:a16="http://schemas.microsoft.com/office/drawing/2014/main" id="{5455675A-0618-154F-B296-2B582D56B837}"/>
-              </a:ext>
-            </a:extLst>
-          </p:cNvPr>
-          <p:cNvSpPr/>
-          <p:nvPr/>
-        </p:nvSpPr>
-        <p:spPr>
-          <a:xfrm>
-            <a:off x="1954568" y="5213635"/>
-            <a:ext cx="8403021" cy="2144095"/>
-          </a:xfrm>
-          <a:prstGeom prst="rect">
-            <a:avLst/>
-          </a:prstGeom>
-          <a:solidFill>
-            <a:schemeClr val="bg1"/>
-          </a:solidFill>
-          <a:ln>
-            <a:noFill/>
-          </a:ln>
-        </p:spPr>
-        <p:style>
-          <a:lnRef idx="2">
-            <a:schemeClr val="accent1">
-              <a:shade val="50000"/>
-            </a:schemeClr>
-          </a:lnRef>
-          <a:fillRef idx="1">
-            <a:schemeClr val="accent1"/>
-          </a:fillRef>
-          <a:effectRef idx="0">
-            <a:schemeClr val="accent1"/>
-          </a:effectRef>
-          <a:fontRef idx="minor">
-            <a:schemeClr val="lt1"/>
-          </a:fontRef>
-        </p:style>
-        <p:txBody>
-          <a:bodyPr rtlCol="0" anchor="ctr"/>
-          <a:lstStyle/>
-          <a:p>
-            <a:pPr algn="ctr"/>
-            <a:endParaRPr lang="en-US"/>
-          </a:p>
-        </p:txBody>
-      </p:sp>
       <p:cxnSp>
         <p:nvCxnSpPr>
           <p:cNvPr id="3" name="Straight Connector 2">
@@ -6600,7 +6160,7 @@
         </p:nvCxnSpPr>
         <p:spPr>
           <a:xfrm>
-            <a:off x="1085850" y="5213635"/>
+            <a:off x="1173956" y="5225665"/>
             <a:ext cx="9844088" cy="0"/>
           </a:xfrm>
           <a:prstGeom prst="line">
@@ -6631,10 +6191,178 @@
       </p:cxnSp>
       <p:sp>
         <p:nvSpPr>
-          <p:cNvPr id="5" name="Freeform 4">
-            <a:extLst>
-              <a:ext uri="{FF2B5EF4-FFF2-40B4-BE49-F238E27FC236}">
-                <a16:creationId xmlns:a16="http://schemas.microsoft.com/office/drawing/2014/main" id="{CC2E231E-D3AB-D54B-982B-1409B7223477}"/>
+          <p:cNvPr id="6" name="TextBox 5">
+            <a:extLst>
+              <a:ext uri="{FF2B5EF4-FFF2-40B4-BE49-F238E27FC236}">
+                <a16:creationId xmlns:a16="http://schemas.microsoft.com/office/drawing/2014/main" id="{01FE0624-2535-2E49-ABB0-EA814CD0A771}"/>
+              </a:ext>
+            </a:extLst>
+          </p:cNvPr>
+          <p:cNvSpPr txBox="1"/>
+          <p:nvPr/>
+        </p:nvSpPr>
+        <p:spPr>
+          <a:xfrm>
+            <a:off x="2351495" y="5161146"/>
+            <a:ext cx="1358064" cy="523220"/>
+          </a:xfrm>
+          <a:prstGeom prst="rect">
+            <a:avLst/>
+          </a:prstGeom>
+          <a:noFill/>
+        </p:spPr>
+        <p:txBody>
+          <a:bodyPr wrap="none" rtlCol="0" anchor="ctr" anchorCtr="0">
+            <a:spAutoFit/>
+          </a:bodyPr>
+          <a:lstStyle/>
+          <a:p>
+            <a:pPr algn="ctr"/>
+            <a:r>
+              <a:rPr lang="en-US" sz="2800" dirty="0">
+                <a:latin typeface="Lato Light" panose="020F0502020204030203" pitchFamily="34" charset="0"/>
+                <a:ea typeface="Lato Light" panose="020F0502020204030203" pitchFamily="34" charset="0"/>
+                <a:cs typeface="Lato Light" panose="020F0502020204030203" pitchFamily="34" charset="0"/>
+              </a:rPr>
+              <a:t>La Niña</a:t>
+            </a:r>
+          </a:p>
+        </p:txBody>
+      </p:sp>
+      <p:sp>
+        <p:nvSpPr>
+          <p:cNvPr id="7" name="TextBox 6">
+            <a:extLst>
+              <a:ext uri="{FF2B5EF4-FFF2-40B4-BE49-F238E27FC236}">
+                <a16:creationId xmlns:a16="http://schemas.microsoft.com/office/drawing/2014/main" id="{A818F9FA-E53B-1A4C-804B-B2C173A93342}"/>
+              </a:ext>
+            </a:extLst>
+          </p:cNvPr>
+          <p:cNvSpPr txBox="1"/>
+          <p:nvPr/>
+        </p:nvSpPr>
+        <p:spPr>
+          <a:xfrm>
+            <a:off x="8469413" y="5161146"/>
+            <a:ext cx="1319592" cy="523220"/>
+          </a:xfrm>
+          <a:prstGeom prst="rect">
+            <a:avLst/>
+          </a:prstGeom>
+          <a:noFill/>
+        </p:spPr>
+        <p:txBody>
+          <a:bodyPr wrap="none" rtlCol="0" anchor="ctr" anchorCtr="0">
+            <a:spAutoFit/>
+          </a:bodyPr>
+          <a:lstStyle/>
+          <a:p>
+            <a:pPr algn="ctr"/>
+            <a:r>
+              <a:rPr lang="en-US" sz="2800" dirty="0">
+                <a:latin typeface="Lato Light" panose="020F0502020204030203" pitchFamily="34" charset="0"/>
+                <a:ea typeface="Lato Light" panose="020F0502020204030203" pitchFamily="34" charset="0"/>
+                <a:cs typeface="Lato Light" panose="020F0502020204030203" pitchFamily="34" charset="0"/>
+              </a:rPr>
+              <a:t>El Niño</a:t>
+            </a:r>
+          </a:p>
+        </p:txBody>
+      </p:sp>
+      <p:sp>
+        <p:nvSpPr>
+          <p:cNvPr id="10" name="TextBox 9">
+            <a:extLst>
+              <a:ext uri="{FF2B5EF4-FFF2-40B4-BE49-F238E27FC236}">
+                <a16:creationId xmlns:a16="http://schemas.microsoft.com/office/drawing/2014/main" id="{1A03899C-378E-B442-B538-C69C03144B63}"/>
+              </a:ext>
+            </a:extLst>
+          </p:cNvPr>
+          <p:cNvSpPr txBox="1"/>
+          <p:nvPr/>
+        </p:nvSpPr>
+        <p:spPr>
+          <a:xfrm>
+            <a:off x="5260657" y="1239851"/>
+            <a:ext cx="1670686" cy="461665"/>
+          </a:xfrm>
+          <a:prstGeom prst="rect">
+            <a:avLst/>
+          </a:prstGeom>
+          <a:noFill/>
+        </p:spPr>
+        <p:txBody>
+          <a:bodyPr wrap="square" rtlCol="0" anchor="ctr" anchorCtr="0">
+            <a:spAutoFit/>
+          </a:bodyPr>
+          <a:lstStyle/>
+          <a:p>
+            <a:pPr algn="ctr"/>
+            <a:r>
+              <a:rPr lang="en-US" sz="2400" dirty="0">
+                <a:latin typeface="Lato Light" panose="020F0502020204030203" pitchFamily="34" charset="0"/>
+                <a:ea typeface="Lato Light" panose="020F0502020204030203" pitchFamily="34" charset="0"/>
+                <a:cs typeface="Lato Light" panose="020F0502020204030203" pitchFamily="34" charset="0"/>
+              </a:rPr>
+              <a:t>Neutral</a:t>
+            </a:r>
+          </a:p>
+        </p:txBody>
+      </p:sp>
+      <p:sp>
+        <p:nvSpPr>
+          <p:cNvPr id="8" name="TextBox 7">
+            <a:extLst>
+              <a:ext uri="{FF2B5EF4-FFF2-40B4-BE49-F238E27FC236}">
+                <a16:creationId xmlns:a16="http://schemas.microsoft.com/office/drawing/2014/main" id="{89E38626-3C41-BE4F-999C-D8C791EFEFDD}"/>
+              </a:ext>
+            </a:extLst>
+          </p:cNvPr>
+          <p:cNvSpPr txBox="1"/>
+          <p:nvPr/>
+        </p:nvSpPr>
+        <p:spPr>
+          <a:xfrm>
+            <a:off x="2139217" y="288566"/>
+            <a:ext cx="7913565" cy="584775"/>
+          </a:xfrm>
+          <a:prstGeom prst="rect">
+            <a:avLst/>
+          </a:prstGeom>
+          <a:noFill/>
+        </p:spPr>
+        <p:txBody>
+          <a:bodyPr wrap="square" rtlCol="0" anchor="ctr" anchorCtr="0">
+            <a:spAutoFit/>
+          </a:bodyPr>
+          <a:lstStyle/>
+          <a:p>
+            <a:pPr algn="ctr"/>
+            <a:r>
+              <a:rPr lang="en-US" sz="3200" dirty="0">
+                <a:latin typeface="Lato Light" panose="020F0502020204030203" pitchFamily="34" charset="0"/>
+                <a:ea typeface="Lato Light" panose="020F0502020204030203" pitchFamily="34" charset="0"/>
+                <a:cs typeface="Lato Light" panose="020F0502020204030203" pitchFamily="34" charset="0"/>
+              </a:rPr>
+              <a:t>Current ENSO Conditions: </a:t>
+            </a:r>
+            <a:r>
+              <a:rPr lang="en-US" sz="3200" b="1" dirty="0">
+                <a:latin typeface="Lato Light" panose="020F0502020204030203" pitchFamily="34" charset="0"/>
+                <a:ea typeface="Lato Light" panose="020F0502020204030203" pitchFamily="34" charset="0"/>
+                <a:cs typeface="Lato Light" panose="020F0502020204030203" pitchFamily="34" charset="0"/>
+              </a:rPr>
+              <a:t>Weak La Niña</a:t>
+            </a:r>
+          </a:p>
+        </p:txBody>
+      </p:sp>
+      <p:sp>
+        <p:nvSpPr>
+          <p:cNvPr id="9" name="Freeform 8">
+            <a:extLst>
+              <a:ext uri="{FF2B5EF4-FFF2-40B4-BE49-F238E27FC236}">
+                <a16:creationId xmlns:a16="http://schemas.microsoft.com/office/drawing/2014/main" id="{2CFEFF85-DA06-874A-9378-94E89531A26B}"/>
               </a:ext>
             </a:extLst>
           </p:cNvPr>
@@ -6744,178 +6472,10 @@
           </a:p>
         </p:txBody>
       </p:sp>
-      <p:sp>
-        <p:nvSpPr>
-          <p:cNvPr id="6" name="TextBox 5">
-            <a:extLst>
-              <a:ext uri="{FF2B5EF4-FFF2-40B4-BE49-F238E27FC236}">
-                <a16:creationId xmlns:a16="http://schemas.microsoft.com/office/drawing/2014/main" id="{01FE0624-2535-2E49-ABB0-EA814CD0A771}"/>
-              </a:ext>
-            </a:extLst>
-          </p:cNvPr>
-          <p:cNvSpPr txBox="1"/>
-          <p:nvPr/>
-        </p:nvSpPr>
-        <p:spPr>
-          <a:xfrm>
-            <a:off x="2351495" y="5161146"/>
-            <a:ext cx="1358064" cy="523220"/>
-          </a:xfrm>
-          <a:prstGeom prst="rect">
-            <a:avLst/>
-          </a:prstGeom>
-          <a:noFill/>
-        </p:spPr>
-        <p:txBody>
-          <a:bodyPr wrap="none" rtlCol="0" anchor="ctr" anchorCtr="0">
-            <a:spAutoFit/>
-          </a:bodyPr>
-          <a:lstStyle/>
-          <a:p>
-            <a:pPr algn="ctr"/>
-            <a:r>
-              <a:rPr lang="en-US" sz="2800" dirty="0">
-                <a:latin typeface="Lato Light" panose="020F0502020204030203" pitchFamily="34" charset="0"/>
-                <a:ea typeface="Lato Light" panose="020F0502020204030203" pitchFamily="34" charset="0"/>
-                <a:cs typeface="Lato Light" panose="020F0502020204030203" pitchFamily="34" charset="0"/>
-              </a:rPr>
-              <a:t>La Niña</a:t>
-            </a:r>
-          </a:p>
-        </p:txBody>
-      </p:sp>
-      <p:sp>
-        <p:nvSpPr>
-          <p:cNvPr id="7" name="TextBox 6">
-            <a:extLst>
-              <a:ext uri="{FF2B5EF4-FFF2-40B4-BE49-F238E27FC236}">
-                <a16:creationId xmlns:a16="http://schemas.microsoft.com/office/drawing/2014/main" id="{A818F9FA-E53B-1A4C-804B-B2C173A93342}"/>
-              </a:ext>
-            </a:extLst>
-          </p:cNvPr>
-          <p:cNvSpPr txBox="1"/>
-          <p:nvPr/>
-        </p:nvSpPr>
-        <p:spPr>
-          <a:xfrm>
-            <a:off x="8469413" y="5161146"/>
-            <a:ext cx="1319592" cy="523220"/>
-          </a:xfrm>
-          <a:prstGeom prst="rect">
-            <a:avLst/>
-          </a:prstGeom>
-          <a:noFill/>
-        </p:spPr>
-        <p:txBody>
-          <a:bodyPr wrap="none" rtlCol="0" anchor="ctr" anchorCtr="0">
-            <a:spAutoFit/>
-          </a:bodyPr>
-          <a:lstStyle/>
-          <a:p>
-            <a:pPr algn="ctr"/>
-            <a:r>
-              <a:rPr lang="en-US" sz="2800" dirty="0">
-                <a:latin typeface="Lato Light" panose="020F0502020204030203" pitchFamily="34" charset="0"/>
-                <a:ea typeface="Lato Light" panose="020F0502020204030203" pitchFamily="34" charset="0"/>
-                <a:cs typeface="Lato Light" panose="020F0502020204030203" pitchFamily="34" charset="0"/>
-              </a:rPr>
-              <a:t>El Niño</a:t>
-            </a:r>
-          </a:p>
-        </p:txBody>
-      </p:sp>
-      <p:sp>
-        <p:nvSpPr>
-          <p:cNvPr id="10" name="TextBox 9">
-            <a:extLst>
-              <a:ext uri="{FF2B5EF4-FFF2-40B4-BE49-F238E27FC236}">
-                <a16:creationId xmlns:a16="http://schemas.microsoft.com/office/drawing/2014/main" id="{1A03899C-378E-B442-B538-C69C03144B63}"/>
-              </a:ext>
-            </a:extLst>
-          </p:cNvPr>
-          <p:cNvSpPr txBox="1"/>
-          <p:nvPr/>
-        </p:nvSpPr>
-        <p:spPr>
-          <a:xfrm>
-            <a:off x="5260657" y="1239851"/>
-            <a:ext cx="1670686" cy="461665"/>
-          </a:xfrm>
-          <a:prstGeom prst="rect">
-            <a:avLst/>
-          </a:prstGeom>
-          <a:noFill/>
-        </p:spPr>
-        <p:txBody>
-          <a:bodyPr wrap="square" rtlCol="0" anchor="ctr" anchorCtr="0">
-            <a:spAutoFit/>
-          </a:bodyPr>
-          <a:lstStyle/>
-          <a:p>
-            <a:pPr algn="ctr"/>
-            <a:r>
-              <a:rPr lang="en-US" sz="2400" dirty="0">
-                <a:latin typeface="Lato Light" panose="020F0502020204030203" pitchFamily="34" charset="0"/>
-                <a:ea typeface="Lato Light" panose="020F0502020204030203" pitchFamily="34" charset="0"/>
-                <a:cs typeface="Lato Light" panose="020F0502020204030203" pitchFamily="34" charset="0"/>
-              </a:rPr>
-              <a:t>Neutral</a:t>
-            </a:r>
-          </a:p>
-        </p:txBody>
-      </p:sp>
-      <p:sp>
-        <p:nvSpPr>
-          <p:cNvPr id="8" name="TextBox 7">
-            <a:extLst>
-              <a:ext uri="{FF2B5EF4-FFF2-40B4-BE49-F238E27FC236}">
-                <a16:creationId xmlns:a16="http://schemas.microsoft.com/office/drawing/2014/main" id="{89E38626-3C41-BE4F-999C-D8C791EFEFDD}"/>
-              </a:ext>
-            </a:extLst>
-          </p:cNvPr>
-          <p:cNvSpPr txBox="1"/>
-          <p:nvPr/>
-        </p:nvSpPr>
-        <p:spPr>
-          <a:xfrm>
-            <a:off x="2139217" y="288566"/>
-            <a:ext cx="7913565" cy="584775"/>
-          </a:xfrm>
-          <a:prstGeom prst="rect">
-            <a:avLst/>
-          </a:prstGeom>
-          <a:noFill/>
-        </p:spPr>
-        <p:txBody>
-          <a:bodyPr wrap="square" rtlCol="0" anchor="ctr" anchorCtr="0">
-            <a:spAutoFit/>
-          </a:bodyPr>
-          <a:lstStyle/>
-          <a:p>
-            <a:pPr algn="ctr"/>
-            <a:r>
-              <a:rPr lang="en-US" sz="3200" dirty="0">
-                <a:latin typeface="Lato Light" panose="020F0502020204030203" pitchFamily="34" charset="0"/>
-                <a:ea typeface="Lato Light" panose="020F0502020204030203" pitchFamily="34" charset="0"/>
-                <a:cs typeface="Lato Light" panose="020F0502020204030203" pitchFamily="34" charset="0"/>
-              </a:rPr>
-              <a:t>Current ENSO Conditions: </a:t>
-            </a:r>
-            <a:r>
-              <a:rPr lang="en-US" sz="3200" b="1" dirty="0">
-                <a:latin typeface="Lato Light" panose="020F0502020204030203" pitchFamily="34" charset="0"/>
-                <a:ea typeface="Lato Light" panose="020F0502020204030203" pitchFamily="34" charset="0"/>
-                <a:cs typeface="Lato Light" panose="020F0502020204030203" pitchFamily="34" charset="0"/>
-              </a:rPr>
-              <a:t>Weak La Niña</a:t>
-            </a:r>
-          </a:p>
-        </p:txBody>
-      </p:sp>
     </p:spTree>
     <p:extLst>
       <p:ext uri="{BB962C8B-B14F-4D97-AF65-F5344CB8AC3E}">
-        <p14:creationId xmlns:p14="http://schemas.microsoft.com/office/powerpoint/2010/main" val="2531568668"/>
+        <p14:creationId xmlns:p14="http://schemas.microsoft.com/office/powerpoint/2010/main" val="3418218008"/>
       </p:ext>
     </p:extLst>
   </p:cSld>
@@ -6925,7 +6485,7 @@
 </p:sld>
 </file>
 
-<file path=ppt/slides/slide4.xml><?xml version="1.0" encoding="utf-8"?>
+<file path=ppt/slides/slide3.xml><?xml version="1.0" encoding="utf-8"?>
 <p:sld xmlns:a="http://schemas.openxmlformats.org/drawingml/2006/main" xmlns:r="http://schemas.openxmlformats.org/officeDocument/2006/relationships" xmlns:p="http://schemas.openxmlformats.org/presentationml/2006/main">
   <p:cSld>
     <p:spTree>
@@ -6955,7 +6515,7 @@
           <p:nvPr>
             <p:extLst>
               <p:ext uri="{D42A27DB-BD31-4B8C-83A1-F6EECF244321}">
-                <p14:modId xmlns:p14="http://schemas.microsoft.com/office/powerpoint/2010/main" val="4243288126"/>
+                <p14:modId xmlns:p14="http://schemas.microsoft.com/office/powerpoint/2010/main" val="486629070"/>
               </p:ext>
             </p:extLst>
           </p:nvPr>
@@ -6986,7 +6546,7 @@
         </p:nvCxnSpPr>
         <p:spPr>
           <a:xfrm>
-            <a:off x="1085850" y="5213635"/>
+            <a:off x="1173956" y="5225665"/>
             <a:ext cx="9844088" cy="0"/>
           </a:xfrm>
           <a:prstGeom prst="line">
@@ -7017,10 +6577,178 @@
       </p:cxnSp>
       <p:sp>
         <p:nvSpPr>
-          <p:cNvPr id="5" name="Freeform 4">
-            <a:extLst>
-              <a:ext uri="{FF2B5EF4-FFF2-40B4-BE49-F238E27FC236}">
-                <a16:creationId xmlns:a16="http://schemas.microsoft.com/office/drawing/2014/main" id="{CC2E231E-D3AB-D54B-982B-1409B7223477}"/>
+          <p:cNvPr id="6" name="TextBox 5">
+            <a:extLst>
+              <a:ext uri="{FF2B5EF4-FFF2-40B4-BE49-F238E27FC236}">
+                <a16:creationId xmlns:a16="http://schemas.microsoft.com/office/drawing/2014/main" id="{01FE0624-2535-2E49-ABB0-EA814CD0A771}"/>
+              </a:ext>
+            </a:extLst>
+          </p:cNvPr>
+          <p:cNvSpPr txBox="1"/>
+          <p:nvPr/>
+        </p:nvSpPr>
+        <p:spPr>
+          <a:xfrm>
+            <a:off x="2351495" y="5161146"/>
+            <a:ext cx="1358064" cy="523220"/>
+          </a:xfrm>
+          <a:prstGeom prst="rect">
+            <a:avLst/>
+          </a:prstGeom>
+          <a:noFill/>
+        </p:spPr>
+        <p:txBody>
+          <a:bodyPr wrap="none" rtlCol="0" anchor="ctr" anchorCtr="0">
+            <a:spAutoFit/>
+          </a:bodyPr>
+          <a:lstStyle/>
+          <a:p>
+            <a:pPr algn="ctr"/>
+            <a:r>
+              <a:rPr lang="en-US" sz="2800" dirty="0">
+                <a:latin typeface="Lato Light" panose="020F0502020204030203" pitchFamily="34" charset="0"/>
+                <a:ea typeface="Lato Light" panose="020F0502020204030203" pitchFamily="34" charset="0"/>
+                <a:cs typeface="Lato Light" panose="020F0502020204030203" pitchFamily="34" charset="0"/>
+              </a:rPr>
+              <a:t>La Niña</a:t>
+            </a:r>
+          </a:p>
+        </p:txBody>
+      </p:sp>
+      <p:sp>
+        <p:nvSpPr>
+          <p:cNvPr id="7" name="TextBox 6">
+            <a:extLst>
+              <a:ext uri="{FF2B5EF4-FFF2-40B4-BE49-F238E27FC236}">
+                <a16:creationId xmlns:a16="http://schemas.microsoft.com/office/drawing/2014/main" id="{A818F9FA-E53B-1A4C-804B-B2C173A93342}"/>
+              </a:ext>
+            </a:extLst>
+          </p:cNvPr>
+          <p:cNvSpPr txBox="1"/>
+          <p:nvPr/>
+        </p:nvSpPr>
+        <p:spPr>
+          <a:xfrm>
+            <a:off x="8469413" y="5161146"/>
+            <a:ext cx="1319592" cy="523220"/>
+          </a:xfrm>
+          <a:prstGeom prst="rect">
+            <a:avLst/>
+          </a:prstGeom>
+          <a:noFill/>
+        </p:spPr>
+        <p:txBody>
+          <a:bodyPr wrap="none" rtlCol="0" anchor="ctr" anchorCtr="0">
+            <a:spAutoFit/>
+          </a:bodyPr>
+          <a:lstStyle/>
+          <a:p>
+            <a:pPr algn="ctr"/>
+            <a:r>
+              <a:rPr lang="en-US" sz="2800" dirty="0">
+                <a:latin typeface="Lato Light" panose="020F0502020204030203" pitchFamily="34" charset="0"/>
+                <a:ea typeface="Lato Light" panose="020F0502020204030203" pitchFamily="34" charset="0"/>
+                <a:cs typeface="Lato Light" panose="020F0502020204030203" pitchFamily="34" charset="0"/>
+              </a:rPr>
+              <a:t>El Niño</a:t>
+            </a:r>
+          </a:p>
+        </p:txBody>
+      </p:sp>
+      <p:sp>
+        <p:nvSpPr>
+          <p:cNvPr id="10" name="TextBox 9">
+            <a:extLst>
+              <a:ext uri="{FF2B5EF4-FFF2-40B4-BE49-F238E27FC236}">
+                <a16:creationId xmlns:a16="http://schemas.microsoft.com/office/drawing/2014/main" id="{1A03899C-378E-B442-B538-C69C03144B63}"/>
+              </a:ext>
+            </a:extLst>
+          </p:cNvPr>
+          <p:cNvSpPr txBox="1"/>
+          <p:nvPr/>
+        </p:nvSpPr>
+        <p:spPr>
+          <a:xfrm>
+            <a:off x="5260657" y="1239851"/>
+            <a:ext cx="1670686" cy="461665"/>
+          </a:xfrm>
+          <a:prstGeom prst="rect">
+            <a:avLst/>
+          </a:prstGeom>
+          <a:noFill/>
+        </p:spPr>
+        <p:txBody>
+          <a:bodyPr wrap="square" rtlCol="0" anchor="ctr" anchorCtr="0">
+            <a:spAutoFit/>
+          </a:bodyPr>
+          <a:lstStyle/>
+          <a:p>
+            <a:pPr algn="ctr"/>
+            <a:r>
+              <a:rPr lang="en-US" sz="2400" dirty="0">
+                <a:latin typeface="Lato Light" panose="020F0502020204030203" pitchFamily="34" charset="0"/>
+                <a:ea typeface="Lato Light" panose="020F0502020204030203" pitchFamily="34" charset="0"/>
+                <a:cs typeface="Lato Light" panose="020F0502020204030203" pitchFamily="34" charset="0"/>
+              </a:rPr>
+              <a:t>Neutral</a:t>
+            </a:r>
+          </a:p>
+        </p:txBody>
+      </p:sp>
+      <p:sp>
+        <p:nvSpPr>
+          <p:cNvPr id="8" name="TextBox 7">
+            <a:extLst>
+              <a:ext uri="{FF2B5EF4-FFF2-40B4-BE49-F238E27FC236}">
+                <a16:creationId xmlns:a16="http://schemas.microsoft.com/office/drawing/2014/main" id="{89E38626-3C41-BE4F-999C-D8C791EFEFDD}"/>
+              </a:ext>
+            </a:extLst>
+          </p:cNvPr>
+          <p:cNvSpPr txBox="1"/>
+          <p:nvPr/>
+        </p:nvSpPr>
+        <p:spPr>
+          <a:xfrm>
+            <a:off x="2139217" y="288566"/>
+            <a:ext cx="7913565" cy="584775"/>
+          </a:xfrm>
+          <a:prstGeom prst="rect">
+            <a:avLst/>
+          </a:prstGeom>
+          <a:noFill/>
+        </p:spPr>
+        <p:txBody>
+          <a:bodyPr wrap="square" rtlCol="0" anchor="ctr" anchorCtr="0">
+            <a:spAutoFit/>
+          </a:bodyPr>
+          <a:lstStyle/>
+          <a:p>
+            <a:pPr algn="ctr"/>
+            <a:r>
+              <a:rPr lang="en-US" sz="3200" dirty="0">
+                <a:latin typeface="Lato Light" panose="020F0502020204030203" pitchFamily="34" charset="0"/>
+                <a:ea typeface="Lato Light" panose="020F0502020204030203" pitchFamily="34" charset="0"/>
+                <a:cs typeface="Lato Light" panose="020F0502020204030203" pitchFamily="34" charset="0"/>
+              </a:rPr>
+              <a:t>Current ENSO Conditions: </a:t>
+            </a:r>
+            <a:r>
+              <a:rPr lang="en-US" sz="3200" b="1" dirty="0">
+                <a:latin typeface="Lato Light" panose="020F0502020204030203" pitchFamily="34" charset="0"/>
+                <a:ea typeface="Lato Light" panose="020F0502020204030203" pitchFamily="34" charset="0"/>
+                <a:cs typeface="Lato Light" panose="020F0502020204030203" pitchFamily="34" charset="0"/>
+              </a:rPr>
+              <a:t>Neutral</a:t>
+            </a:r>
+          </a:p>
+        </p:txBody>
+      </p:sp>
+      <p:sp>
+        <p:nvSpPr>
+          <p:cNvPr id="11" name="Freeform 10">
+            <a:extLst>
+              <a:ext uri="{FF2B5EF4-FFF2-40B4-BE49-F238E27FC236}">
+                <a16:creationId xmlns:a16="http://schemas.microsoft.com/office/drawing/2014/main" id="{DDF60C0F-CAD6-C141-B6E3-2057E5A846D2}"/>
               </a:ext>
             </a:extLst>
           </p:cNvPr>
@@ -7130,6 +6858,109 @@
           </a:p>
         </p:txBody>
       </p:sp>
+    </p:spTree>
+    <p:extLst>
+      <p:ext uri="{BB962C8B-B14F-4D97-AF65-F5344CB8AC3E}">
+        <p14:creationId xmlns:p14="http://schemas.microsoft.com/office/powerpoint/2010/main" val="3760447232"/>
+      </p:ext>
+    </p:extLst>
+  </p:cSld>
+  <p:clrMapOvr>
+    <a:masterClrMapping/>
+  </p:clrMapOvr>
+</p:sld>
+</file>
+
+<file path=ppt/slides/slide4.xml><?xml version="1.0" encoding="utf-8"?>
+<p:sld xmlns:a="http://schemas.openxmlformats.org/drawingml/2006/main" xmlns:r="http://schemas.openxmlformats.org/officeDocument/2006/relationships" xmlns:p="http://schemas.openxmlformats.org/presentationml/2006/main">
+  <p:cSld>
+    <p:spTree>
+      <p:nvGrpSpPr>
+        <p:cNvPr id="1" name=""/>
+        <p:cNvGrpSpPr/>
+        <p:nvPr/>
+      </p:nvGrpSpPr>
+      <p:grpSpPr>
+        <a:xfrm>
+          <a:off x="0" y="0"/>
+          <a:ext cx="0" cy="0"/>
+          <a:chOff x="0" y="0"/>
+          <a:chExt cx="0" cy="0"/>
+        </a:xfrm>
+      </p:grpSpPr>
+      <p:graphicFrame>
+        <p:nvGraphicFramePr>
+          <p:cNvPr id="2" name="Chart 1">
+            <a:extLst>
+              <a:ext uri="{FF2B5EF4-FFF2-40B4-BE49-F238E27FC236}">
+                <a16:creationId xmlns:a16="http://schemas.microsoft.com/office/drawing/2014/main" id="{64C2B386-BA24-0B47-A746-A4B73E051DAC}"/>
+              </a:ext>
+            </a:extLst>
+          </p:cNvPr>
+          <p:cNvGraphicFramePr/>
+          <p:nvPr>
+            <p:extLst>
+              <p:ext uri="{D42A27DB-BD31-4B8C-83A1-F6EECF244321}">
+                <p14:modId xmlns:p14="http://schemas.microsoft.com/office/powerpoint/2010/main" val="4010217565"/>
+              </p:ext>
+            </p:extLst>
+          </p:nvPr>
+        </p:nvGraphicFramePr>
+        <p:xfrm>
+          <a:off x="0" y="925830"/>
+          <a:ext cx="12192000" cy="8298603"/>
+        </p:xfrm>
+        <a:graphic>
+          <a:graphicData uri="http://schemas.openxmlformats.org/drawingml/2006/chart">
+            <c:chart xmlns:c="http://schemas.openxmlformats.org/drawingml/2006/chart" xmlns:r="http://schemas.openxmlformats.org/officeDocument/2006/relationships" r:id="rId2"/>
+          </a:graphicData>
+        </a:graphic>
+      </p:graphicFrame>
+      <p:cxnSp>
+        <p:nvCxnSpPr>
+          <p:cNvPr id="3" name="Straight Connector 2">
+            <a:extLst>
+              <a:ext uri="{FF2B5EF4-FFF2-40B4-BE49-F238E27FC236}">
+                <a16:creationId xmlns:a16="http://schemas.microsoft.com/office/drawing/2014/main" id="{5BEC1D0A-B0F9-6D41-99D2-6EB38B4488A9}"/>
+              </a:ext>
+            </a:extLst>
+          </p:cNvPr>
+          <p:cNvCxnSpPr>
+            <a:cxnSpLocks/>
+          </p:cNvCxnSpPr>
+          <p:nvPr/>
+        </p:nvCxnSpPr>
+        <p:spPr>
+          <a:xfrm>
+            <a:off x="1173956" y="5225665"/>
+            <a:ext cx="9844088" cy="0"/>
+          </a:xfrm>
+          <a:prstGeom prst="line">
+            <a:avLst/>
+          </a:prstGeom>
+          <a:ln>
+            <a:solidFill>
+              <a:schemeClr val="bg1">
+                <a:lumMod val="65000"/>
+              </a:schemeClr>
+            </a:solidFill>
+          </a:ln>
+        </p:spPr>
+        <p:style>
+          <a:lnRef idx="1">
+            <a:schemeClr val="accent1"/>
+          </a:lnRef>
+          <a:fillRef idx="0">
+            <a:schemeClr val="accent1"/>
+          </a:fillRef>
+          <a:effectRef idx="0">
+            <a:schemeClr val="accent1"/>
+          </a:effectRef>
+          <a:fontRef idx="minor">
+            <a:schemeClr val="tx1"/>
+          </a:fontRef>
+        </p:style>
+      </p:cxnSp>
       <p:sp>
         <p:nvSpPr>
           <p:cNvPr id="6" name="TextBox 5">
@@ -7144,7 +6975,7 @@
         </p:nvSpPr>
         <p:spPr>
           <a:xfrm>
-            <a:off x="2405215" y="5212364"/>
+            <a:off x="2351495" y="5161146"/>
             <a:ext cx="1358064" cy="523220"/>
           </a:xfrm>
           <a:prstGeom prst="rect">
@@ -7184,7 +7015,7 @@
         </p:nvSpPr>
         <p:spPr>
           <a:xfrm>
-            <a:off x="8428723" y="5212364"/>
+            <a:off x="8469413" y="5161146"/>
             <a:ext cx="1319592" cy="523220"/>
           </a:xfrm>
           <a:prstGeom prst="rect">
@@ -7264,8 +7095,8 @@
         </p:nvSpPr>
         <p:spPr>
           <a:xfrm>
-            <a:off x="2749746" y="341055"/>
-            <a:ext cx="6692508" cy="584775"/>
+            <a:off x="2139217" y="288566"/>
+            <a:ext cx="7913565" cy="584775"/>
           </a:xfrm>
           <a:prstGeom prst="rect">
             <a:avLst/>
@@ -7298,10 +7129,125 @@
           </a:p>
         </p:txBody>
       </p:sp>
+      <p:sp>
+        <p:nvSpPr>
+          <p:cNvPr id="9" name="Freeform 8">
+            <a:extLst>
+              <a:ext uri="{FF2B5EF4-FFF2-40B4-BE49-F238E27FC236}">
+                <a16:creationId xmlns:a16="http://schemas.microsoft.com/office/drawing/2014/main" id="{2978B23A-64FF-2C4D-814D-923DFB60D14B}"/>
+              </a:ext>
+            </a:extLst>
+          </p:cNvPr>
+          <p:cNvSpPr/>
+          <p:nvPr/>
+        </p:nvSpPr>
+        <p:spPr>
+          <a:xfrm>
+            <a:off x="5766416" y="2051248"/>
+            <a:ext cx="680804" cy="3184339"/>
+          </a:xfrm>
+          <a:custGeom>
+            <a:avLst/>
+            <a:gdLst>
+              <a:gd name="connsiteX0" fmla="*/ 166257 w 332511"/>
+              <a:gd name="connsiteY0" fmla="*/ 0 h 4663276"/>
+              <a:gd name="connsiteX1" fmla="*/ 332511 w 332511"/>
+              <a:gd name="connsiteY1" fmla="*/ 4294909 h 4663276"/>
+              <a:gd name="connsiteX2" fmla="*/ 332509 w 332511"/>
+              <a:gd name="connsiteY2" fmla="*/ 4294909 h 4663276"/>
+              <a:gd name="connsiteX3" fmla="*/ 166254 w 332511"/>
+              <a:gd name="connsiteY3" fmla="*/ 4663276 h 4663276"/>
+              <a:gd name="connsiteX4" fmla="*/ 0 w 332511"/>
+              <a:gd name="connsiteY4" fmla="*/ 4294909 h 4663276"/>
+              <a:gd name="connsiteX5" fmla="*/ 2 w 332511"/>
+              <a:gd name="connsiteY5" fmla="*/ 4294909 h 4663276"/>
+            </a:gdLst>
+            <a:ahLst/>
+            <a:cxnLst>
+              <a:cxn ang="0">
+                <a:pos x="connsiteX0" y="connsiteY0"/>
+              </a:cxn>
+              <a:cxn ang="0">
+                <a:pos x="connsiteX1" y="connsiteY1"/>
+              </a:cxn>
+              <a:cxn ang="0">
+                <a:pos x="connsiteX2" y="connsiteY2"/>
+              </a:cxn>
+              <a:cxn ang="0">
+                <a:pos x="connsiteX3" y="connsiteY3"/>
+              </a:cxn>
+              <a:cxn ang="0">
+                <a:pos x="connsiteX4" y="connsiteY4"/>
+              </a:cxn>
+              <a:cxn ang="0">
+                <a:pos x="connsiteX5" y="connsiteY5"/>
+              </a:cxn>
+            </a:cxnLst>
+            <a:rect l="l" t="t" r="r" b="b"/>
+            <a:pathLst>
+              <a:path w="332511" h="4663276">
+                <a:moveTo>
+                  <a:pt x="166257" y="0"/>
+                </a:moveTo>
+                <a:lnTo>
+                  <a:pt x="332511" y="4294909"/>
+                </a:lnTo>
+                <a:lnTo>
+                  <a:pt x="332509" y="4294909"/>
+                </a:lnTo>
+                <a:lnTo>
+                  <a:pt x="166254" y="4663276"/>
+                </a:lnTo>
+                <a:lnTo>
+                  <a:pt x="0" y="4294909"/>
+                </a:lnTo>
+                <a:lnTo>
+                  <a:pt x="2" y="4294909"/>
+                </a:lnTo>
+                <a:close/>
+              </a:path>
+            </a:pathLst>
+          </a:custGeom>
+          <a:solidFill>
+            <a:schemeClr val="bg1">
+              <a:lumMod val="50000"/>
+            </a:schemeClr>
+          </a:solidFill>
+          <a:ln>
+            <a:noFill/>
+          </a:ln>
+        </p:spPr>
+        <p:style>
+          <a:lnRef idx="2">
+            <a:schemeClr val="accent1">
+              <a:shade val="50000"/>
+            </a:schemeClr>
+          </a:lnRef>
+          <a:fillRef idx="1">
+            <a:schemeClr val="accent1"/>
+          </a:fillRef>
+          <a:effectRef idx="0">
+            <a:schemeClr val="accent1"/>
+          </a:effectRef>
+          <a:fontRef idx="minor">
+            <a:schemeClr val="lt1"/>
+          </a:fontRef>
+        </p:style>
+        <p:txBody>
+          <a:bodyPr rtlCol="0" anchor="ctr"/>
+          <a:lstStyle/>
+          <a:p>
+            <a:pPr algn="ctr"/>
+            <a:endParaRPr lang="en-US" dirty="0">
+              <a:latin typeface="Lato Light" panose="020F0502020204030203" pitchFamily="34" charset="0"/>
+            </a:endParaRPr>
+          </a:p>
+        </p:txBody>
+      </p:sp>
     </p:spTree>
     <p:extLst>
       <p:ext uri="{BB962C8B-B14F-4D97-AF65-F5344CB8AC3E}">
-        <p14:creationId xmlns:p14="http://schemas.microsoft.com/office/powerpoint/2010/main" val="713201170"/>
+        <p14:creationId xmlns:p14="http://schemas.microsoft.com/office/powerpoint/2010/main" val="2859300081"/>
       </p:ext>
     </p:extLst>
   </p:cSld>
@@ -7338,7 +7284,13 @@
             </a:extLst>
           </p:cNvPr>
           <p:cNvGraphicFramePr/>
-          <p:nvPr/>
+          <p:nvPr>
+            <p:extLst>
+              <p:ext uri="{D42A27DB-BD31-4B8C-83A1-F6EECF244321}">
+                <p14:modId xmlns:p14="http://schemas.microsoft.com/office/powerpoint/2010/main" val="455506221"/>
+              </p:ext>
+            </p:extLst>
+          </p:nvPr>
         </p:nvGraphicFramePr>
         <p:xfrm>
           <a:off x="0" y="925830"/>
@@ -7366,7 +7318,7 @@
         </p:nvCxnSpPr>
         <p:spPr>
           <a:xfrm>
-            <a:off x="1085850" y="5213635"/>
+            <a:off x="1173956" y="5225665"/>
             <a:ext cx="9844088" cy="0"/>
           </a:xfrm>
           <a:prstGeom prst="line">
@@ -7397,10 +7349,178 @@
       </p:cxnSp>
       <p:sp>
         <p:nvSpPr>
-          <p:cNvPr id="5" name="Freeform 4">
-            <a:extLst>
-              <a:ext uri="{FF2B5EF4-FFF2-40B4-BE49-F238E27FC236}">
-                <a16:creationId xmlns:a16="http://schemas.microsoft.com/office/drawing/2014/main" id="{CC2E231E-D3AB-D54B-982B-1409B7223477}"/>
+          <p:cNvPr id="6" name="TextBox 5">
+            <a:extLst>
+              <a:ext uri="{FF2B5EF4-FFF2-40B4-BE49-F238E27FC236}">
+                <a16:creationId xmlns:a16="http://schemas.microsoft.com/office/drawing/2014/main" id="{01FE0624-2535-2E49-ABB0-EA814CD0A771}"/>
+              </a:ext>
+            </a:extLst>
+          </p:cNvPr>
+          <p:cNvSpPr txBox="1"/>
+          <p:nvPr/>
+        </p:nvSpPr>
+        <p:spPr>
+          <a:xfrm>
+            <a:off x="2351495" y="5161146"/>
+            <a:ext cx="1358064" cy="523220"/>
+          </a:xfrm>
+          <a:prstGeom prst="rect">
+            <a:avLst/>
+          </a:prstGeom>
+          <a:noFill/>
+        </p:spPr>
+        <p:txBody>
+          <a:bodyPr wrap="none" rtlCol="0" anchor="ctr" anchorCtr="0">
+            <a:spAutoFit/>
+          </a:bodyPr>
+          <a:lstStyle/>
+          <a:p>
+            <a:pPr algn="ctr"/>
+            <a:r>
+              <a:rPr lang="en-US" sz="2800" dirty="0">
+                <a:latin typeface="Lato Light" panose="020F0502020204030203" pitchFamily="34" charset="0"/>
+                <a:ea typeface="Lato Light" panose="020F0502020204030203" pitchFamily="34" charset="0"/>
+                <a:cs typeface="Lato Light" panose="020F0502020204030203" pitchFamily="34" charset="0"/>
+              </a:rPr>
+              <a:t>La Niña</a:t>
+            </a:r>
+          </a:p>
+        </p:txBody>
+      </p:sp>
+      <p:sp>
+        <p:nvSpPr>
+          <p:cNvPr id="7" name="TextBox 6">
+            <a:extLst>
+              <a:ext uri="{FF2B5EF4-FFF2-40B4-BE49-F238E27FC236}">
+                <a16:creationId xmlns:a16="http://schemas.microsoft.com/office/drawing/2014/main" id="{A818F9FA-E53B-1A4C-804B-B2C173A93342}"/>
+              </a:ext>
+            </a:extLst>
+          </p:cNvPr>
+          <p:cNvSpPr txBox="1"/>
+          <p:nvPr/>
+        </p:nvSpPr>
+        <p:spPr>
+          <a:xfrm>
+            <a:off x="8469413" y="5161146"/>
+            <a:ext cx="1319592" cy="523220"/>
+          </a:xfrm>
+          <a:prstGeom prst="rect">
+            <a:avLst/>
+          </a:prstGeom>
+          <a:noFill/>
+        </p:spPr>
+        <p:txBody>
+          <a:bodyPr wrap="none" rtlCol="0" anchor="ctr" anchorCtr="0">
+            <a:spAutoFit/>
+          </a:bodyPr>
+          <a:lstStyle/>
+          <a:p>
+            <a:pPr algn="ctr"/>
+            <a:r>
+              <a:rPr lang="en-US" sz="2800" dirty="0">
+                <a:latin typeface="Lato Light" panose="020F0502020204030203" pitchFamily="34" charset="0"/>
+                <a:ea typeface="Lato Light" panose="020F0502020204030203" pitchFamily="34" charset="0"/>
+                <a:cs typeface="Lato Light" panose="020F0502020204030203" pitchFamily="34" charset="0"/>
+              </a:rPr>
+              <a:t>El Niño</a:t>
+            </a:r>
+          </a:p>
+        </p:txBody>
+      </p:sp>
+      <p:sp>
+        <p:nvSpPr>
+          <p:cNvPr id="10" name="TextBox 9">
+            <a:extLst>
+              <a:ext uri="{FF2B5EF4-FFF2-40B4-BE49-F238E27FC236}">
+                <a16:creationId xmlns:a16="http://schemas.microsoft.com/office/drawing/2014/main" id="{1A03899C-378E-B442-B538-C69C03144B63}"/>
+              </a:ext>
+            </a:extLst>
+          </p:cNvPr>
+          <p:cNvSpPr txBox="1"/>
+          <p:nvPr/>
+        </p:nvSpPr>
+        <p:spPr>
+          <a:xfrm>
+            <a:off x="5260657" y="1239851"/>
+            <a:ext cx="1670686" cy="461665"/>
+          </a:xfrm>
+          <a:prstGeom prst="rect">
+            <a:avLst/>
+          </a:prstGeom>
+          <a:noFill/>
+        </p:spPr>
+        <p:txBody>
+          <a:bodyPr wrap="square" rtlCol="0" anchor="ctr" anchorCtr="0">
+            <a:spAutoFit/>
+          </a:bodyPr>
+          <a:lstStyle/>
+          <a:p>
+            <a:pPr algn="ctr"/>
+            <a:r>
+              <a:rPr lang="en-US" sz="2400" dirty="0">
+                <a:latin typeface="Lato Light" panose="020F0502020204030203" pitchFamily="34" charset="0"/>
+                <a:ea typeface="Lato Light" panose="020F0502020204030203" pitchFamily="34" charset="0"/>
+                <a:cs typeface="Lato Light" panose="020F0502020204030203" pitchFamily="34" charset="0"/>
+              </a:rPr>
+              <a:t>Neutral</a:t>
+            </a:r>
+          </a:p>
+        </p:txBody>
+      </p:sp>
+      <p:sp>
+        <p:nvSpPr>
+          <p:cNvPr id="8" name="TextBox 7">
+            <a:extLst>
+              <a:ext uri="{FF2B5EF4-FFF2-40B4-BE49-F238E27FC236}">
+                <a16:creationId xmlns:a16="http://schemas.microsoft.com/office/drawing/2014/main" id="{89E38626-3C41-BE4F-999C-D8C791EFEFDD}"/>
+              </a:ext>
+            </a:extLst>
+          </p:cNvPr>
+          <p:cNvSpPr txBox="1"/>
+          <p:nvPr/>
+        </p:nvSpPr>
+        <p:spPr>
+          <a:xfrm>
+            <a:off x="2139217" y="288566"/>
+            <a:ext cx="7913565" cy="584775"/>
+          </a:xfrm>
+          <a:prstGeom prst="rect">
+            <a:avLst/>
+          </a:prstGeom>
+          <a:noFill/>
+        </p:spPr>
+        <p:txBody>
+          <a:bodyPr wrap="square" rtlCol="0" anchor="ctr" anchorCtr="0">
+            <a:spAutoFit/>
+          </a:bodyPr>
+          <a:lstStyle/>
+          <a:p>
+            <a:pPr algn="ctr"/>
+            <a:r>
+              <a:rPr lang="en-US" sz="3200" dirty="0">
+                <a:latin typeface="Lato Light" panose="020F0502020204030203" pitchFamily="34" charset="0"/>
+                <a:ea typeface="Lato Light" panose="020F0502020204030203" pitchFamily="34" charset="0"/>
+                <a:cs typeface="Lato Light" panose="020F0502020204030203" pitchFamily="34" charset="0"/>
+              </a:rPr>
+              <a:t>Current ENSO Conditions: </a:t>
+            </a:r>
+            <a:r>
+              <a:rPr lang="en-US" sz="3200" b="1" dirty="0">
+                <a:latin typeface="Lato Light" panose="020F0502020204030203" pitchFamily="34" charset="0"/>
+                <a:ea typeface="Lato Light" panose="020F0502020204030203" pitchFamily="34" charset="0"/>
+                <a:cs typeface="Lato Light" panose="020F0502020204030203" pitchFamily="34" charset="0"/>
+              </a:rPr>
+              <a:t>Neutral</a:t>
+            </a:r>
+          </a:p>
+        </p:txBody>
+      </p:sp>
+      <p:sp>
+        <p:nvSpPr>
+          <p:cNvPr id="11" name="Freeform 10">
+            <a:extLst>
+              <a:ext uri="{FF2B5EF4-FFF2-40B4-BE49-F238E27FC236}">
+                <a16:creationId xmlns:a16="http://schemas.microsoft.com/office/drawing/2014/main" id="{DD5CC75B-6F37-C34A-AF10-7F3331067DA5}"/>
               </a:ext>
             </a:extLst>
           </p:cNvPr>
@@ -7510,178 +7630,10 @@
           </a:p>
         </p:txBody>
       </p:sp>
-      <p:sp>
-        <p:nvSpPr>
-          <p:cNvPr id="6" name="TextBox 5">
-            <a:extLst>
-              <a:ext uri="{FF2B5EF4-FFF2-40B4-BE49-F238E27FC236}">
-                <a16:creationId xmlns:a16="http://schemas.microsoft.com/office/drawing/2014/main" id="{01FE0624-2535-2E49-ABB0-EA814CD0A771}"/>
-              </a:ext>
-            </a:extLst>
-          </p:cNvPr>
-          <p:cNvSpPr txBox="1"/>
-          <p:nvPr/>
-        </p:nvSpPr>
-        <p:spPr>
-          <a:xfrm>
-            <a:off x="2405214" y="5212364"/>
-            <a:ext cx="1358064" cy="523220"/>
-          </a:xfrm>
-          <a:prstGeom prst="rect">
-            <a:avLst/>
-          </a:prstGeom>
-          <a:noFill/>
-        </p:spPr>
-        <p:txBody>
-          <a:bodyPr wrap="none" rtlCol="0" anchor="ctr" anchorCtr="0">
-            <a:spAutoFit/>
-          </a:bodyPr>
-          <a:lstStyle/>
-          <a:p>
-            <a:pPr algn="ctr"/>
-            <a:r>
-              <a:rPr lang="en-US" sz="2800" dirty="0">
-                <a:latin typeface="Lato Light" panose="020F0502020204030203" pitchFamily="34" charset="0"/>
-                <a:ea typeface="Lato Light" panose="020F0502020204030203" pitchFamily="34" charset="0"/>
-                <a:cs typeface="Lato Light" panose="020F0502020204030203" pitchFamily="34" charset="0"/>
-              </a:rPr>
-              <a:t>La Niña</a:t>
-            </a:r>
-          </a:p>
-        </p:txBody>
-      </p:sp>
-      <p:sp>
-        <p:nvSpPr>
-          <p:cNvPr id="7" name="TextBox 6">
-            <a:extLst>
-              <a:ext uri="{FF2B5EF4-FFF2-40B4-BE49-F238E27FC236}">
-                <a16:creationId xmlns:a16="http://schemas.microsoft.com/office/drawing/2014/main" id="{A818F9FA-E53B-1A4C-804B-B2C173A93342}"/>
-              </a:ext>
-            </a:extLst>
-          </p:cNvPr>
-          <p:cNvSpPr txBox="1"/>
-          <p:nvPr/>
-        </p:nvSpPr>
-        <p:spPr>
-          <a:xfrm>
-            <a:off x="8428723" y="5212364"/>
-            <a:ext cx="1319592" cy="523220"/>
-          </a:xfrm>
-          <a:prstGeom prst="rect">
-            <a:avLst/>
-          </a:prstGeom>
-          <a:noFill/>
-        </p:spPr>
-        <p:txBody>
-          <a:bodyPr wrap="none" rtlCol="0" anchor="ctr" anchorCtr="0">
-            <a:spAutoFit/>
-          </a:bodyPr>
-          <a:lstStyle/>
-          <a:p>
-            <a:pPr algn="ctr"/>
-            <a:r>
-              <a:rPr lang="en-US" sz="2800" dirty="0">
-                <a:latin typeface="Lato Light" panose="020F0502020204030203" pitchFamily="34" charset="0"/>
-                <a:ea typeface="Lato Light" panose="020F0502020204030203" pitchFamily="34" charset="0"/>
-                <a:cs typeface="Lato Light" panose="020F0502020204030203" pitchFamily="34" charset="0"/>
-              </a:rPr>
-              <a:t>El Niño</a:t>
-            </a:r>
-          </a:p>
-        </p:txBody>
-      </p:sp>
-      <p:sp>
-        <p:nvSpPr>
-          <p:cNvPr id="10" name="TextBox 9">
-            <a:extLst>
-              <a:ext uri="{FF2B5EF4-FFF2-40B4-BE49-F238E27FC236}">
-                <a16:creationId xmlns:a16="http://schemas.microsoft.com/office/drawing/2014/main" id="{1A03899C-378E-B442-B538-C69C03144B63}"/>
-              </a:ext>
-            </a:extLst>
-          </p:cNvPr>
-          <p:cNvSpPr txBox="1"/>
-          <p:nvPr/>
-        </p:nvSpPr>
-        <p:spPr>
-          <a:xfrm>
-            <a:off x="5260657" y="1239851"/>
-            <a:ext cx="1670686" cy="461665"/>
-          </a:xfrm>
-          <a:prstGeom prst="rect">
-            <a:avLst/>
-          </a:prstGeom>
-          <a:noFill/>
-        </p:spPr>
-        <p:txBody>
-          <a:bodyPr wrap="square" rtlCol="0" anchor="ctr" anchorCtr="0">
-            <a:spAutoFit/>
-          </a:bodyPr>
-          <a:lstStyle/>
-          <a:p>
-            <a:pPr algn="ctr"/>
-            <a:r>
-              <a:rPr lang="en-US" sz="2400" dirty="0">
-                <a:latin typeface="Lato Light" panose="020F0502020204030203" pitchFamily="34" charset="0"/>
-                <a:ea typeface="Lato Light" panose="020F0502020204030203" pitchFamily="34" charset="0"/>
-                <a:cs typeface="Lato Light" panose="020F0502020204030203" pitchFamily="34" charset="0"/>
-              </a:rPr>
-              <a:t>Neutral</a:t>
-            </a:r>
-          </a:p>
-        </p:txBody>
-      </p:sp>
-      <p:sp>
-        <p:nvSpPr>
-          <p:cNvPr id="8" name="TextBox 7">
-            <a:extLst>
-              <a:ext uri="{FF2B5EF4-FFF2-40B4-BE49-F238E27FC236}">
-                <a16:creationId xmlns:a16="http://schemas.microsoft.com/office/drawing/2014/main" id="{89E38626-3C41-BE4F-999C-D8C791EFEFDD}"/>
-              </a:ext>
-            </a:extLst>
-          </p:cNvPr>
-          <p:cNvSpPr txBox="1"/>
-          <p:nvPr/>
-        </p:nvSpPr>
-        <p:spPr>
-          <a:xfrm>
-            <a:off x="2749746" y="341055"/>
-            <a:ext cx="6692508" cy="584775"/>
-          </a:xfrm>
-          <a:prstGeom prst="rect">
-            <a:avLst/>
-          </a:prstGeom>
-          <a:noFill/>
-        </p:spPr>
-        <p:txBody>
-          <a:bodyPr wrap="square" rtlCol="0" anchor="ctr" anchorCtr="0">
-            <a:spAutoFit/>
-          </a:bodyPr>
-          <a:lstStyle/>
-          <a:p>
-            <a:pPr algn="ctr"/>
-            <a:r>
-              <a:rPr lang="en-US" sz="3200" dirty="0">
-                <a:latin typeface="Lato Light" panose="020F0502020204030203" pitchFamily="34" charset="0"/>
-                <a:ea typeface="Lato Light" panose="020F0502020204030203" pitchFamily="34" charset="0"/>
-                <a:cs typeface="Lato Light" panose="020F0502020204030203" pitchFamily="34" charset="0"/>
-              </a:rPr>
-              <a:t>Current ENSO Conditions: </a:t>
-            </a:r>
-            <a:r>
-              <a:rPr lang="en-US" sz="3200" b="1" dirty="0">
-                <a:latin typeface="Lato Light" panose="020F0502020204030203" pitchFamily="34" charset="0"/>
-                <a:ea typeface="Lato Light" panose="020F0502020204030203" pitchFamily="34" charset="0"/>
-                <a:cs typeface="Lato Light" panose="020F0502020204030203" pitchFamily="34" charset="0"/>
-              </a:rPr>
-              <a:t>Neutral</a:t>
-            </a:r>
-          </a:p>
-        </p:txBody>
-      </p:sp>
     </p:spTree>
     <p:extLst>
       <p:ext uri="{BB962C8B-B14F-4D97-AF65-F5344CB8AC3E}">
-        <p14:creationId xmlns:p14="http://schemas.microsoft.com/office/powerpoint/2010/main" val="2722153546"/>
+        <p14:creationId xmlns:p14="http://schemas.microsoft.com/office/powerpoint/2010/main" val="2680196232"/>
       </p:ext>
     </p:extLst>
   </p:cSld>
@@ -7708,387 +7660,366 @@
           <a:chExt cx="0" cy="0"/>
         </a:xfrm>
       </p:grpSpPr>
-      <p:grpSp>
-        <p:nvGrpSpPr>
-          <p:cNvPr id="4" name="Group 3">
-            <a:extLst>
-              <a:ext uri="{FF2B5EF4-FFF2-40B4-BE49-F238E27FC236}">
-                <a16:creationId xmlns:a16="http://schemas.microsoft.com/office/drawing/2014/main" id="{558442A6-38C0-A747-A03F-B8D600FBF03F}"/>
-              </a:ext>
-            </a:extLst>
-          </p:cNvPr>
-          <p:cNvGrpSpPr/>
+      <p:graphicFrame>
+        <p:nvGraphicFramePr>
+          <p:cNvPr id="2" name="Chart 1">
+            <a:extLst>
+              <a:ext uri="{FF2B5EF4-FFF2-40B4-BE49-F238E27FC236}">
+                <a16:creationId xmlns:a16="http://schemas.microsoft.com/office/drawing/2014/main" id="{64C2B386-BA24-0B47-A746-A4B73E051DAC}"/>
+              </a:ext>
+            </a:extLst>
+          </p:cNvPr>
+          <p:cNvGraphicFramePr/>
+          <p:nvPr>
+            <p:extLst>
+              <p:ext uri="{D42A27DB-BD31-4B8C-83A1-F6EECF244321}">
+                <p14:modId xmlns:p14="http://schemas.microsoft.com/office/powerpoint/2010/main" val="3899125918"/>
+              </p:ext>
+            </p:extLst>
+          </p:nvPr>
+        </p:nvGraphicFramePr>
+        <p:xfrm>
+          <a:off x="0" y="925830"/>
+          <a:ext cx="12192000" cy="8298603"/>
+        </p:xfrm>
+        <a:graphic>
+          <a:graphicData uri="http://schemas.openxmlformats.org/drawingml/2006/chart">
+            <c:chart xmlns:c="http://schemas.openxmlformats.org/drawingml/2006/chart" xmlns:r="http://schemas.openxmlformats.org/officeDocument/2006/relationships" r:id="rId2"/>
+          </a:graphicData>
+        </a:graphic>
+      </p:graphicFrame>
+      <p:cxnSp>
+        <p:nvCxnSpPr>
+          <p:cNvPr id="3" name="Straight Connector 2">
+            <a:extLst>
+              <a:ext uri="{FF2B5EF4-FFF2-40B4-BE49-F238E27FC236}">
+                <a16:creationId xmlns:a16="http://schemas.microsoft.com/office/drawing/2014/main" id="{5BEC1D0A-B0F9-6D41-99D2-6EB38B4488A9}"/>
+              </a:ext>
+            </a:extLst>
+          </p:cNvPr>
+          <p:cNvCxnSpPr>
+            <a:cxnSpLocks/>
+          </p:cNvCxnSpPr>
           <p:nvPr/>
-        </p:nvGrpSpPr>
-        <p:grpSpPr>
+        </p:nvCxnSpPr>
+        <p:spPr>
           <a:xfrm>
-            <a:off x="0" y="341055"/>
-            <a:ext cx="12192000" cy="8883378"/>
-            <a:chOff x="0" y="341055"/>
-            <a:chExt cx="12192000" cy="8883378"/>
+            <a:off x="1173956" y="5225665"/>
+            <a:ext cx="9844088" cy="0"/>
           </a:xfrm>
-        </p:grpSpPr>
-        <p:graphicFrame>
-          <p:nvGraphicFramePr>
-            <p:cNvPr id="2" name="Chart 1">
-              <a:extLst>
-                <a:ext uri="{FF2B5EF4-FFF2-40B4-BE49-F238E27FC236}">
-                  <a16:creationId xmlns:a16="http://schemas.microsoft.com/office/drawing/2014/main" id="{64C2B386-BA24-0B47-A746-A4B73E051DAC}"/>
-                </a:ext>
-              </a:extLst>
-            </p:cNvPr>
-            <p:cNvGraphicFramePr/>
-            <p:nvPr>
-              <p:extLst>
-                <p:ext uri="{D42A27DB-BD31-4B8C-83A1-F6EECF244321}">
-                  <p14:modId xmlns:p14="http://schemas.microsoft.com/office/powerpoint/2010/main" val="2281644298"/>
-                </p:ext>
-              </p:extLst>
-            </p:nvPr>
-          </p:nvGraphicFramePr>
-          <p:xfrm>
-            <a:off x="0" y="925830"/>
-            <a:ext cx="12192000" cy="8298603"/>
-          </p:xfrm>
-          <a:graphic>
-            <a:graphicData uri="http://schemas.openxmlformats.org/drawingml/2006/chart">
-              <c:chart xmlns:c="http://schemas.openxmlformats.org/drawingml/2006/chart" xmlns:r="http://schemas.openxmlformats.org/officeDocument/2006/relationships" r:id="rId2"/>
-            </a:graphicData>
-          </a:graphic>
-        </p:graphicFrame>
-        <p:cxnSp>
-          <p:nvCxnSpPr>
-            <p:cNvPr id="3" name="Straight Connector 2">
-              <a:extLst>
-                <a:ext uri="{FF2B5EF4-FFF2-40B4-BE49-F238E27FC236}">
-                  <a16:creationId xmlns:a16="http://schemas.microsoft.com/office/drawing/2014/main" id="{5BEC1D0A-B0F9-6D41-99D2-6EB38B4488A9}"/>
-                </a:ext>
-              </a:extLst>
-            </p:cNvPr>
-            <p:cNvCxnSpPr>
-              <a:cxnSpLocks/>
-            </p:cNvCxnSpPr>
-            <p:nvPr/>
-          </p:nvCxnSpPr>
-          <p:spPr>
-            <a:xfrm>
-              <a:off x="1085850" y="5213635"/>
-              <a:ext cx="9844088" cy="0"/>
-            </a:xfrm>
-            <a:prstGeom prst="line">
-              <a:avLst/>
-            </a:prstGeom>
-            <a:ln>
-              <a:solidFill>
-                <a:schemeClr val="bg1">
-                  <a:lumMod val="65000"/>
-                </a:schemeClr>
-              </a:solidFill>
-            </a:ln>
-          </p:spPr>
-          <p:style>
-            <a:lnRef idx="1">
-              <a:schemeClr val="accent1"/>
-            </a:lnRef>
-            <a:fillRef idx="0">
-              <a:schemeClr val="accent1"/>
-            </a:fillRef>
-            <a:effectRef idx="0">
-              <a:schemeClr val="accent1"/>
-            </a:effectRef>
-            <a:fontRef idx="minor">
-              <a:schemeClr val="tx1"/>
-            </a:fontRef>
-          </p:style>
-        </p:cxnSp>
-        <p:sp>
-          <p:nvSpPr>
-            <p:cNvPr id="5" name="Freeform 4">
-              <a:extLst>
-                <a:ext uri="{FF2B5EF4-FFF2-40B4-BE49-F238E27FC236}">
-                  <a16:creationId xmlns:a16="http://schemas.microsoft.com/office/drawing/2014/main" id="{CC2E231E-D3AB-D54B-982B-1409B7223477}"/>
-                </a:ext>
-              </a:extLst>
-            </p:cNvPr>
-            <p:cNvSpPr/>
-            <p:nvPr/>
-          </p:nvSpPr>
-          <p:spPr>
-            <a:xfrm rot="1381220">
-              <a:off x="6405061" y="2157535"/>
-              <a:ext cx="680804" cy="3184339"/>
-            </a:xfrm>
-            <a:custGeom>
-              <a:avLst/>
-              <a:gdLst>
-                <a:gd name="connsiteX0" fmla="*/ 166257 w 332511"/>
-                <a:gd name="connsiteY0" fmla="*/ 0 h 4663276"/>
-                <a:gd name="connsiteX1" fmla="*/ 332511 w 332511"/>
-                <a:gd name="connsiteY1" fmla="*/ 4294909 h 4663276"/>
-                <a:gd name="connsiteX2" fmla="*/ 332509 w 332511"/>
-                <a:gd name="connsiteY2" fmla="*/ 4294909 h 4663276"/>
-                <a:gd name="connsiteX3" fmla="*/ 166254 w 332511"/>
-                <a:gd name="connsiteY3" fmla="*/ 4663276 h 4663276"/>
-                <a:gd name="connsiteX4" fmla="*/ 0 w 332511"/>
-                <a:gd name="connsiteY4" fmla="*/ 4294909 h 4663276"/>
-                <a:gd name="connsiteX5" fmla="*/ 2 w 332511"/>
-                <a:gd name="connsiteY5" fmla="*/ 4294909 h 4663276"/>
-              </a:gdLst>
-              <a:ahLst/>
-              <a:cxnLst>
-                <a:cxn ang="0">
-                  <a:pos x="connsiteX0" y="connsiteY0"/>
-                </a:cxn>
-                <a:cxn ang="0">
-                  <a:pos x="connsiteX1" y="connsiteY1"/>
-                </a:cxn>
-                <a:cxn ang="0">
-                  <a:pos x="connsiteX2" y="connsiteY2"/>
-                </a:cxn>
-                <a:cxn ang="0">
-                  <a:pos x="connsiteX3" y="connsiteY3"/>
-                </a:cxn>
-                <a:cxn ang="0">
-                  <a:pos x="connsiteX4" y="connsiteY4"/>
-                </a:cxn>
-                <a:cxn ang="0">
-                  <a:pos x="connsiteX5" y="connsiteY5"/>
-                </a:cxn>
-              </a:cxnLst>
-              <a:rect l="l" t="t" r="r" b="b"/>
-              <a:pathLst>
-                <a:path w="332511" h="4663276">
-                  <a:moveTo>
-                    <a:pt x="166257" y="0"/>
-                  </a:moveTo>
-                  <a:lnTo>
-                    <a:pt x="332511" y="4294909"/>
-                  </a:lnTo>
-                  <a:lnTo>
-                    <a:pt x="332509" y="4294909"/>
-                  </a:lnTo>
-                  <a:lnTo>
-                    <a:pt x="166254" y="4663276"/>
-                  </a:lnTo>
-                  <a:lnTo>
-                    <a:pt x="0" y="4294909"/>
-                  </a:lnTo>
-                  <a:lnTo>
-                    <a:pt x="2" y="4294909"/>
-                  </a:lnTo>
-                  <a:close/>
-                </a:path>
-              </a:pathLst>
-            </a:custGeom>
+          <a:prstGeom prst="line">
+            <a:avLst/>
+          </a:prstGeom>
+          <a:ln>
             <a:solidFill>
               <a:schemeClr val="bg1">
-                <a:lumMod val="50000"/>
+                <a:lumMod val="65000"/>
               </a:schemeClr>
             </a:solidFill>
-            <a:ln>
-              <a:noFill/>
-            </a:ln>
-          </p:spPr>
-          <p:style>
-            <a:lnRef idx="2">
-              <a:schemeClr val="accent1">
-                <a:shade val="50000"/>
-              </a:schemeClr>
-            </a:lnRef>
-            <a:fillRef idx="1">
-              <a:schemeClr val="accent1"/>
-            </a:fillRef>
-            <a:effectRef idx="0">
-              <a:schemeClr val="accent1"/>
-            </a:effectRef>
-            <a:fontRef idx="minor">
-              <a:schemeClr val="lt1"/>
-            </a:fontRef>
-          </p:style>
-          <p:txBody>
-            <a:bodyPr rtlCol="0" anchor="ctr"/>
-            <a:lstStyle/>
-            <a:p>
-              <a:pPr algn="ctr"/>
-              <a:endParaRPr lang="en-US" dirty="0">
+          </a:ln>
+        </p:spPr>
+        <p:style>
+          <a:lnRef idx="1">
+            <a:schemeClr val="accent1"/>
+          </a:lnRef>
+          <a:fillRef idx="0">
+            <a:schemeClr val="accent1"/>
+          </a:fillRef>
+          <a:effectRef idx="0">
+            <a:schemeClr val="accent1"/>
+          </a:effectRef>
+          <a:fontRef idx="minor">
+            <a:schemeClr val="tx1"/>
+          </a:fontRef>
+        </p:style>
+      </p:cxnSp>
+      <p:sp>
+        <p:nvSpPr>
+          <p:cNvPr id="6" name="TextBox 5">
+            <a:extLst>
+              <a:ext uri="{FF2B5EF4-FFF2-40B4-BE49-F238E27FC236}">
+                <a16:creationId xmlns:a16="http://schemas.microsoft.com/office/drawing/2014/main" id="{01FE0624-2535-2E49-ABB0-EA814CD0A771}"/>
+              </a:ext>
+            </a:extLst>
+          </p:cNvPr>
+          <p:cNvSpPr txBox="1"/>
+          <p:nvPr/>
+        </p:nvSpPr>
+        <p:spPr>
+          <a:xfrm>
+            <a:off x="2351495" y="5161146"/>
+            <a:ext cx="1358064" cy="523220"/>
+          </a:xfrm>
+          <a:prstGeom prst="rect">
+            <a:avLst/>
+          </a:prstGeom>
+          <a:noFill/>
+        </p:spPr>
+        <p:txBody>
+          <a:bodyPr wrap="none" rtlCol="0" anchor="ctr" anchorCtr="0">
+            <a:spAutoFit/>
+          </a:bodyPr>
+          <a:lstStyle/>
+          <a:p>
+            <a:pPr algn="ctr"/>
+            <a:r>
+              <a:rPr lang="en-US" sz="2800" dirty="0">
                 <a:latin typeface="Lato Light" panose="020F0502020204030203" pitchFamily="34" charset="0"/>
-              </a:endParaRPr>
-            </a:p>
-          </p:txBody>
-        </p:sp>
-        <p:sp>
-          <p:nvSpPr>
-            <p:cNvPr id="6" name="TextBox 5">
-              <a:extLst>
-                <a:ext uri="{FF2B5EF4-FFF2-40B4-BE49-F238E27FC236}">
-                  <a16:creationId xmlns:a16="http://schemas.microsoft.com/office/drawing/2014/main" id="{01FE0624-2535-2E49-ABB0-EA814CD0A771}"/>
-                </a:ext>
-              </a:extLst>
-            </p:cNvPr>
-            <p:cNvSpPr txBox="1"/>
-            <p:nvPr/>
-          </p:nvSpPr>
-          <p:spPr>
-            <a:xfrm>
-              <a:off x="2400708" y="5212364"/>
-              <a:ext cx="1358064" cy="523220"/>
-            </a:xfrm>
-            <a:prstGeom prst="rect">
-              <a:avLst/>
-            </a:prstGeom>
+                <a:ea typeface="Lato Light" panose="020F0502020204030203" pitchFamily="34" charset="0"/>
+                <a:cs typeface="Lato Light" panose="020F0502020204030203" pitchFamily="34" charset="0"/>
+              </a:rPr>
+              <a:t>La Niña</a:t>
+            </a:r>
+          </a:p>
+        </p:txBody>
+      </p:sp>
+      <p:sp>
+        <p:nvSpPr>
+          <p:cNvPr id="7" name="TextBox 6">
+            <a:extLst>
+              <a:ext uri="{FF2B5EF4-FFF2-40B4-BE49-F238E27FC236}">
+                <a16:creationId xmlns:a16="http://schemas.microsoft.com/office/drawing/2014/main" id="{A818F9FA-E53B-1A4C-804B-B2C173A93342}"/>
+              </a:ext>
+            </a:extLst>
+          </p:cNvPr>
+          <p:cNvSpPr txBox="1"/>
+          <p:nvPr/>
+        </p:nvSpPr>
+        <p:spPr>
+          <a:xfrm>
+            <a:off x="8469413" y="5161146"/>
+            <a:ext cx="1319592" cy="523220"/>
+          </a:xfrm>
+          <a:prstGeom prst="rect">
+            <a:avLst/>
+          </a:prstGeom>
+          <a:noFill/>
+        </p:spPr>
+        <p:txBody>
+          <a:bodyPr wrap="none" rtlCol="0" anchor="ctr" anchorCtr="0">
+            <a:spAutoFit/>
+          </a:bodyPr>
+          <a:lstStyle/>
+          <a:p>
+            <a:pPr algn="ctr"/>
+            <a:r>
+              <a:rPr lang="en-US" sz="2800" dirty="0">
+                <a:latin typeface="Lato Light" panose="020F0502020204030203" pitchFamily="34" charset="0"/>
+                <a:ea typeface="Lato Light" panose="020F0502020204030203" pitchFamily="34" charset="0"/>
+                <a:cs typeface="Lato Light" panose="020F0502020204030203" pitchFamily="34" charset="0"/>
+              </a:rPr>
+              <a:t>El Niño</a:t>
+            </a:r>
+          </a:p>
+        </p:txBody>
+      </p:sp>
+      <p:sp>
+        <p:nvSpPr>
+          <p:cNvPr id="10" name="TextBox 9">
+            <a:extLst>
+              <a:ext uri="{FF2B5EF4-FFF2-40B4-BE49-F238E27FC236}">
+                <a16:creationId xmlns:a16="http://schemas.microsoft.com/office/drawing/2014/main" id="{1A03899C-378E-B442-B538-C69C03144B63}"/>
+              </a:ext>
+            </a:extLst>
+          </p:cNvPr>
+          <p:cNvSpPr txBox="1"/>
+          <p:nvPr/>
+        </p:nvSpPr>
+        <p:spPr>
+          <a:xfrm>
+            <a:off x="5260657" y="1239851"/>
+            <a:ext cx="1670686" cy="461665"/>
+          </a:xfrm>
+          <a:prstGeom prst="rect">
+            <a:avLst/>
+          </a:prstGeom>
+          <a:noFill/>
+        </p:spPr>
+        <p:txBody>
+          <a:bodyPr wrap="square" rtlCol="0" anchor="ctr" anchorCtr="0">
+            <a:spAutoFit/>
+          </a:bodyPr>
+          <a:lstStyle/>
+          <a:p>
+            <a:pPr algn="ctr"/>
+            <a:r>
+              <a:rPr lang="en-US" sz="2400" dirty="0">
+                <a:latin typeface="Lato Light" panose="020F0502020204030203" pitchFamily="34" charset="0"/>
+                <a:ea typeface="Lato Light" panose="020F0502020204030203" pitchFamily="34" charset="0"/>
+                <a:cs typeface="Lato Light" panose="020F0502020204030203" pitchFamily="34" charset="0"/>
+              </a:rPr>
+              <a:t>Neutral</a:t>
+            </a:r>
+          </a:p>
+        </p:txBody>
+      </p:sp>
+      <p:sp>
+        <p:nvSpPr>
+          <p:cNvPr id="8" name="TextBox 7">
+            <a:extLst>
+              <a:ext uri="{FF2B5EF4-FFF2-40B4-BE49-F238E27FC236}">
+                <a16:creationId xmlns:a16="http://schemas.microsoft.com/office/drawing/2014/main" id="{89E38626-3C41-BE4F-999C-D8C791EFEFDD}"/>
+              </a:ext>
+            </a:extLst>
+          </p:cNvPr>
+          <p:cNvSpPr txBox="1"/>
+          <p:nvPr/>
+        </p:nvSpPr>
+        <p:spPr>
+          <a:xfrm>
+            <a:off x="2139217" y="288566"/>
+            <a:ext cx="7913565" cy="584775"/>
+          </a:xfrm>
+          <a:prstGeom prst="rect">
+            <a:avLst/>
+          </a:prstGeom>
+          <a:noFill/>
+        </p:spPr>
+        <p:txBody>
+          <a:bodyPr wrap="square" rtlCol="0" anchor="ctr" anchorCtr="0">
+            <a:spAutoFit/>
+          </a:bodyPr>
+          <a:lstStyle/>
+          <a:p>
+            <a:pPr algn="ctr"/>
+            <a:r>
+              <a:rPr lang="en-US" sz="3200" dirty="0">
+                <a:latin typeface="Lato Light" panose="020F0502020204030203" pitchFamily="34" charset="0"/>
+                <a:ea typeface="Lato Light" panose="020F0502020204030203" pitchFamily="34" charset="0"/>
+                <a:cs typeface="Lato Light" panose="020F0502020204030203" pitchFamily="34" charset="0"/>
+              </a:rPr>
+              <a:t>Current ENSO Conditions: </a:t>
+            </a:r>
+            <a:r>
+              <a:rPr lang="en-US" sz="3200" b="1" dirty="0">
+                <a:latin typeface="Lato Light" panose="020F0502020204030203" pitchFamily="34" charset="0"/>
+                <a:ea typeface="Lato Light" panose="020F0502020204030203" pitchFamily="34" charset="0"/>
+                <a:cs typeface="Lato Light" panose="020F0502020204030203" pitchFamily="34" charset="0"/>
+              </a:rPr>
+              <a:t>Weak El Niño</a:t>
+            </a:r>
+          </a:p>
+        </p:txBody>
+      </p:sp>
+      <p:sp>
+        <p:nvSpPr>
+          <p:cNvPr id="9" name="Freeform 8">
+            <a:extLst>
+              <a:ext uri="{FF2B5EF4-FFF2-40B4-BE49-F238E27FC236}">
+                <a16:creationId xmlns:a16="http://schemas.microsoft.com/office/drawing/2014/main" id="{795A5E00-219F-504F-AEEA-480D66A0562A}"/>
+              </a:ext>
+            </a:extLst>
+          </p:cNvPr>
+          <p:cNvSpPr/>
+          <p:nvPr/>
+        </p:nvSpPr>
+        <p:spPr>
+          <a:xfrm rot="1381220">
+            <a:off x="6405061" y="2157535"/>
+            <a:ext cx="680804" cy="3184339"/>
+          </a:xfrm>
+          <a:custGeom>
+            <a:avLst/>
+            <a:gdLst>
+              <a:gd name="connsiteX0" fmla="*/ 166257 w 332511"/>
+              <a:gd name="connsiteY0" fmla="*/ 0 h 4663276"/>
+              <a:gd name="connsiteX1" fmla="*/ 332511 w 332511"/>
+              <a:gd name="connsiteY1" fmla="*/ 4294909 h 4663276"/>
+              <a:gd name="connsiteX2" fmla="*/ 332509 w 332511"/>
+              <a:gd name="connsiteY2" fmla="*/ 4294909 h 4663276"/>
+              <a:gd name="connsiteX3" fmla="*/ 166254 w 332511"/>
+              <a:gd name="connsiteY3" fmla="*/ 4663276 h 4663276"/>
+              <a:gd name="connsiteX4" fmla="*/ 0 w 332511"/>
+              <a:gd name="connsiteY4" fmla="*/ 4294909 h 4663276"/>
+              <a:gd name="connsiteX5" fmla="*/ 2 w 332511"/>
+              <a:gd name="connsiteY5" fmla="*/ 4294909 h 4663276"/>
+            </a:gdLst>
+            <a:ahLst/>
+            <a:cxnLst>
+              <a:cxn ang="0">
+                <a:pos x="connsiteX0" y="connsiteY0"/>
+              </a:cxn>
+              <a:cxn ang="0">
+                <a:pos x="connsiteX1" y="connsiteY1"/>
+              </a:cxn>
+              <a:cxn ang="0">
+                <a:pos x="connsiteX2" y="connsiteY2"/>
+              </a:cxn>
+              <a:cxn ang="0">
+                <a:pos x="connsiteX3" y="connsiteY3"/>
+              </a:cxn>
+              <a:cxn ang="0">
+                <a:pos x="connsiteX4" y="connsiteY4"/>
+              </a:cxn>
+              <a:cxn ang="0">
+                <a:pos x="connsiteX5" y="connsiteY5"/>
+              </a:cxn>
+            </a:cxnLst>
+            <a:rect l="l" t="t" r="r" b="b"/>
+            <a:pathLst>
+              <a:path w="332511" h="4663276">
+                <a:moveTo>
+                  <a:pt x="166257" y="0"/>
+                </a:moveTo>
+                <a:lnTo>
+                  <a:pt x="332511" y="4294909"/>
+                </a:lnTo>
+                <a:lnTo>
+                  <a:pt x="332509" y="4294909"/>
+                </a:lnTo>
+                <a:lnTo>
+                  <a:pt x="166254" y="4663276"/>
+                </a:lnTo>
+                <a:lnTo>
+                  <a:pt x="0" y="4294909"/>
+                </a:lnTo>
+                <a:lnTo>
+                  <a:pt x="2" y="4294909"/>
+                </a:lnTo>
+                <a:close/>
+              </a:path>
+            </a:pathLst>
+          </a:custGeom>
+          <a:solidFill>
+            <a:schemeClr val="bg1">
+              <a:lumMod val="50000"/>
+            </a:schemeClr>
+          </a:solidFill>
+          <a:ln>
             <a:noFill/>
-          </p:spPr>
-          <p:txBody>
-            <a:bodyPr wrap="none" rtlCol="0" anchor="ctr" anchorCtr="0">
-              <a:spAutoFit/>
-            </a:bodyPr>
-            <a:lstStyle/>
-            <a:p>
-              <a:pPr algn="ctr"/>
-              <a:r>
-                <a:rPr lang="en-US" sz="2800" dirty="0">
-                  <a:latin typeface="Lato Light" panose="020F0502020204030203" pitchFamily="34" charset="0"/>
-                  <a:ea typeface="Lato Light" panose="020F0502020204030203" pitchFamily="34" charset="0"/>
-                  <a:cs typeface="Lato Light" panose="020F0502020204030203" pitchFamily="34" charset="0"/>
-                </a:rPr>
-                <a:t>La Niña</a:t>
-              </a:r>
-            </a:p>
-          </p:txBody>
-        </p:sp>
-        <p:sp>
-          <p:nvSpPr>
-            <p:cNvPr id="7" name="TextBox 6">
-              <a:extLst>
-                <a:ext uri="{FF2B5EF4-FFF2-40B4-BE49-F238E27FC236}">
-                  <a16:creationId xmlns:a16="http://schemas.microsoft.com/office/drawing/2014/main" id="{A818F9FA-E53B-1A4C-804B-B2C173A93342}"/>
-                </a:ext>
-              </a:extLst>
-            </p:cNvPr>
-            <p:cNvSpPr txBox="1"/>
-            <p:nvPr/>
-          </p:nvSpPr>
-          <p:spPr>
-            <a:xfrm>
-              <a:off x="8433927" y="5212364"/>
-              <a:ext cx="1319592" cy="523220"/>
-            </a:xfrm>
-            <a:prstGeom prst="rect">
-              <a:avLst/>
-            </a:prstGeom>
-            <a:noFill/>
-          </p:spPr>
-          <p:txBody>
-            <a:bodyPr wrap="none" rtlCol="0" anchor="ctr" anchorCtr="0">
-              <a:spAutoFit/>
-            </a:bodyPr>
-            <a:lstStyle/>
-            <a:p>
-              <a:pPr algn="ctr"/>
-              <a:r>
-                <a:rPr lang="en-US" sz="2800" dirty="0">
-                  <a:latin typeface="Lato Light" panose="020F0502020204030203" pitchFamily="34" charset="0"/>
-                  <a:ea typeface="Lato Light" panose="020F0502020204030203" pitchFamily="34" charset="0"/>
-                  <a:cs typeface="Lato Light" panose="020F0502020204030203" pitchFamily="34" charset="0"/>
-                </a:rPr>
-                <a:t>El Niño</a:t>
-              </a:r>
-            </a:p>
-          </p:txBody>
-        </p:sp>
-        <p:sp>
-          <p:nvSpPr>
-            <p:cNvPr id="10" name="TextBox 9">
-              <a:extLst>
-                <a:ext uri="{FF2B5EF4-FFF2-40B4-BE49-F238E27FC236}">
-                  <a16:creationId xmlns:a16="http://schemas.microsoft.com/office/drawing/2014/main" id="{1A03899C-378E-B442-B538-C69C03144B63}"/>
-                </a:ext>
-              </a:extLst>
-            </p:cNvPr>
-            <p:cNvSpPr txBox="1"/>
-            <p:nvPr/>
-          </p:nvSpPr>
-          <p:spPr>
-            <a:xfrm>
-              <a:off x="5260657" y="1239851"/>
-              <a:ext cx="1670686" cy="461665"/>
-            </a:xfrm>
-            <a:prstGeom prst="rect">
-              <a:avLst/>
-            </a:prstGeom>
-            <a:noFill/>
-          </p:spPr>
-          <p:txBody>
-            <a:bodyPr wrap="square" rtlCol="0" anchor="ctr" anchorCtr="0">
-              <a:spAutoFit/>
-            </a:bodyPr>
-            <a:lstStyle/>
-            <a:p>
-              <a:pPr algn="ctr"/>
-              <a:r>
-                <a:rPr lang="en-US" sz="2400" dirty="0">
-                  <a:latin typeface="Lato Light" panose="020F0502020204030203" pitchFamily="34" charset="0"/>
-                  <a:ea typeface="Lato Light" panose="020F0502020204030203" pitchFamily="34" charset="0"/>
-                  <a:cs typeface="Lato Light" panose="020F0502020204030203" pitchFamily="34" charset="0"/>
-                </a:rPr>
-                <a:t>Neutral</a:t>
-              </a:r>
-            </a:p>
-          </p:txBody>
-        </p:sp>
-        <p:sp>
-          <p:nvSpPr>
-            <p:cNvPr id="8" name="TextBox 7">
-              <a:extLst>
-                <a:ext uri="{FF2B5EF4-FFF2-40B4-BE49-F238E27FC236}">
-                  <a16:creationId xmlns:a16="http://schemas.microsoft.com/office/drawing/2014/main" id="{09517DE8-B43C-0E4A-8C13-D305BB6A98BD}"/>
-                </a:ext>
-              </a:extLst>
-            </p:cNvPr>
-            <p:cNvSpPr txBox="1"/>
-            <p:nvPr/>
-          </p:nvSpPr>
-          <p:spPr>
-            <a:xfrm>
-              <a:off x="2110154" y="341055"/>
-              <a:ext cx="8032652" cy="584775"/>
-            </a:xfrm>
-            <a:prstGeom prst="rect">
-              <a:avLst/>
-            </a:prstGeom>
-            <a:noFill/>
-          </p:spPr>
-          <p:txBody>
-            <a:bodyPr wrap="square" rtlCol="0" anchor="ctr" anchorCtr="0">
-              <a:spAutoFit/>
-            </a:bodyPr>
-            <a:lstStyle/>
-            <a:p>
-              <a:pPr algn="ctr"/>
-              <a:r>
-                <a:rPr lang="en-US" sz="3200" dirty="0">
-                  <a:latin typeface="Lato Light" panose="020F0502020204030203" pitchFamily="34" charset="0"/>
-                  <a:ea typeface="Lato Light" panose="020F0502020204030203" pitchFamily="34" charset="0"/>
-                  <a:cs typeface="Lato Light" panose="020F0502020204030203" pitchFamily="34" charset="0"/>
-                </a:rPr>
-                <a:t>Current ENSO Conditions: </a:t>
-              </a:r>
-              <a:r>
-                <a:rPr lang="en-US" sz="3200" b="1" dirty="0">
-                  <a:latin typeface="Lato Light" panose="020F0502020204030203" pitchFamily="34" charset="0"/>
-                  <a:ea typeface="Lato Light" panose="020F0502020204030203" pitchFamily="34" charset="0"/>
-                  <a:cs typeface="Lato Light" panose="020F0502020204030203" pitchFamily="34" charset="0"/>
-                </a:rPr>
-                <a:t>Weak El Niño</a:t>
-              </a:r>
-            </a:p>
-          </p:txBody>
-        </p:sp>
-      </p:grpSp>
+          </a:ln>
+        </p:spPr>
+        <p:style>
+          <a:lnRef idx="2">
+            <a:schemeClr val="accent1">
+              <a:shade val="50000"/>
+            </a:schemeClr>
+          </a:lnRef>
+          <a:fillRef idx="1">
+            <a:schemeClr val="accent1"/>
+          </a:fillRef>
+          <a:effectRef idx="0">
+            <a:schemeClr val="accent1"/>
+          </a:effectRef>
+          <a:fontRef idx="minor">
+            <a:schemeClr val="lt1"/>
+          </a:fontRef>
+        </p:style>
+        <p:txBody>
+          <a:bodyPr rtlCol="0" anchor="ctr"/>
+          <a:lstStyle/>
+          <a:p>
+            <a:pPr algn="ctr"/>
+            <a:endParaRPr lang="en-US" dirty="0">
+              <a:latin typeface="Lato Light" panose="020F0502020204030203" pitchFamily="34" charset="0"/>
+            </a:endParaRPr>
+          </a:p>
+        </p:txBody>
+      </p:sp>
     </p:spTree>
     <p:extLst>
       <p:ext uri="{BB962C8B-B14F-4D97-AF65-F5344CB8AC3E}">
-        <p14:creationId xmlns:p14="http://schemas.microsoft.com/office/powerpoint/2010/main" val="3273521412"/>
+        <p14:creationId xmlns:p14="http://schemas.microsoft.com/office/powerpoint/2010/main" val="1069170553"/>
       </p:ext>
     </p:extLst>
   </p:cSld>
@@ -8115,387 +8046,366 @@
           <a:chExt cx="0" cy="0"/>
         </a:xfrm>
       </p:grpSpPr>
-      <p:grpSp>
-        <p:nvGrpSpPr>
-          <p:cNvPr id="13" name="Group 12">
-            <a:extLst>
-              <a:ext uri="{FF2B5EF4-FFF2-40B4-BE49-F238E27FC236}">
-                <a16:creationId xmlns:a16="http://schemas.microsoft.com/office/drawing/2014/main" id="{9A1BA52C-E10D-6B46-892F-DAB17411E1FB}"/>
-              </a:ext>
-            </a:extLst>
-          </p:cNvPr>
-          <p:cNvGrpSpPr/>
+      <p:graphicFrame>
+        <p:nvGraphicFramePr>
+          <p:cNvPr id="2" name="Chart 1">
+            <a:extLst>
+              <a:ext uri="{FF2B5EF4-FFF2-40B4-BE49-F238E27FC236}">
+                <a16:creationId xmlns:a16="http://schemas.microsoft.com/office/drawing/2014/main" id="{64C2B386-BA24-0B47-A746-A4B73E051DAC}"/>
+              </a:ext>
+            </a:extLst>
+          </p:cNvPr>
+          <p:cNvGraphicFramePr/>
+          <p:nvPr>
+            <p:extLst>
+              <p:ext uri="{D42A27DB-BD31-4B8C-83A1-F6EECF244321}">
+                <p14:modId xmlns:p14="http://schemas.microsoft.com/office/powerpoint/2010/main" val="2267486592"/>
+              </p:ext>
+            </p:extLst>
+          </p:nvPr>
+        </p:nvGraphicFramePr>
+        <p:xfrm>
+          <a:off x="0" y="925830"/>
+          <a:ext cx="12192000" cy="8298603"/>
+        </p:xfrm>
+        <a:graphic>
+          <a:graphicData uri="http://schemas.openxmlformats.org/drawingml/2006/chart">
+            <c:chart xmlns:c="http://schemas.openxmlformats.org/drawingml/2006/chart" xmlns:r="http://schemas.openxmlformats.org/officeDocument/2006/relationships" r:id="rId2"/>
+          </a:graphicData>
+        </a:graphic>
+      </p:graphicFrame>
+      <p:cxnSp>
+        <p:nvCxnSpPr>
+          <p:cNvPr id="3" name="Straight Connector 2">
+            <a:extLst>
+              <a:ext uri="{FF2B5EF4-FFF2-40B4-BE49-F238E27FC236}">
+                <a16:creationId xmlns:a16="http://schemas.microsoft.com/office/drawing/2014/main" id="{5BEC1D0A-B0F9-6D41-99D2-6EB38B4488A9}"/>
+              </a:ext>
+            </a:extLst>
+          </p:cNvPr>
+          <p:cNvCxnSpPr>
+            <a:cxnSpLocks/>
+          </p:cNvCxnSpPr>
           <p:nvPr/>
-        </p:nvGrpSpPr>
-        <p:grpSpPr>
+        </p:nvCxnSpPr>
+        <p:spPr>
           <a:xfrm>
-            <a:off x="0" y="341055"/>
-            <a:ext cx="12192000" cy="8883378"/>
-            <a:chOff x="0" y="341055"/>
-            <a:chExt cx="12192000" cy="8883378"/>
+            <a:off x="1173956" y="5225665"/>
+            <a:ext cx="9844088" cy="0"/>
           </a:xfrm>
-        </p:grpSpPr>
-        <p:graphicFrame>
-          <p:nvGraphicFramePr>
-            <p:cNvPr id="2" name="Chart 1">
-              <a:extLst>
-                <a:ext uri="{FF2B5EF4-FFF2-40B4-BE49-F238E27FC236}">
-                  <a16:creationId xmlns:a16="http://schemas.microsoft.com/office/drawing/2014/main" id="{64C2B386-BA24-0B47-A746-A4B73E051DAC}"/>
-                </a:ext>
-              </a:extLst>
-            </p:cNvPr>
-            <p:cNvGraphicFramePr/>
-            <p:nvPr>
-              <p:extLst>
-                <p:ext uri="{D42A27DB-BD31-4B8C-83A1-F6EECF244321}">
-                  <p14:modId xmlns:p14="http://schemas.microsoft.com/office/powerpoint/2010/main" val="4149730335"/>
-                </p:ext>
-              </p:extLst>
-            </p:nvPr>
-          </p:nvGraphicFramePr>
-          <p:xfrm>
-            <a:off x="0" y="925830"/>
-            <a:ext cx="12192000" cy="8298603"/>
-          </p:xfrm>
-          <a:graphic>
-            <a:graphicData uri="http://schemas.openxmlformats.org/drawingml/2006/chart">
-              <c:chart xmlns:c="http://schemas.openxmlformats.org/drawingml/2006/chart" xmlns:r="http://schemas.openxmlformats.org/officeDocument/2006/relationships" r:id="rId2"/>
-            </a:graphicData>
-          </a:graphic>
-        </p:graphicFrame>
-        <p:cxnSp>
-          <p:nvCxnSpPr>
-            <p:cNvPr id="3" name="Straight Connector 2">
-              <a:extLst>
-                <a:ext uri="{FF2B5EF4-FFF2-40B4-BE49-F238E27FC236}">
-                  <a16:creationId xmlns:a16="http://schemas.microsoft.com/office/drawing/2014/main" id="{5BEC1D0A-B0F9-6D41-99D2-6EB38B4488A9}"/>
-                </a:ext>
-              </a:extLst>
-            </p:cNvPr>
-            <p:cNvCxnSpPr>
-              <a:cxnSpLocks/>
-            </p:cNvCxnSpPr>
-            <p:nvPr/>
-          </p:nvCxnSpPr>
-          <p:spPr>
-            <a:xfrm>
-              <a:off x="1085850" y="5213635"/>
-              <a:ext cx="9844088" cy="0"/>
-            </a:xfrm>
-            <a:prstGeom prst="line">
-              <a:avLst/>
-            </a:prstGeom>
-            <a:ln>
-              <a:solidFill>
-                <a:schemeClr val="bg1">
-                  <a:lumMod val="65000"/>
-                </a:schemeClr>
-              </a:solidFill>
-            </a:ln>
-          </p:spPr>
-          <p:style>
-            <a:lnRef idx="1">
-              <a:schemeClr val="accent1"/>
-            </a:lnRef>
-            <a:fillRef idx="0">
-              <a:schemeClr val="accent1"/>
-            </a:fillRef>
-            <a:effectRef idx="0">
-              <a:schemeClr val="accent1"/>
-            </a:effectRef>
-            <a:fontRef idx="minor">
-              <a:schemeClr val="tx1"/>
-            </a:fontRef>
-          </p:style>
-        </p:cxnSp>
-        <p:sp>
-          <p:nvSpPr>
-            <p:cNvPr id="5" name="Freeform 4">
-              <a:extLst>
-                <a:ext uri="{FF2B5EF4-FFF2-40B4-BE49-F238E27FC236}">
-                  <a16:creationId xmlns:a16="http://schemas.microsoft.com/office/drawing/2014/main" id="{CC2E231E-D3AB-D54B-982B-1409B7223477}"/>
-                </a:ext>
-              </a:extLst>
-            </p:cNvPr>
-            <p:cNvSpPr/>
-            <p:nvPr/>
-          </p:nvSpPr>
-          <p:spPr>
-            <a:xfrm rot="3786350">
-              <a:off x="7184285" y="2892192"/>
-              <a:ext cx="680804" cy="3184339"/>
-            </a:xfrm>
-            <a:custGeom>
-              <a:avLst/>
-              <a:gdLst>
-                <a:gd name="connsiteX0" fmla="*/ 166257 w 332511"/>
-                <a:gd name="connsiteY0" fmla="*/ 0 h 4663276"/>
-                <a:gd name="connsiteX1" fmla="*/ 332511 w 332511"/>
-                <a:gd name="connsiteY1" fmla="*/ 4294909 h 4663276"/>
-                <a:gd name="connsiteX2" fmla="*/ 332509 w 332511"/>
-                <a:gd name="connsiteY2" fmla="*/ 4294909 h 4663276"/>
-                <a:gd name="connsiteX3" fmla="*/ 166254 w 332511"/>
-                <a:gd name="connsiteY3" fmla="*/ 4663276 h 4663276"/>
-                <a:gd name="connsiteX4" fmla="*/ 0 w 332511"/>
-                <a:gd name="connsiteY4" fmla="*/ 4294909 h 4663276"/>
-                <a:gd name="connsiteX5" fmla="*/ 2 w 332511"/>
-                <a:gd name="connsiteY5" fmla="*/ 4294909 h 4663276"/>
-              </a:gdLst>
-              <a:ahLst/>
-              <a:cxnLst>
-                <a:cxn ang="0">
-                  <a:pos x="connsiteX0" y="connsiteY0"/>
-                </a:cxn>
-                <a:cxn ang="0">
-                  <a:pos x="connsiteX1" y="connsiteY1"/>
-                </a:cxn>
-                <a:cxn ang="0">
-                  <a:pos x="connsiteX2" y="connsiteY2"/>
-                </a:cxn>
-                <a:cxn ang="0">
-                  <a:pos x="connsiteX3" y="connsiteY3"/>
-                </a:cxn>
-                <a:cxn ang="0">
-                  <a:pos x="connsiteX4" y="connsiteY4"/>
-                </a:cxn>
-                <a:cxn ang="0">
-                  <a:pos x="connsiteX5" y="connsiteY5"/>
-                </a:cxn>
-              </a:cxnLst>
-              <a:rect l="l" t="t" r="r" b="b"/>
-              <a:pathLst>
-                <a:path w="332511" h="4663276">
-                  <a:moveTo>
-                    <a:pt x="166257" y="0"/>
-                  </a:moveTo>
-                  <a:lnTo>
-                    <a:pt x="332511" y="4294909"/>
-                  </a:lnTo>
-                  <a:lnTo>
-                    <a:pt x="332509" y="4294909"/>
-                  </a:lnTo>
-                  <a:lnTo>
-                    <a:pt x="166254" y="4663276"/>
-                  </a:lnTo>
-                  <a:lnTo>
-                    <a:pt x="0" y="4294909"/>
-                  </a:lnTo>
-                  <a:lnTo>
-                    <a:pt x="2" y="4294909"/>
-                  </a:lnTo>
-                  <a:close/>
-                </a:path>
-              </a:pathLst>
-            </a:custGeom>
+          <a:prstGeom prst="line">
+            <a:avLst/>
+          </a:prstGeom>
+          <a:ln>
             <a:solidFill>
               <a:schemeClr val="bg1">
-                <a:lumMod val="50000"/>
+                <a:lumMod val="65000"/>
               </a:schemeClr>
             </a:solidFill>
-            <a:ln>
-              <a:noFill/>
-            </a:ln>
-          </p:spPr>
-          <p:style>
-            <a:lnRef idx="2">
-              <a:schemeClr val="accent1">
-                <a:shade val="50000"/>
-              </a:schemeClr>
-            </a:lnRef>
-            <a:fillRef idx="1">
-              <a:schemeClr val="accent1"/>
-            </a:fillRef>
-            <a:effectRef idx="0">
-              <a:schemeClr val="accent1"/>
-            </a:effectRef>
-            <a:fontRef idx="minor">
-              <a:schemeClr val="lt1"/>
-            </a:fontRef>
-          </p:style>
-          <p:txBody>
-            <a:bodyPr rtlCol="0" anchor="ctr"/>
-            <a:lstStyle/>
-            <a:p>
-              <a:pPr algn="ctr"/>
-              <a:endParaRPr lang="en-US" dirty="0">
+          </a:ln>
+        </p:spPr>
+        <p:style>
+          <a:lnRef idx="1">
+            <a:schemeClr val="accent1"/>
+          </a:lnRef>
+          <a:fillRef idx="0">
+            <a:schemeClr val="accent1"/>
+          </a:fillRef>
+          <a:effectRef idx="0">
+            <a:schemeClr val="accent1"/>
+          </a:effectRef>
+          <a:fontRef idx="minor">
+            <a:schemeClr val="tx1"/>
+          </a:fontRef>
+        </p:style>
+      </p:cxnSp>
+      <p:sp>
+        <p:nvSpPr>
+          <p:cNvPr id="6" name="TextBox 5">
+            <a:extLst>
+              <a:ext uri="{FF2B5EF4-FFF2-40B4-BE49-F238E27FC236}">
+                <a16:creationId xmlns:a16="http://schemas.microsoft.com/office/drawing/2014/main" id="{01FE0624-2535-2E49-ABB0-EA814CD0A771}"/>
+              </a:ext>
+            </a:extLst>
+          </p:cNvPr>
+          <p:cNvSpPr txBox="1"/>
+          <p:nvPr/>
+        </p:nvSpPr>
+        <p:spPr>
+          <a:xfrm>
+            <a:off x="2351495" y="5161146"/>
+            <a:ext cx="1358064" cy="523220"/>
+          </a:xfrm>
+          <a:prstGeom prst="rect">
+            <a:avLst/>
+          </a:prstGeom>
+          <a:noFill/>
+        </p:spPr>
+        <p:txBody>
+          <a:bodyPr wrap="none" rtlCol="0" anchor="ctr" anchorCtr="0">
+            <a:spAutoFit/>
+          </a:bodyPr>
+          <a:lstStyle/>
+          <a:p>
+            <a:pPr algn="ctr"/>
+            <a:r>
+              <a:rPr lang="en-US" sz="2800" dirty="0">
                 <a:latin typeface="Lato Light" panose="020F0502020204030203" pitchFamily="34" charset="0"/>
-              </a:endParaRPr>
-            </a:p>
-          </p:txBody>
-        </p:sp>
-        <p:sp>
-          <p:nvSpPr>
-            <p:cNvPr id="6" name="TextBox 5">
-              <a:extLst>
-                <a:ext uri="{FF2B5EF4-FFF2-40B4-BE49-F238E27FC236}">
-                  <a16:creationId xmlns:a16="http://schemas.microsoft.com/office/drawing/2014/main" id="{01FE0624-2535-2E49-ABB0-EA814CD0A771}"/>
-                </a:ext>
-              </a:extLst>
-            </p:cNvPr>
-            <p:cNvSpPr txBox="1"/>
-            <p:nvPr/>
-          </p:nvSpPr>
-          <p:spPr>
-            <a:xfrm>
-              <a:off x="2400820" y="5212364"/>
-              <a:ext cx="1358064" cy="523220"/>
-            </a:xfrm>
-            <a:prstGeom prst="rect">
-              <a:avLst/>
-            </a:prstGeom>
+                <a:ea typeface="Lato Light" panose="020F0502020204030203" pitchFamily="34" charset="0"/>
+                <a:cs typeface="Lato Light" panose="020F0502020204030203" pitchFamily="34" charset="0"/>
+              </a:rPr>
+              <a:t>La Niña</a:t>
+            </a:r>
+          </a:p>
+        </p:txBody>
+      </p:sp>
+      <p:sp>
+        <p:nvSpPr>
+          <p:cNvPr id="7" name="TextBox 6">
+            <a:extLst>
+              <a:ext uri="{FF2B5EF4-FFF2-40B4-BE49-F238E27FC236}">
+                <a16:creationId xmlns:a16="http://schemas.microsoft.com/office/drawing/2014/main" id="{A818F9FA-E53B-1A4C-804B-B2C173A93342}"/>
+              </a:ext>
+            </a:extLst>
+          </p:cNvPr>
+          <p:cNvSpPr txBox="1"/>
+          <p:nvPr/>
+        </p:nvSpPr>
+        <p:spPr>
+          <a:xfrm>
+            <a:off x="8469413" y="5161146"/>
+            <a:ext cx="1319592" cy="523220"/>
+          </a:xfrm>
+          <a:prstGeom prst="rect">
+            <a:avLst/>
+          </a:prstGeom>
+          <a:noFill/>
+        </p:spPr>
+        <p:txBody>
+          <a:bodyPr wrap="none" rtlCol="0" anchor="ctr" anchorCtr="0">
+            <a:spAutoFit/>
+          </a:bodyPr>
+          <a:lstStyle/>
+          <a:p>
+            <a:pPr algn="ctr"/>
+            <a:r>
+              <a:rPr lang="en-US" sz="2800" dirty="0">
+                <a:latin typeface="Lato Light" panose="020F0502020204030203" pitchFamily="34" charset="0"/>
+                <a:ea typeface="Lato Light" panose="020F0502020204030203" pitchFamily="34" charset="0"/>
+                <a:cs typeface="Lato Light" panose="020F0502020204030203" pitchFamily="34" charset="0"/>
+              </a:rPr>
+              <a:t>El Niño</a:t>
+            </a:r>
+          </a:p>
+        </p:txBody>
+      </p:sp>
+      <p:sp>
+        <p:nvSpPr>
+          <p:cNvPr id="10" name="TextBox 9">
+            <a:extLst>
+              <a:ext uri="{FF2B5EF4-FFF2-40B4-BE49-F238E27FC236}">
+                <a16:creationId xmlns:a16="http://schemas.microsoft.com/office/drawing/2014/main" id="{1A03899C-378E-B442-B538-C69C03144B63}"/>
+              </a:ext>
+            </a:extLst>
+          </p:cNvPr>
+          <p:cNvSpPr txBox="1"/>
+          <p:nvPr/>
+        </p:nvSpPr>
+        <p:spPr>
+          <a:xfrm>
+            <a:off x="5260657" y="1239851"/>
+            <a:ext cx="1670686" cy="461665"/>
+          </a:xfrm>
+          <a:prstGeom prst="rect">
+            <a:avLst/>
+          </a:prstGeom>
+          <a:noFill/>
+        </p:spPr>
+        <p:txBody>
+          <a:bodyPr wrap="square" rtlCol="0" anchor="ctr" anchorCtr="0">
+            <a:spAutoFit/>
+          </a:bodyPr>
+          <a:lstStyle/>
+          <a:p>
+            <a:pPr algn="ctr"/>
+            <a:r>
+              <a:rPr lang="en-US" sz="2400" dirty="0">
+                <a:latin typeface="Lato Light" panose="020F0502020204030203" pitchFamily="34" charset="0"/>
+                <a:ea typeface="Lato Light" panose="020F0502020204030203" pitchFamily="34" charset="0"/>
+                <a:cs typeface="Lato Light" panose="020F0502020204030203" pitchFamily="34" charset="0"/>
+              </a:rPr>
+              <a:t>Neutral</a:t>
+            </a:r>
+          </a:p>
+        </p:txBody>
+      </p:sp>
+      <p:sp>
+        <p:nvSpPr>
+          <p:cNvPr id="8" name="TextBox 7">
+            <a:extLst>
+              <a:ext uri="{FF2B5EF4-FFF2-40B4-BE49-F238E27FC236}">
+                <a16:creationId xmlns:a16="http://schemas.microsoft.com/office/drawing/2014/main" id="{89E38626-3C41-BE4F-999C-D8C791EFEFDD}"/>
+              </a:ext>
+            </a:extLst>
+          </p:cNvPr>
+          <p:cNvSpPr txBox="1"/>
+          <p:nvPr/>
+        </p:nvSpPr>
+        <p:spPr>
+          <a:xfrm>
+            <a:off x="2139217" y="288566"/>
+            <a:ext cx="7913565" cy="584775"/>
+          </a:xfrm>
+          <a:prstGeom prst="rect">
+            <a:avLst/>
+          </a:prstGeom>
+          <a:noFill/>
+        </p:spPr>
+        <p:txBody>
+          <a:bodyPr wrap="square" rtlCol="0" anchor="ctr" anchorCtr="0">
+            <a:spAutoFit/>
+          </a:bodyPr>
+          <a:lstStyle/>
+          <a:p>
+            <a:pPr algn="ctr"/>
+            <a:r>
+              <a:rPr lang="en-US" sz="3200" dirty="0">
+                <a:latin typeface="Lato Light" panose="020F0502020204030203" pitchFamily="34" charset="0"/>
+                <a:ea typeface="Lato Light" panose="020F0502020204030203" pitchFamily="34" charset="0"/>
+                <a:cs typeface="Lato Light" panose="020F0502020204030203" pitchFamily="34" charset="0"/>
+              </a:rPr>
+              <a:t>Current ENSO Conditions: </a:t>
+            </a:r>
+            <a:r>
+              <a:rPr lang="en-US" sz="3200" b="1" dirty="0">
+                <a:latin typeface="Lato Light" panose="020F0502020204030203" pitchFamily="34" charset="0"/>
+                <a:ea typeface="Lato Light" panose="020F0502020204030203" pitchFamily="34" charset="0"/>
+                <a:cs typeface="Lato Light" panose="020F0502020204030203" pitchFamily="34" charset="0"/>
+              </a:rPr>
+              <a:t>Strong El Niño</a:t>
+            </a:r>
+          </a:p>
+        </p:txBody>
+      </p:sp>
+      <p:sp>
+        <p:nvSpPr>
+          <p:cNvPr id="11" name="Freeform 10">
+            <a:extLst>
+              <a:ext uri="{FF2B5EF4-FFF2-40B4-BE49-F238E27FC236}">
+                <a16:creationId xmlns:a16="http://schemas.microsoft.com/office/drawing/2014/main" id="{3655F62E-AA07-204D-AF5B-364A0B255D15}"/>
+              </a:ext>
+            </a:extLst>
+          </p:cNvPr>
+          <p:cNvSpPr/>
+          <p:nvPr/>
+        </p:nvSpPr>
+        <p:spPr>
+          <a:xfrm rot="3786350">
+            <a:off x="7184285" y="2892192"/>
+            <a:ext cx="680804" cy="3184339"/>
+          </a:xfrm>
+          <a:custGeom>
+            <a:avLst/>
+            <a:gdLst>
+              <a:gd name="connsiteX0" fmla="*/ 166257 w 332511"/>
+              <a:gd name="connsiteY0" fmla="*/ 0 h 4663276"/>
+              <a:gd name="connsiteX1" fmla="*/ 332511 w 332511"/>
+              <a:gd name="connsiteY1" fmla="*/ 4294909 h 4663276"/>
+              <a:gd name="connsiteX2" fmla="*/ 332509 w 332511"/>
+              <a:gd name="connsiteY2" fmla="*/ 4294909 h 4663276"/>
+              <a:gd name="connsiteX3" fmla="*/ 166254 w 332511"/>
+              <a:gd name="connsiteY3" fmla="*/ 4663276 h 4663276"/>
+              <a:gd name="connsiteX4" fmla="*/ 0 w 332511"/>
+              <a:gd name="connsiteY4" fmla="*/ 4294909 h 4663276"/>
+              <a:gd name="connsiteX5" fmla="*/ 2 w 332511"/>
+              <a:gd name="connsiteY5" fmla="*/ 4294909 h 4663276"/>
+            </a:gdLst>
+            <a:ahLst/>
+            <a:cxnLst>
+              <a:cxn ang="0">
+                <a:pos x="connsiteX0" y="connsiteY0"/>
+              </a:cxn>
+              <a:cxn ang="0">
+                <a:pos x="connsiteX1" y="connsiteY1"/>
+              </a:cxn>
+              <a:cxn ang="0">
+                <a:pos x="connsiteX2" y="connsiteY2"/>
+              </a:cxn>
+              <a:cxn ang="0">
+                <a:pos x="connsiteX3" y="connsiteY3"/>
+              </a:cxn>
+              <a:cxn ang="0">
+                <a:pos x="connsiteX4" y="connsiteY4"/>
+              </a:cxn>
+              <a:cxn ang="0">
+                <a:pos x="connsiteX5" y="connsiteY5"/>
+              </a:cxn>
+            </a:cxnLst>
+            <a:rect l="l" t="t" r="r" b="b"/>
+            <a:pathLst>
+              <a:path w="332511" h="4663276">
+                <a:moveTo>
+                  <a:pt x="166257" y="0"/>
+                </a:moveTo>
+                <a:lnTo>
+                  <a:pt x="332511" y="4294909"/>
+                </a:lnTo>
+                <a:lnTo>
+                  <a:pt x="332509" y="4294909"/>
+                </a:lnTo>
+                <a:lnTo>
+                  <a:pt x="166254" y="4663276"/>
+                </a:lnTo>
+                <a:lnTo>
+                  <a:pt x="0" y="4294909"/>
+                </a:lnTo>
+                <a:lnTo>
+                  <a:pt x="2" y="4294909"/>
+                </a:lnTo>
+                <a:close/>
+              </a:path>
+            </a:pathLst>
+          </a:custGeom>
+          <a:solidFill>
+            <a:schemeClr val="bg1">
+              <a:lumMod val="50000"/>
+            </a:schemeClr>
+          </a:solidFill>
+          <a:ln>
             <a:noFill/>
-          </p:spPr>
-          <p:txBody>
-            <a:bodyPr wrap="none" rtlCol="0" anchor="ctr" anchorCtr="0">
-              <a:spAutoFit/>
-            </a:bodyPr>
-            <a:lstStyle/>
-            <a:p>
-              <a:pPr algn="ctr"/>
-              <a:r>
-                <a:rPr lang="en-US" sz="2800" dirty="0">
-                  <a:latin typeface="Lato Light" panose="020F0502020204030203" pitchFamily="34" charset="0"/>
-                  <a:ea typeface="Lato Light" panose="020F0502020204030203" pitchFamily="34" charset="0"/>
-                  <a:cs typeface="Lato Light" panose="020F0502020204030203" pitchFamily="34" charset="0"/>
-                </a:rPr>
-                <a:t>La Niña</a:t>
-              </a:r>
-            </a:p>
-          </p:txBody>
-        </p:sp>
-        <p:sp>
-          <p:nvSpPr>
-            <p:cNvPr id="7" name="TextBox 6">
-              <a:extLst>
-                <a:ext uri="{FF2B5EF4-FFF2-40B4-BE49-F238E27FC236}">
-                  <a16:creationId xmlns:a16="http://schemas.microsoft.com/office/drawing/2014/main" id="{A818F9FA-E53B-1A4C-804B-B2C173A93342}"/>
-                </a:ext>
-              </a:extLst>
-            </p:cNvPr>
-            <p:cNvSpPr txBox="1"/>
-            <p:nvPr/>
-          </p:nvSpPr>
-          <p:spPr>
-            <a:xfrm>
-              <a:off x="8433927" y="5212364"/>
-              <a:ext cx="1319592" cy="523220"/>
-            </a:xfrm>
-            <a:prstGeom prst="rect">
-              <a:avLst/>
-            </a:prstGeom>
-            <a:noFill/>
-          </p:spPr>
-          <p:txBody>
-            <a:bodyPr wrap="none" rtlCol="0" anchor="ctr" anchorCtr="0">
-              <a:spAutoFit/>
-            </a:bodyPr>
-            <a:lstStyle/>
-            <a:p>
-              <a:pPr algn="ctr"/>
-              <a:r>
-                <a:rPr lang="en-US" sz="2800" dirty="0">
-                  <a:latin typeface="Lato Light" panose="020F0502020204030203" pitchFamily="34" charset="0"/>
-                  <a:ea typeface="Lato Light" panose="020F0502020204030203" pitchFamily="34" charset="0"/>
-                  <a:cs typeface="Lato Light" panose="020F0502020204030203" pitchFamily="34" charset="0"/>
-                </a:rPr>
-                <a:t>El Niño</a:t>
-              </a:r>
-            </a:p>
-          </p:txBody>
-        </p:sp>
-        <p:sp>
-          <p:nvSpPr>
-            <p:cNvPr id="10" name="TextBox 9">
-              <a:extLst>
-                <a:ext uri="{FF2B5EF4-FFF2-40B4-BE49-F238E27FC236}">
-                  <a16:creationId xmlns:a16="http://schemas.microsoft.com/office/drawing/2014/main" id="{1A03899C-378E-B442-B538-C69C03144B63}"/>
-                </a:ext>
-              </a:extLst>
-            </p:cNvPr>
-            <p:cNvSpPr txBox="1"/>
-            <p:nvPr/>
-          </p:nvSpPr>
-          <p:spPr>
-            <a:xfrm>
-              <a:off x="5260657" y="1239851"/>
-              <a:ext cx="1670686" cy="461665"/>
-            </a:xfrm>
-            <a:prstGeom prst="rect">
-              <a:avLst/>
-            </a:prstGeom>
-            <a:noFill/>
-          </p:spPr>
-          <p:txBody>
-            <a:bodyPr wrap="square" rtlCol="0" anchor="ctr" anchorCtr="0">
-              <a:spAutoFit/>
-            </a:bodyPr>
-            <a:lstStyle/>
-            <a:p>
-              <a:pPr algn="ctr"/>
-              <a:r>
-                <a:rPr lang="en-US" sz="2400" dirty="0">
-                  <a:latin typeface="Lato Light" panose="020F0502020204030203" pitchFamily="34" charset="0"/>
-                  <a:ea typeface="Lato Light" panose="020F0502020204030203" pitchFamily="34" charset="0"/>
-                  <a:cs typeface="Lato Light" panose="020F0502020204030203" pitchFamily="34" charset="0"/>
-                </a:rPr>
-                <a:t>Neutral</a:t>
-              </a:r>
-            </a:p>
-          </p:txBody>
-        </p:sp>
-        <p:sp>
-          <p:nvSpPr>
-            <p:cNvPr id="12" name="TextBox 11">
-              <a:extLst>
-                <a:ext uri="{FF2B5EF4-FFF2-40B4-BE49-F238E27FC236}">
-                  <a16:creationId xmlns:a16="http://schemas.microsoft.com/office/drawing/2014/main" id="{837948B8-9A2C-A440-A9F6-5333ED361FEF}"/>
-                </a:ext>
-              </a:extLst>
-            </p:cNvPr>
-            <p:cNvSpPr txBox="1"/>
-            <p:nvPr/>
-          </p:nvSpPr>
-          <p:spPr>
-            <a:xfrm>
-              <a:off x="2749745" y="341055"/>
-              <a:ext cx="7533737" cy="584775"/>
-            </a:xfrm>
-            <a:prstGeom prst="rect">
-              <a:avLst/>
-            </a:prstGeom>
-            <a:noFill/>
-          </p:spPr>
-          <p:txBody>
-            <a:bodyPr wrap="square" rtlCol="0" anchor="ctr" anchorCtr="0">
-              <a:spAutoFit/>
-            </a:bodyPr>
-            <a:lstStyle/>
-            <a:p>
-              <a:pPr algn="ctr"/>
-              <a:r>
-                <a:rPr lang="en-US" sz="3200" dirty="0">
-                  <a:latin typeface="Lato Light" panose="020F0502020204030203" pitchFamily="34" charset="0"/>
-                  <a:ea typeface="Lato Light" panose="020F0502020204030203" pitchFamily="34" charset="0"/>
-                  <a:cs typeface="Lato Light" panose="020F0502020204030203" pitchFamily="34" charset="0"/>
-                </a:rPr>
-                <a:t>Current ENSO Conditions: </a:t>
-              </a:r>
-              <a:r>
-                <a:rPr lang="en-US" sz="3200" b="1" dirty="0">
-                  <a:latin typeface="Lato Light" panose="020F0502020204030203" pitchFamily="34" charset="0"/>
-                  <a:ea typeface="Lato Light" panose="020F0502020204030203" pitchFamily="34" charset="0"/>
-                  <a:cs typeface="Lato Light" panose="020F0502020204030203" pitchFamily="34" charset="0"/>
-                </a:rPr>
-                <a:t>Strong El Niño</a:t>
-              </a:r>
-            </a:p>
-          </p:txBody>
-        </p:sp>
-      </p:grpSp>
+          </a:ln>
+        </p:spPr>
+        <p:style>
+          <a:lnRef idx="2">
+            <a:schemeClr val="accent1">
+              <a:shade val="50000"/>
+            </a:schemeClr>
+          </a:lnRef>
+          <a:fillRef idx="1">
+            <a:schemeClr val="accent1"/>
+          </a:fillRef>
+          <a:effectRef idx="0">
+            <a:schemeClr val="accent1"/>
+          </a:effectRef>
+          <a:fontRef idx="minor">
+            <a:schemeClr val="lt1"/>
+          </a:fontRef>
+        </p:style>
+        <p:txBody>
+          <a:bodyPr rtlCol="0" anchor="ctr"/>
+          <a:lstStyle/>
+          <a:p>
+            <a:pPr algn="ctr"/>
+            <a:endParaRPr lang="en-US" dirty="0">
+              <a:latin typeface="Lato Light" panose="020F0502020204030203" pitchFamily="34" charset="0"/>
+            </a:endParaRPr>
+          </a:p>
+        </p:txBody>
+      </p:sp>
     </p:spTree>
     <p:extLst>
       <p:ext uri="{BB962C8B-B14F-4D97-AF65-F5344CB8AC3E}">
-        <p14:creationId xmlns:p14="http://schemas.microsoft.com/office/powerpoint/2010/main" val="2980096889"/>
+        <p14:creationId xmlns:p14="http://schemas.microsoft.com/office/powerpoint/2010/main" val="1010758370"/>
       </p:ext>
     </p:extLst>
   </p:cSld>

--- a/gauge/gauge.pptx
+++ b/gauge/gauge.pptx
@@ -2663,7 +2663,7 @@
           <a:p>
             <a:fld id="{37FAFB5B-2498-0643-89AA-0B90F959F1A9}" type="datetimeFigureOut">
               <a:rPr lang="en-US" smtClean="0"/>
-              <a:t>11/26/21</a:t>
+              <a:t>12/20/21</a:t>
             </a:fld>
             <a:endParaRPr lang="en-US"/>
           </a:p>
@@ -2861,7 +2861,7 @@
           <a:p>
             <a:fld id="{37FAFB5B-2498-0643-89AA-0B90F959F1A9}" type="datetimeFigureOut">
               <a:rPr lang="en-US" smtClean="0"/>
-              <a:t>11/26/21</a:t>
+              <a:t>12/20/21</a:t>
             </a:fld>
             <a:endParaRPr lang="en-US"/>
           </a:p>
@@ -3069,7 +3069,7 @@
           <a:p>
             <a:fld id="{37FAFB5B-2498-0643-89AA-0B90F959F1A9}" type="datetimeFigureOut">
               <a:rPr lang="en-US" smtClean="0"/>
-              <a:t>11/26/21</a:t>
+              <a:t>12/20/21</a:t>
             </a:fld>
             <a:endParaRPr lang="en-US"/>
           </a:p>
@@ -3267,7 +3267,7 @@
           <a:p>
             <a:fld id="{37FAFB5B-2498-0643-89AA-0B90F959F1A9}" type="datetimeFigureOut">
               <a:rPr lang="en-US" smtClean="0"/>
-              <a:t>11/26/21</a:t>
+              <a:t>12/20/21</a:t>
             </a:fld>
             <a:endParaRPr lang="en-US"/>
           </a:p>
@@ -3542,7 +3542,7 @@
           <a:p>
             <a:fld id="{37FAFB5B-2498-0643-89AA-0B90F959F1A9}" type="datetimeFigureOut">
               <a:rPr lang="en-US" smtClean="0"/>
-              <a:t>11/26/21</a:t>
+              <a:t>12/20/21</a:t>
             </a:fld>
             <a:endParaRPr lang="en-US"/>
           </a:p>
@@ -3807,7 +3807,7 @@
           <a:p>
             <a:fld id="{37FAFB5B-2498-0643-89AA-0B90F959F1A9}" type="datetimeFigureOut">
               <a:rPr lang="en-US" smtClean="0"/>
-              <a:t>11/26/21</a:t>
+              <a:t>12/20/21</a:t>
             </a:fld>
             <a:endParaRPr lang="en-US"/>
           </a:p>
@@ -4219,7 +4219,7 @@
           <a:p>
             <a:fld id="{37FAFB5B-2498-0643-89AA-0B90F959F1A9}" type="datetimeFigureOut">
               <a:rPr lang="en-US" smtClean="0"/>
-              <a:t>11/26/21</a:t>
+              <a:t>12/20/21</a:t>
             </a:fld>
             <a:endParaRPr lang="en-US"/>
           </a:p>
@@ -4360,7 +4360,7 @@
           <a:p>
             <a:fld id="{37FAFB5B-2498-0643-89AA-0B90F959F1A9}" type="datetimeFigureOut">
               <a:rPr lang="en-US" smtClean="0"/>
-              <a:t>11/26/21</a:t>
+              <a:t>12/20/21</a:t>
             </a:fld>
             <a:endParaRPr lang="en-US"/>
           </a:p>
@@ -4473,7 +4473,7 @@
           <a:p>
             <a:fld id="{37FAFB5B-2498-0643-89AA-0B90F959F1A9}" type="datetimeFigureOut">
               <a:rPr lang="en-US" smtClean="0"/>
-              <a:t>11/26/21</a:t>
+              <a:t>12/20/21</a:t>
             </a:fld>
             <a:endParaRPr lang="en-US"/>
           </a:p>
@@ -4784,7 +4784,7 @@
           <a:p>
             <a:fld id="{37FAFB5B-2498-0643-89AA-0B90F959F1A9}" type="datetimeFigureOut">
               <a:rPr lang="en-US" smtClean="0"/>
-              <a:t>11/26/21</a:t>
+              <a:t>12/20/21</a:t>
             </a:fld>
             <a:endParaRPr lang="en-US"/>
           </a:p>
@@ -5072,7 +5072,7 @@
           <a:p>
             <a:fld id="{37FAFB5B-2498-0643-89AA-0B90F959F1A9}" type="datetimeFigureOut">
               <a:rPr lang="en-US" smtClean="0"/>
-              <a:t>11/26/21</a:t>
+              <a:t>12/20/21</a:t>
             </a:fld>
             <a:endParaRPr lang="en-US"/>
           </a:p>
@@ -5313,7 +5313,7 @@
           <a:p>
             <a:fld id="{37FAFB5B-2498-0643-89AA-0B90F959F1A9}" type="datetimeFigureOut">
               <a:rPr lang="en-US" smtClean="0"/>
-              <a:t>11/26/21</a:t>
+              <a:t>12/20/21</a:t>
             </a:fld>
             <a:endParaRPr lang="en-US"/>
           </a:p>
@@ -5743,7 +5743,7 @@
           <p:nvPr>
             <p:extLst>
               <p:ext uri="{D42A27DB-BD31-4B8C-83A1-F6EECF244321}">
-                <p14:modId xmlns:p14="http://schemas.microsoft.com/office/powerpoint/2010/main" val="2882375204"/>
+                <p14:modId xmlns:p14="http://schemas.microsoft.com/office/powerpoint/2010/main" val="90925749"/>
               </p:ext>
             </p:extLst>
           </p:nvPr>
@@ -5887,8 +5887,10 @@
               <a:lumMod val="50000"/>
             </a:schemeClr>
           </a:solidFill>
-          <a:ln>
-            <a:noFill/>
+          <a:ln w="19050">
+            <a:solidFill>
+              <a:schemeClr val="tx1"/>
+            </a:solidFill>
           </a:ln>
         </p:spPr>
         <p:style>
@@ -6129,7 +6131,7 @@
           <p:nvPr>
             <p:extLst>
               <p:ext uri="{D42A27DB-BD31-4B8C-83A1-F6EECF244321}">
-                <p14:modId xmlns:p14="http://schemas.microsoft.com/office/powerpoint/2010/main" val="1699067962"/>
+                <p14:modId xmlns:p14="http://schemas.microsoft.com/office/powerpoint/2010/main" val="3703619923"/>
               </p:ext>
             </p:extLst>
           </p:nvPr>
@@ -6441,8 +6443,10 @@
               <a:lumMod val="50000"/>
             </a:schemeClr>
           </a:solidFill>
-          <a:ln>
-            <a:noFill/>
+          <a:ln w="19050">
+            <a:solidFill>
+              <a:schemeClr val="tx1"/>
+            </a:solidFill>
           </a:ln>
         </p:spPr>
         <p:style>
@@ -6515,7 +6519,7 @@
           <p:nvPr>
             <p:extLst>
               <p:ext uri="{D42A27DB-BD31-4B8C-83A1-F6EECF244321}">
-                <p14:modId xmlns:p14="http://schemas.microsoft.com/office/powerpoint/2010/main" val="486629070"/>
+                <p14:modId xmlns:p14="http://schemas.microsoft.com/office/powerpoint/2010/main" val="277222358"/>
               </p:ext>
             </p:extLst>
           </p:nvPr>
@@ -6827,8 +6831,10 @@
               <a:lumMod val="50000"/>
             </a:schemeClr>
           </a:solidFill>
-          <a:ln>
-            <a:noFill/>
+          <a:ln w="19050">
+            <a:solidFill>
+              <a:schemeClr val="tx1"/>
+            </a:solidFill>
           </a:ln>
         </p:spPr>
         <p:style>
@@ -6901,7 +6907,7 @@
           <p:nvPr>
             <p:extLst>
               <p:ext uri="{D42A27DB-BD31-4B8C-83A1-F6EECF244321}">
-                <p14:modId xmlns:p14="http://schemas.microsoft.com/office/powerpoint/2010/main" val="4010217565"/>
+                <p14:modId xmlns:p14="http://schemas.microsoft.com/office/powerpoint/2010/main" val="2939112518"/>
               </p:ext>
             </p:extLst>
           </p:nvPr>
@@ -7213,8 +7219,10 @@
               <a:lumMod val="50000"/>
             </a:schemeClr>
           </a:solidFill>
-          <a:ln>
-            <a:noFill/>
+          <a:ln w="19050">
+            <a:solidFill>
+              <a:schemeClr val="tx1"/>
+            </a:solidFill>
           </a:ln>
         </p:spPr>
         <p:style>
@@ -7287,7 +7295,7 @@
           <p:nvPr>
             <p:extLst>
               <p:ext uri="{D42A27DB-BD31-4B8C-83A1-F6EECF244321}">
-                <p14:modId xmlns:p14="http://schemas.microsoft.com/office/powerpoint/2010/main" val="455506221"/>
+                <p14:modId xmlns:p14="http://schemas.microsoft.com/office/powerpoint/2010/main" val="2305527875"/>
               </p:ext>
             </p:extLst>
           </p:nvPr>
@@ -7599,8 +7607,10 @@
               <a:lumMod val="50000"/>
             </a:schemeClr>
           </a:solidFill>
-          <a:ln>
-            <a:noFill/>
+          <a:ln w="19050">
+            <a:solidFill>
+              <a:schemeClr val="tx1"/>
+            </a:solidFill>
           </a:ln>
         </p:spPr>
         <p:style>
@@ -7673,7 +7683,7 @@
           <p:nvPr>
             <p:extLst>
               <p:ext uri="{D42A27DB-BD31-4B8C-83A1-F6EECF244321}">
-                <p14:modId xmlns:p14="http://schemas.microsoft.com/office/powerpoint/2010/main" val="3899125918"/>
+                <p14:modId xmlns:p14="http://schemas.microsoft.com/office/powerpoint/2010/main" val="1755725962"/>
               </p:ext>
             </p:extLst>
           </p:nvPr>
@@ -7985,8 +7995,10 @@
               <a:lumMod val="50000"/>
             </a:schemeClr>
           </a:solidFill>
-          <a:ln>
-            <a:noFill/>
+          <a:ln w="19050">
+            <a:solidFill>
+              <a:schemeClr val="tx1"/>
+            </a:solidFill>
           </a:ln>
         </p:spPr>
         <p:style>
@@ -8059,7 +8071,7 @@
           <p:nvPr>
             <p:extLst>
               <p:ext uri="{D42A27DB-BD31-4B8C-83A1-F6EECF244321}">
-                <p14:modId xmlns:p14="http://schemas.microsoft.com/office/powerpoint/2010/main" val="2267486592"/>
+                <p14:modId xmlns:p14="http://schemas.microsoft.com/office/powerpoint/2010/main" val="4146366551"/>
               </p:ext>
             </p:extLst>
           </p:nvPr>
@@ -8371,8 +8383,10 @@
               <a:lumMod val="50000"/>
             </a:schemeClr>
           </a:solidFill>
-          <a:ln>
-            <a:noFill/>
+          <a:ln w="19050">
+            <a:solidFill>
+              <a:schemeClr val="tx1"/>
+            </a:solidFill>
           </a:ln>
         </p:spPr>
         <p:style>
